--- a/Class&SeqDiagram/ClassDesign.pptx
+++ b/Class&SeqDiagram/ClassDesign.pptx
@@ -5,15 +5,29 @@
     <p:sldMasterId id="2147483655" r:id="rId1"/>
   </p:sldMasterIdLst>
   <p:notesMasterIdLst>
-    <p:notesMasterId r:id="rId5"/>
+    <p:notesMasterId r:id="rId19"/>
   </p:notesMasterIdLst>
   <p:handoutMasterIdLst>
-    <p:handoutMasterId r:id="rId6"/>
+    <p:handoutMasterId r:id="rId20"/>
   </p:handoutMasterIdLst>
   <p:sldIdLst>
     <p:sldId id="256" r:id="rId2"/>
     <p:sldId id="257" r:id="rId3"/>
-    <p:sldId id="258" r:id="rId4"/>
+    <p:sldId id="259" r:id="rId4"/>
+    <p:sldId id="260" r:id="rId5"/>
+    <p:sldId id="258" r:id="rId6"/>
+    <p:sldId id="262" r:id="rId7"/>
+    <p:sldId id="264" r:id="rId8"/>
+    <p:sldId id="263" r:id="rId9"/>
+    <p:sldId id="266" r:id="rId10"/>
+    <p:sldId id="267" r:id="rId11"/>
+    <p:sldId id="269" r:id="rId12"/>
+    <p:sldId id="268" r:id="rId13"/>
+    <p:sldId id="270" r:id="rId14"/>
+    <p:sldId id="271" r:id="rId15"/>
+    <p:sldId id="265" r:id="rId16"/>
+    <p:sldId id="272" r:id="rId17"/>
+    <p:sldId id="273" r:id="rId18"/>
   </p:sldIdLst>
   <p:sldSz cx="9144000" cy="6858000" type="screen4x3"/>
   <p:notesSz cx="6797675" cy="9928225"/>
@@ -142,6 +156,41 @@
       </a:defRPr>
     </a:lvl9pPr>
   </p:defaultTextStyle>
+  <p:extLst>
+    <p:ext uri="{EFAFB233-063F-42B5-8137-9DF3F51BA10A}">
+      <p15:sldGuideLst xmlns:p15="http://schemas.microsoft.com/office/powerpoint/2012/main">
+        <p15:guide id="1" orient="horz">
+          <p15:clr>
+            <a:srgbClr val="A4A3A4"/>
+          </p15:clr>
+        </p15:guide>
+        <p15:guide id="2" pos="2880">
+          <p15:clr>
+            <a:srgbClr val="A4A3A4"/>
+          </p15:clr>
+        </p15:guide>
+        <p15:guide id="3" pos="6">
+          <p15:clr>
+            <a:srgbClr val="A4A3A4"/>
+          </p15:clr>
+        </p15:guide>
+      </p15:sldGuideLst>
+    </p:ext>
+    <p:ext uri="{2D200454-40CA-4A62-9FC3-DE9A4176ACB9}">
+      <p15:notesGuideLst xmlns:p15="http://schemas.microsoft.com/office/powerpoint/2012/main">
+        <p15:guide id="1" orient="horz" pos="3126">
+          <p15:clr>
+            <a:srgbClr val="A4A3A4"/>
+          </p15:clr>
+        </p15:guide>
+        <p15:guide id="2" pos="2140">
+          <p15:clr>
+            <a:srgbClr val="A4A3A4"/>
+          </p15:clr>
+        </p15:guide>
+      </p15:notesGuideLst>
+    </p:ext>
+  </p:extLst>
 </p:presentation>
 </file>
 
@@ -554,35 +603,35 @@
           <a:p>
             <a:pPr lvl="0"/>
             <a:r>
-              <a:rPr lang="en-GB" altLang="ko-KR" smtClean="0"/>
+              <a:rPr lang="en-GB" altLang="ko-KR"/>
               <a:t>Click to edit Master text styles</a:t>
             </a:r>
           </a:p>
           <a:p>
             <a:pPr lvl="1"/>
             <a:r>
-              <a:rPr lang="en-GB" altLang="ko-KR" smtClean="0"/>
+              <a:rPr lang="en-GB" altLang="ko-KR"/>
               <a:t>Second level</a:t>
             </a:r>
           </a:p>
           <a:p>
             <a:pPr lvl="2"/>
             <a:r>
-              <a:rPr lang="en-GB" altLang="ko-KR" smtClean="0"/>
+              <a:rPr lang="en-GB" altLang="ko-KR"/>
               <a:t>Third level</a:t>
             </a:r>
           </a:p>
           <a:p>
             <a:pPr lvl="3"/>
             <a:r>
-              <a:rPr lang="en-GB" altLang="ko-KR" smtClean="0"/>
+              <a:rPr lang="en-GB" altLang="ko-KR"/>
               <a:t>Fourth level</a:t>
             </a:r>
           </a:p>
           <a:p>
             <a:pPr lvl="4"/>
             <a:r>
-              <a:rPr lang="en-GB" altLang="ko-KR" smtClean="0"/>
+              <a:rPr lang="en-GB" altLang="ko-KR"/>
               <a:t>Fifth level</a:t>
             </a:r>
           </a:p>
@@ -973,7 +1022,7 @@
           </a:bodyPr>
           <a:lstStyle/>
           <a:p>
-            <a:endParaRPr lang="en-US" altLang="ko-KR" sz="2400" b="1" dirty="0" smtClean="0">
+            <a:endParaRPr lang="en-US" altLang="ko-KR" sz="2400" b="1" dirty="0">
               <a:latin typeface="HY헤드라인M" pitchFamily="18" charset="-127"/>
               <a:ea typeface="HY헤드라인M" pitchFamily="18" charset="-127"/>
             </a:endParaRPr>
@@ -1027,18 +1076,13 @@
             </a:lvl1pPr>
           </a:lstStyle>
           <a:p>
-            <a:r>
-              <a:rPr lang="en-US" altLang="ko-KR" dirty="0" smtClean="0"/>
-              <a:t/>
-            </a:r>
             <a:br>
-              <a:rPr lang="en-US" altLang="ko-KR" dirty="0" smtClean="0"/>
+              <a:rPr lang="en-US" altLang="ko-KR" dirty="0"/>
             </a:br>
             <a:r>
-              <a:rPr lang="ko-KR" altLang="en-US" dirty="0" smtClean="0"/>
+              <a:rPr lang="ko-KR" altLang="en-US" dirty="0"/>
               <a:t>마스터 제목 스타일 편집</a:t>
             </a:r>
-            <a:endParaRPr lang="ko-KR" altLang="en-US" dirty="0"/>
           </a:p>
         </p:txBody>
       </p:sp>
@@ -1090,10 +1134,34 @@
             <a:tbl>
               <a:tblPr/>
               <a:tblGrid>
-                <a:gridCol w="1022523"/>
-                <a:gridCol w="3439486"/>
-                <a:gridCol w="947956"/>
-                <a:gridCol w="3523377"/>
+                <a:gridCol w="1022523">
+                  <a:extLst>
+                    <a:ext uri="{9D8B030D-6E8A-4147-A177-3AD203B41FA5}">
+                      <a16:colId xmlns:a16="http://schemas.microsoft.com/office/drawing/2014/main" val="20000"/>
+                    </a:ext>
+                  </a:extLst>
+                </a:gridCol>
+                <a:gridCol w="3439486">
+                  <a:extLst>
+                    <a:ext uri="{9D8B030D-6E8A-4147-A177-3AD203B41FA5}">
+                      <a16:colId xmlns:a16="http://schemas.microsoft.com/office/drawing/2014/main" val="20001"/>
+                    </a:ext>
+                  </a:extLst>
+                </a:gridCol>
+                <a:gridCol w="947956">
+                  <a:extLst>
+                    <a:ext uri="{9D8B030D-6E8A-4147-A177-3AD203B41FA5}">
+                      <a16:colId xmlns:a16="http://schemas.microsoft.com/office/drawing/2014/main" val="20002"/>
+                    </a:ext>
+                  </a:extLst>
+                </a:gridCol>
+                <a:gridCol w="3523377">
+                  <a:extLst>
+                    <a:ext uri="{9D8B030D-6E8A-4147-A177-3AD203B41FA5}">
+                      <a16:colId xmlns:a16="http://schemas.microsoft.com/office/drawing/2014/main" val="20003"/>
+                    </a:ext>
+                  </a:extLst>
+                </a:gridCol>
               </a:tblGrid>
               <a:tr h="299619">
                 <a:tc rowSpan="2">
@@ -1118,7 +1186,7 @@
                         <a:tabLst/>
                       </a:pPr>
                       <a:r>
-                        <a:rPr kumimoji="1" lang="ko-KR" altLang="en-US" sz="900" b="0" i="0" u="none" strike="noStrike" cap="none" normalizeH="0" baseline="0" dirty="0" smtClean="0">
+                        <a:rPr kumimoji="1" lang="ko-KR" altLang="en-US" sz="900" b="0" i="0" u="none" strike="noStrike" cap="none" normalizeH="0" baseline="0" dirty="0">
                           <a:ln>
                             <a:noFill/>
                           </a:ln>
@@ -1131,7 +1199,7 @@
                         </a:rPr>
                         <a:t>프로젝트 명</a:t>
                       </a:r>
-                      <a:endParaRPr kumimoji="1" lang="ko-KR" altLang="ko-KR" sz="900" b="0" i="0" u="none" strike="noStrike" cap="none" normalizeH="0" baseline="0" dirty="0" smtClean="0">
+                      <a:endParaRPr kumimoji="1" lang="ko-KR" altLang="ko-KR" sz="900" b="0" i="0" u="none" strike="noStrike" cap="none" normalizeH="0" baseline="0" dirty="0">
                         <a:ln>
                           <a:noFill/>
                         </a:ln>
@@ -1213,7 +1281,7 @@
                         <a:buNone/>
                         <a:tabLst/>
                       </a:pPr>
-                      <a:endParaRPr kumimoji="1" lang="ko-KR" altLang="ko-KR" sz="900" b="0" i="0" u="none" strike="noStrike" cap="none" normalizeH="0" baseline="0" dirty="0" smtClean="0">
+                      <a:endParaRPr kumimoji="1" lang="ko-KR" altLang="ko-KR" sz="900" b="0" i="0" u="none" strike="noStrike" cap="none" normalizeH="0" baseline="0" dirty="0">
                         <a:ln>
                           <a:noFill/>
                         </a:ln>
@@ -1294,7 +1362,7 @@
                         <a:tabLst/>
                       </a:pPr>
                       <a:r>
-                        <a:rPr kumimoji="1" lang="ko-KR" altLang="en-US" sz="900" b="0" i="0" u="none" strike="noStrike" cap="none" normalizeH="0" baseline="0" dirty="0" smtClean="0">
+                        <a:rPr kumimoji="1" lang="ko-KR" altLang="en-US" sz="900" b="0" i="0" u="none" strike="noStrike" cap="none" normalizeH="0" baseline="0" dirty="0">
                           <a:ln>
                             <a:noFill/>
                           </a:ln>
@@ -1307,7 +1375,7 @@
                         </a:rPr>
                         <a:t>문서 명</a:t>
                       </a:r>
-                      <a:endParaRPr kumimoji="1" lang="ko-KR" altLang="ko-KR" sz="900" b="0" i="0" u="none" strike="noStrike" cap="none" normalizeH="0" baseline="0" dirty="0" smtClean="0">
+                      <a:endParaRPr kumimoji="1" lang="ko-KR" altLang="ko-KR" sz="900" b="0" i="0" u="none" strike="noStrike" cap="none" normalizeH="0" baseline="0" dirty="0">
                         <a:ln>
                           <a:noFill/>
                         </a:ln>
@@ -1390,7 +1458,7 @@
                         <a:tabLst/>
                       </a:pPr>
                       <a:r>
-                        <a:rPr kumimoji="1" lang="en-US" altLang="ko-KR" sz="900" b="0" i="0" u="none" strike="noStrike" cap="none" normalizeH="0" baseline="0" dirty="0" smtClean="0">
+                        <a:rPr kumimoji="1" lang="en-US" altLang="ko-KR" sz="900" b="0" i="0" u="none" strike="noStrike" cap="none" normalizeH="0" baseline="0" dirty="0">
                           <a:ln>
                             <a:noFill/>
                           </a:ln>
@@ -1404,7 +1472,7 @@
                         <a:t>Class </a:t>
                       </a:r>
                       <a:r>
-                        <a:rPr kumimoji="1" lang="ko-KR" altLang="en-US" sz="900" b="0" i="0" u="none" strike="noStrike" cap="none" normalizeH="0" baseline="0" dirty="0" smtClean="0">
+                        <a:rPr kumimoji="1" lang="ko-KR" altLang="en-US" sz="900" b="0" i="0" u="none" strike="noStrike" cap="none" normalizeH="0" baseline="0" dirty="0">
                           <a:ln>
                             <a:noFill/>
                           </a:ln>
@@ -1417,7 +1485,7 @@
                         </a:rPr>
                         <a:t>설계서</a:t>
                       </a:r>
-                      <a:endParaRPr kumimoji="1" lang="ko-KR" sz="900" b="0" i="0" u="none" strike="noStrike" cap="none" normalizeH="0" baseline="0" dirty="0" smtClean="0">
+                      <a:endParaRPr kumimoji="1" lang="ko-KR" sz="900" b="0" i="0" u="none" strike="noStrike" cap="none" normalizeH="0" baseline="0" dirty="0">
                         <a:ln>
                           <a:noFill/>
                         </a:ln>
@@ -1476,6 +1544,11 @@
                     <a:noFill/>
                   </a:tcPr>
                 </a:tc>
+                <a:extLst>
+                  <a:ext uri="{0D108BD9-81ED-4DB2-BD59-A6C34878D82A}">
+                    <a16:rowId xmlns:a16="http://schemas.microsoft.com/office/drawing/2014/main" val="10000"/>
+                  </a:ext>
+                </a:extLst>
               </a:tr>
               <a:tr h="297106">
                 <a:tc vMerge="1">
@@ -1499,7 +1572,7 @@
                         <a:buNone/>
                         <a:tabLst/>
                       </a:pPr>
-                      <a:endParaRPr kumimoji="1" lang="ko-KR" sz="900" b="0" i="0" u="none" strike="noStrike" cap="none" normalizeH="0" baseline="0" dirty="0" smtClean="0">
+                      <a:endParaRPr kumimoji="1" lang="ko-KR" sz="900" b="0" i="0" u="none" strike="noStrike" cap="none" normalizeH="0" baseline="0" dirty="0">
                         <a:ln>
                           <a:noFill/>
                         </a:ln>
@@ -1581,7 +1654,7 @@
                         <a:buNone/>
                         <a:tabLst/>
                       </a:pPr>
-                      <a:endParaRPr kumimoji="1" lang="ko-KR" altLang="ko-KR" sz="900" b="0" i="0" u="none" strike="noStrike" cap="none" normalizeH="0" baseline="0" dirty="0" smtClean="0">
+                      <a:endParaRPr kumimoji="1" lang="ko-KR" altLang="ko-KR" sz="900" b="0" i="0" u="none" strike="noStrike" cap="none" normalizeH="0" baseline="0" dirty="0">
                         <a:ln>
                           <a:noFill/>
                         </a:ln>
@@ -1662,7 +1735,7 @@
                         <a:tabLst/>
                       </a:pPr>
                       <a:r>
-                        <a:rPr kumimoji="1" lang="ko-KR" altLang="en-US" sz="900" b="0" i="0" u="none" strike="noStrike" cap="none" normalizeH="0" baseline="0" dirty="0" smtClean="0">
+                        <a:rPr kumimoji="1" lang="ko-KR" altLang="en-US" sz="900" b="0" i="0" u="none" strike="noStrike" cap="none" normalizeH="0" baseline="0" dirty="0">
                           <a:ln>
                             <a:noFill/>
                           </a:ln>
@@ -1675,7 +1748,7 @@
                         </a:rPr>
                         <a:t>버전</a:t>
                       </a:r>
-                      <a:endParaRPr kumimoji="1" lang="ko-KR" altLang="ko-KR" sz="900" b="0" i="0" u="none" strike="noStrike" cap="none" normalizeH="0" baseline="0" dirty="0" smtClean="0">
+                      <a:endParaRPr kumimoji="1" lang="ko-KR" altLang="ko-KR" sz="900" b="0" i="0" u="none" strike="noStrike" cap="none" normalizeH="0" baseline="0" dirty="0">
                         <a:ln>
                           <a:noFill/>
                         </a:ln>
@@ -1758,7 +1831,7 @@
                         <a:tabLst/>
                       </a:pPr>
                       <a:r>
-                        <a:rPr kumimoji="1" lang="en-US" altLang="ko-KR" sz="900" b="0" i="0" u="none" strike="noStrike" cap="none" normalizeH="0" baseline="0" dirty="0" smtClean="0">
+                        <a:rPr kumimoji="1" lang="en-US" altLang="ko-KR" sz="900" b="0" i="0" u="none" strike="noStrike" cap="none" normalizeH="0" baseline="0" dirty="0">
                           <a:ln>
                             <a:noFill/>
                           </a:ln>
@@ -1771,7 +1844,7 @@
                         </a:rPr>
                         <a:t>V X.X</a:t>
                       </a:r>
-                      <a:endParaRPr kumimoji="1" lang="ko-KR" altLang="ko-KR" sz="900" b="0" i="0" u="none" strike="noStrike" cap="none" normalizeH="0" baseline="0" dirty="0" smtClean="0">
+                      <a:endParaRPr kumimoji="1" lang="ko-KR" altLang="ko-KR" sz="900" b="0" i="0" u="none" strike="noStrike" cap="none" normalizeH="0" baseline="0" dirty="0">
                         <a:ln>
                           <a:noFill/>
                         </a:ln>
@@ -1830,6 +1903,11 @@
                     <a:noFill/>
                   </a:tcPr>
                 </a:tc>
+                <a:extLst>
+                  <a:ext uri="{0D108BD9-81ED-4DB2-BD59-A6C34878D82A}">
+                    <a16:rowId xmlns:a16="http://schemas.microsoft.com/office/drawing/2014/main" val="10001"/>
+                  </a:ext>
+                </a:extLst>
               </a:tr>
             </a:tbl>
           </a:graphicData>
@@ -1882,7 +1960,7 @@
           <a:p>
             <a:pPr algn="r"/>
             <a:r>
-              <a:rPr lang="ko-KR" altLang="en-US" dirty="0" smtClean="0"/>
+              <a:rPr lang="ko-KR" altLang="en-US" dirty="0"/>
               <a:t>팀 명</a:t>
             </a:r>
             <a:endParaRPr lang="en-US" altLang="ko-KR" dirty="0"/>
@@ -1939,7 +2017,7 @@
               <a:buNone/>
               <a:tabLst/>
             </a:pPr>
-            <a:endParaRPr kumimoji="0" lang="ko-KR" altLang="en-US" sz="1400" b="0" i="0" u="none" strike="noStrike" cap="none" normalizeH="0" baseline="0" smtClean="0">
+            <a:endParaRPr kumimoji="0" lang="ko-KR" altLang="en-US" sz="1400" b="0" i="0" u="none" strike="noStrike" cap="none" normalizeH="0" baseline="0">
               <a:ln>
                 <a:noFill/>
               </a:ln>
@@ -2008,7 +2086,7 @@
           </a:lstStyle>
           <a:p>
             <a:r>
-              <a:rPr lang="ko-KR" altLang="en-US" smtClean="0"/>
+              <a:rPr lang="ko-KR" altLang="en-US"/>
               <a:t>마스터 제목 스타일 편집</a:t>
             </a:r>
             <a:endParaRPr lang="ko-KR" altLang="en-US" dirty="0"/>
@@ -2058,35 +2136,35 @@
           <a:p>
             <a:pPr lvl="0"/>
             <a:r>
-              <a:rPr lang="ko-KR" altLang="en-US" smtClean="0"/>
+              <a:rPr lang="ko-KR" altLang="en-US"/>
               <a:t>마스터 텍스트 스타일을 편집합니다</a:t>
             </a:r>
           </a:p>
           <a:p>
             <a:pPr lvl="1"/>
             <a:r>
-              <a:rPr lang="ko-KR" altLang="en-US" smtClean="0"/>
+              <a:rPr lang="ko-KR" altLang="en-US"/>
               <a:t>둘째 수준</a:t>
             </a:r>
           </a:p>
           <a:p>
             <a:pPr lvl="2"/>
             <a:r>
-              <a:rPr lang="ko-KR" altLang="en-US" smtClean="0"/>
+              <a:rPr lang="ko-KR" altLang="en-US"/>
               <a:t>셋째 수준</a:t>
             </a:r>
           </a:p>
           <a:p>
             <a:pPr lvl="3"/>
             <a:r>
-              <a:rPr lang="ko-KR" altLang="en-US" smtClean="0"/>
+              <a:rPr lang="ko-KR" altLang="en-US"/>
               <a:t>넷째 수준</a:t>
             </a:r>
           </a:p>
           <a:p>
             <a:pPr lvl="4"/>
             <a:r>
-              <a:rPr lang="ko-KR" altLang="en-US" smtClean="0"/>
+              <a:rPr lang="ko-KR" altLang="en-US"/>
               <a:t>다섯째 수준</a:t>
             </a:r>
             <a:endParaRPr lang="ko-KR" altLang="en-US" dirty="0"/>
@@ -2210,7 +2288,7 @@
           <a:p>
             <a:pPr algn="r"/>
             <a:r>
-              <a:rPr lang="ko-KR" altLang="en-US" dirty="0" smtClean="0"/>
+              <a:rPr lang="ko-KR" altLang="en-US" dirty="0"/>
               <a:t>팀 명</a:t>
             </a:r>
             <a:endParaRPr lang="en-US" altLang="ko-KR" dirty="0"/>
@@ -2415,7 +2493,7 @@
           <a:p>
             <a:pPr algn="r"/>
             <a:r>
-              <a:rPr lang="ko-KR" altLang="en-US" dirty="0" smtClean="0"/>
+              <a:rPr lang="ko-KR" altLang="en-US" dirty="0"/>
               <a:t>팀 명</a:t>
             </a:r>
             <a:endParaRPr lang="en-US" altLang="ko-KR" dirty="0"/>
@@ -2961,22 +3039,17 @@
           <a:bodyPr/>
           <a:lstStyle/>
           <a:p>
-            <a:r>
-              <a:rPr lang="en-US" altLang="ko-KR" dirty="0" smtClean="0"/>
-              <a:t/>
-            </a:r>
             <a:br>
-              <a:rPr lang="en-US" altLang="ko-KR" dirty="0" smtClean="0"/>
+              <a:rPr lang="en-US" altLang="ko-KR" dirty="0"/>
             </a:br>
             <a:r>
-              <a:rPr lang="en-US" altLang="ko-KR" dirty="0" smtClean="0"/>
+              <a:rPr lang="en-US" altLang="ko-KR" dirty="0"/>
               <a:t>Class </a:t>
             </a:r>
             <a:r>
-              <a:rPr lang="ko-KR" altLang="en-US" dirty="0" smtClean="0"/>
+              <a:rPr lang="ko-KR" altLang="en-US" dirty="0"/>
               <a:t>설계서</a:t>
             </a:r>
-            <a:endParaRPr lang="ko-KR" altLang="en-US" dirty="0"/>
           </a:p>
         </p:txBody>
       </p:sp>
@@ -2988,8 +3061,8 @@
         </p:nvSpPr>
         <p:spPr>
           <a:xfrm>
-            <a:off x="7751445" y="4372844"/>
-            <a:ext cx="768159" cy="400110"/>
+            <a:off x="6749345" y="4351329"/>
+            <a:ext cx="1750800" cy="400110"/>
           </a:xfrm>
           <a:prstGeom prst="rect">
             <a:avLst/>
@@ -3003,14 +3076,850 @@
           <a:lstStyle/>
           <a:p>
             <a:r>
-              <a:rPr lang="ko-KR" altLang="en-US" sz="2000" dirty="0" smtClean="0"/>
-              <a:t>팀 명</a:t>
+              <a:rPr lang="en-US" altLang="ko-KR" sz="2000" dirty="0"/>
+              <a:t>6</a:t>
             </a:r>
-            <a:endParaRPr lang="ko-KR" altLang="en-US" sz="2000" dirty="0"/>
+            <a:r>
+              <a:rPr lang="ko-KR" altLang="en-US" sz="2000" dirty="0"/>
+              <a:t>조</a:t>
+            </a:r>
+            <a:r>
+              <a:rPr lang="en-US" altLang="ko-KR" sz="2000" dirty="0"/>
+              <a:t>:</a:t>
+            </a:r>
+            <a:r>
+              <a:rPr lang="ko-KR" altLang="en-US" sz="2000" dirty="0"/>
+              <a:t> </a:t>
+            </a:r>
+            <a:r>
+              <a:rPr lang="ko-KR" altLang="en-US" sz="2000" dirty="0" err="1"/>
+              <a:t>질수없조</a:t>
+            </a:r>
+            <a:endParaRPr lang="en-US" altLang="ko-KR" sz="2000" dirty="0"/>
           </a:p>
         </p:txBody>
       </p:sp>
     </p:spTree>
+  </p:cSld>
+  <p:clrMapOvr>
+    <a:masterClrMapping/>
+  </p:clrMapOvr>
+</p:sld>
+</file>
+
+<file path=ppt/slides/slide10.xml><?xml version="1.0" encoding="utf-8"?>
+<p:sld xmlns:a="http://schemas.openxmlformats.org/drawingml/2006/main" xmlns:r="http://schemas.openxmlformats.org/officeDocument/2006/relationships" xmlns:p="http://schemas.openxmlformats.org/presentationml/2006/main">
+  <p:cSld>
+    <p:spTree>
+      <p:nvGrpSpPr>
+        <p:cNvPr id="1" name=""/>
+        <p:cNvGrpSpPr/>
+        <p:nvPr/>
+      </p:nvGrpSpPr>
+      <p:grpSpPr>
+        <a:xfrm>
+          <a:off x="0" y="0"/>
+          <a:ext cx="0" cy="0"/>
+          <a:chOff x="0" y="0"/>
+          <a:chExt cx="0" cy="0"/>
+        </a:xfrm>
+      </p:grpSpPr>
+      <p:sp>
+        <p:nvSpPr>
+          <p:cNvPr id="2" name="바닥글 개체 틀 1"/>
+          <p:cNvSpPr>
+            <a:spLocks noGrp="1"/>
+          </p:cNvSpPr>
+          <p:nvPr>
+            <p:ph type="ftr" sz="quarter" idx="3"/>
+          </p:nvPr>
+        </p:nvSpPr>
+        <p:spPr/>
+        <p:txBody>
+          <a:bodyPr/>
+          <a:lstStyle/>
+          <a:p>
+            <a:pPr algn="r"/>
+            <a:r>
+              <a:rPr lang="ko-KR" altLang="en-US" dirty="0" err="1"/>
+              <a:t>질수없조</a:t>
+            </a:r>
+            <a:endParaRPr lang="en-US" altLang="ko-KR" dirty="0"/>
+          </a:p>
+        </p:txBody>
+      </p:sp>
+      <p:sp>
+        <p:nvSpPr>
+          <p:cNvPr id="3" name="TextBox 2">
+            <a:extLst>
+              <a:ext uri="{FF2B5EF4-FFF2-40B4-BE49-F238E27FC236}">
+                <a16:creationId xmlns:a16="http://schemas.microsoft.com/office/drawing/2014/main" id="{BA576AD8-AE66-AB67-284E-A047C0DE81C9}"/>
+              </a:ext>
+            </a:extLst>
+          </p:cNvPr>
+          <p:cNvSpPr txBox="1"/>
+          <p:nvPr/>
+        </p:nvSpPr>
+        <p:spPr>
+          <a:xfrm>
+            <a:off x="1290464" y="253586"/>
+            <a:ext cx="1861073" cy="307777"/>
+          </a:xfrm>
+          <a:prstGeom prst="rect">
+            <a:avLst/>
+          </a:prstGeom>
+          <a:noFill/>
+        </p:spPr>
+        <p:txBody>
+          <a:bodyPr wrap="square" rtlCol="0">
+            <a:spAutoFit/>
+          </a:bodyPr>
+          <a:lstStyle/>
+          <a:p>
+            <a:r>
+              <a:rPr kumimoji="1" lang="ko-Kore-KR" altLang="en-US" dirty="0"/>
+              <a:t>옷짱</a:t>
+            </a:r>
+          </a:p>
+        </p:txBody>
+      </p:sp>
+      <p:pic>
+        <p:nvPicPr>
+          <p:cNvPr id="5" name="그림 4">
+            <a:extLst>
+              <a:ext uri="{FF2B5EF4-FFF2-40B4-BE49-F238E27FC236}">
+                <a16:creationId xmlns:a16="http://schemas.microsoft.com/office/drawing/2014/main" id="{B69FF92F-5AF1-82FE-B31C-DFA5591E2CD3}"/>
+              </a:ext>
+            </a:extLst>
+          </p:cNvPr>
+          <p:cNvPicPr>
+            <a:picLocks noChangeAspect="1"/>
+          </p:cNvPicPr>
+          <p:nvPr/>
+        </p:nvPicPr>
+        <p:blipFill>
+          <a:blip r:embed="rId2">
+            <a:extLst>
+              <a:ext uri="{28A0092B-C50C-407E-A947-70E740481C1C}">
+                <a14:useLocalDpi xmlns:a14="http://schemas.microsoft.com/office/drawing/2010/main" val="0"/>
+              </a:ext>
+            </a:extLst>
+          </a:blip>
+          <a:stretch>
+            <a:fillRect/>
+          </a:stretch>
+        </p:blipFill>
+        <p:spPr>
+          <a:xfrm>
+            <a:off x="639814" y="1427162"/>
+            <a:ext cx="7864371" cy="4065029"/>
+          </a:xfrm>
+          <a:prstGeom prst="rect">
+            <a:avLst/>
+          </a:prstGeom>
+        </p:spPr>
+      </p:pic>
+    </p:spTree>
+    <p:extLst>
+      <p:ext uri="{BB962C8B-B14F-4D97-AF65-F5344CB8AC3E}">
+        <p14:creationId xmlns:p14="http://schemas.microsoft.com/office/powerpoint/2010/main" val="4210618288"/>
+      </p:ext>
+    </p:extLst>
+  </p:cSld>
+  <p:clrMapOvr>
+    <a:masterClrMapping/>
+  </p:clrMapOvr>
+</p:sld>
+</file>
+
+<file path=ppt/slides/slide11.xml><?xml version="1.0" encoding="utf-8"?>
+<p:sld xmlns:a="http://schemas.openxmlformats.org/drawingml/2006/main" xmlns:r="http://schemas.openxmlformats.org/officeDocument/2006/relationships" xmlns:p="http://schemas.openxmlformats.org/presentationml/2006/main">
+  <p:cSld>
+    <p:spTree>
+      <p:nvGrpSpPr>
+        <p:cNvPr id="1" name=""/>
+        <p:cNvGrpSpPr/>
+        <p:nvPr/>
+      </p:nvGrpSpPr>
+      <p:grpSpPr>
+        <a:xfrm>
+          <a:off x="0" y="0"/>
+          <a:ext cx="0" cy="0"/>
+          <a:chOff x="0" y="0"/>
+          <a:chExt cx="0" cy="0"/>
+        </a:xfrm>
+      </p:grpSpPr>
+      <p:sp>
+        <p:nvSpPr>
+          <p:cNvPr id="2" name="바닥글 개체 틀 1"/>
+          <p:cNvSpPr>
+            <a:spLocks noGrp="1"/>
+          </p:cNvSpPr>
+          <p:nvPr>
+            <p:ph type="ftr" sz="quarter" idx="3"/>
+          </p:nvPr>
+        </p:nvSpPr>
+        <p:spPr/>
+        <p:txBody>
+          <a:bodyPr/>
+          <a:lstStyle/>
+          <a:p>
+            <a:pPr algn="r"/>
+            <a:r>
+              <a:rPr lang="ko-KR" altLang="en-US" dirty="0" err="1"/>
+              <a:t>질수없조</a:t>
+            </a:r>
+            <a:endParaRPr lang="en-US" altLang="ko-KR" dirty="0"/>
+          </a:p>
+        </p:txBody>
+      </p:sp>
+      <p:sp>
+        <p:nvSpPr>
+          <p:cNvPr id="3" name="TextBox 2">
+            <a:extLst>
+              <a:ext uri="{FF2B5EF4-FFF2-40B4-BE49-F238E27FC236}">
+                <a16:creationId xmlns:a16="http://schemas.microsoft.com/office/drawing/2014/main" id="{BA576AD8-AE66-AB67-284E-A047C0DE81C9}"/>
+              </a:ext>
+            </a:extLst>
+          </p:cNvPr>
+          <p:cNvSpPr txBox="1"/>
+          <p:nvPr/>
+        </p:nvSpPr>
+        <p:spPr>
+          <a:xfrm>
+            <a:off x="1290464" y="253586"/>
+            <a:ext cx="1861073" cy="307777"/>
+          </a:xfrm>
+          <a:prstGeom prst="rect">
+            <a:avLst/>
+          </a:prstGeom>
+          <a:noFill/>
+        </p:spPr>
+        <p:txBody>
+          <a:bodyPr wrap="square" rtlCol="0">
+            <a:spAutoFit/>
+          </a:bodyPr>
+          <a:lstStyle/>
+          <a:p>
+            <a:r>
+              <a:rPr kumimoji="1" lang="ko-Kore-KR" altLang="en-US" dirty="0"/>
+              <a:t>옷짱</a:t>
+            </a:r>
+          </a:p>
+        </p:txBody>
+      </p:sp>
+      <p:pic>
+        <p:nvPicPr>
+          <p:cNvPr id="5" name="그림 4">
+            <a:extLst>
+              <a:ext uri="{FF2B5EF4-FFF2-40B4-BE49-F238E27FC236}">
+                <a16:creationId xmlns:a16="http://schemas.microsoft.com/office/drawing/2014/main" id="{78BB36F2-DF41-349E-65DB-2DBCCA01CE38}"/>
+              </a:ext>
+            </a:extLst>
+          </p:cNvPr>
+          <p:cNvPicPr>
+            <a:picLocks noChangeAspect="1"/>
+          </p:cNvPicPr>
+          <p:nvPr/>
+        </p:nvPicPr>
+        <p:blipFill>
+          <a:blip r:embed="rId2">
+            <a:extLst>
+              <a:ext uri="{28A0092B-C50C-407E-A947-70E740481C1C}">
+                <a14:useLocalDpi xmlns:a14="http://schemas.microsoft.com/office/drawing/2010/main" val="0"/>
+              </a:ext>
+            </a:extLst>
+          </a:blip>
+          <a:stretch>
+            <a:fillRect/>
+          </a:stretch>
+        </p:blipFill>
+        <p:spPr>
+          <a:xfrm>
+            <a:off x="553720" y="1907927"/>
+            <a:ext cx="8036560" cy="3269109"/>
+          </a:xfrm>
+          <a:prstGeom prst="rect">
+            <a:avLst/>
+          </a:prstGeom>
+        </p:spPr>
+      </p:pic>
+    </p:spTree>
+    <p:extLst>
+      <p:ext uri="{BB962C8B-B14F-4D97-AF65-F5344CB8AC3E}">
+        <p14:creationId xmlns:p14="http://schemas.microsoft.com/office/powerpoint/2010/main" val="1294405583"/>
+      </p:ext>
+    </p:extLst>
+  </p:cSld>
+  <p:clrMapOvr>
+    <a:masterClrMapping/>
+  </p:clrMapOvr>
+</p:sld>
+</file>
+
+<file path=ppt/slides/slide12.xml><?xml version="1.0" encoding="utf-8"?>
+<p:sld xmlns:a="http://schemas.openxmlformats.org/drawingml/2006/main" xmlns:r="http://schemas.openxmlformats.org/officeDocument/2006/relationships" xmlns:p="http://schemas.openxmlformats.org/presentationml/2006/main">
+  <p:cSld>
+    <p:spTree>
+      <p:nvGrpSpPr>
+        <p:cNvPr id="1" name=""/>
+        <p:cNvGrpSpPr/>
+        <p:nvPr/>
+      </p:nvGrpSpPr>
+      <p:grpSpPr>
+        <a:xfrm>
+          <a:off x="0" y="0"/>
+          <a:ext cx="0" cy="0"/>
+          <a:chOff x="0" y="0"/>
+          <a:chExt cx="0" cy="0"/>
+        </a:xfrm>
+      </p:grpSpPr>
+      <p:sp>
+        <p:nvSpPr>
+          <p:cNvPr id="2" name="바닥글 개체 틀 1"/>
+          <p:cNvSpPr>
+            <a:spLocks noGrp="1"/>
+          </p:cNvSpPr>
+          <p:nvPr>
+            <p:ph type="ftr" sz="quarter" idx="3"/>
+          </p:nvPr>
+        </p:nvSpPr>
+        <p:spPr/>
+        <p:txBody>
+          <a:bodyPr/>
+          <a:lstStyle/>
+          <a:p>
+            <a:pPr algn="r"/>
+            <a:r>
+              <a:rPr lang="ko-KR" altLang="en-US" dirty="0" err="1"/>
+              <a:t>질수없조</a:t>
+            </a:r>
+            <a:endParaRPr lang="en-US" altLang="ko-KR" dirty="0"/>
+          </a:p>
+        </p:txBody>
+      </p:sp>
+      <p:sp>
+        <p:nvSpPr>
+          <p:cNvPr id="3" name="TextBox 2">
+            <a:extLst>
+              <a:ext uri="{FF2B5EF4-FFF2-40B4-BE49-F238E27FC236}">
+                <a16:creationId xmlns:a16="http://schemas.microsoft.com/office/drawing/2014/main" id="{BA576AD8-AE66-AB67-284E-A047C0DE81C9}"/>
+              </a:ext>
+            </a:extLst>
+          </p:cNvPr>
+          <p:cNvSpPr txBox="1"/>
+          <p:nvPr/>
+        </p:nvSpPr>
+        <p:spPr>
+          <a:xfrm>
+            <a:off x="1290464" y="253586"/>
+            <a:ext cx="1861073" cy="307777"/>
+          </a:xfrm>
+          <a:prstGeom prst="rect">
+            <a:avLst/>
+          </a:prstGeom>
+          <a:noFill/>
+        </p:spPr>
+        <p:txBody>
+          <a:bodyPr wrap="square" rtlCol="0">
+            <a:spAutoFit/>
+          </a:bodyPr>
+          <a:lstStyle/>
+          <a:p>
+            <a:r>
+              <a:rPr kumimoji="1" lang="ko-Kore-KR" altLang="en-US" dirty="0"/>
+              <a:t>옷짱</a:t>
+            </a:r>
+          </a:p>
+        </p:txBody>
+      </p:sp>
+      <p:pic>
+        <p:nvPicPr>
+          <p:cNvPr id="5" name="그림 4">
+            <a:extLst>
+              <a:ext uri="{FF2B5EF4-FFF2-40B4-BE49-F238E27FC236}">
+                <a16:creationId xmlns:a16="http://schemas.microsoft.com/office/drawing/2014/main" id="{8644FEA2-1F2F-C0D3-CAC8-78BB1AF13B83}"/>
+              </a:ext>
+            </a:extLst>
+          </p:cNvPr>
+          <p:cNvPicPr>
+            <a:picLocks noChangeAspect="1"/>
+          </p:cNvPicPr>
+          <p:nvPr/>
+        </p:nvPicPr>
+        <p:blipFill>
+          <a:blip r:embed="rId2">
+            <a:extLst>
+              <a:ext uri="{28A0092B-C50C-407E-A947-70E740481C1C}">
+                <a14:useLocalDpi xmlns:a14="http://schemas.microsoft.com/office/drawing/2010/main" val="0"/>
+              </a:ext>
+            </a:extLst>
+          </a:blip>
+          <a:stretch>
+            <a:fillRect/>
+          </a:stretch>
+        </p:blipFill>
+        <p:spPr>
+          <a:xfrm>
+            <a:off x="477520" y="1646734"/>
+            <a:ext cx="8188960" cy="3943120"/>
+          </a:xfrm>
+          <a:prstGeom prst="rect">
+            <a:avLst/>
+          </a:prstGeom>
+        </p:spPr>
+      </p:pic>
+    </p:spTree>
+    <p:extLst>
+      <p:ext uri="{BB962C8B-B14F-4D97-AF65-F5344CB8AC3E}">
+        <p14:creationId xmlns:p14="http://schemas.microsoft.com/office/powerpoint/2010/main" val="695752388"/>
+      </p:ext>
+    </p:extLst>
+  </p:cSld>
+  <p:clrMapOvr>
+    <a:masterClrMapping/>
+  </p:clrMapOvr>
+</p:sld>
+</file>
+
+<file path=ppt/slides/slide13.xml><?xml version="1.0" encoding="utf-8"?>
+<p:sld xmlns:a="http://schemas.openxmlformats.org/drawingml/2006/main" xmlns:r="http://schemas.openxmlformats.org/officeDocument/2006/relationships" xmlns:p="http://schemas.openxmlformats.org/presentationml/2006/main">
+  <p:cSld>
+    <p:spTree>
+      <p:nvGrpSpPr>
+        <p:cNvPr id="1" name=""/>
+        <p:cNvGrpSpPr/>
+        <p:nvPr/>
+      </p:nvGrpSpPr>
+      <p:grpSpPr>
+        <a:xfrm>
+          <a:off x="0" y="0"/>
+          <a:ext cx="0" cy="0"/>
+          <a:chOff x="0" y="0"/>
+          <a:chExt cx="0" cy="0"/>
+        </a:xfrm>
+      </p:grpSpPr>
+      <p:sp>
+        <p:nvSpPr>
+          <p:cNvPr id="2" name="바닥글 개체 틀 1"/>
+          <p:cNvSpPr>
+            <a:spLocks noGrp="1"/>
+          </p:cNvSpPr>
+          <p:nvPr>
+            <p:ph type="ftr" sz="quarter" idx="3"/>
+          </p:nvPr>
+        </p:nvSpPr>
+        <p:spPr/>
+        <p:txBody>
+          <a:bodyPr/>
+          <a:lstStyle/>
+          <a:p>
+            <a:pPr algn="r"/>
+            <a:r>
+              <a:rPr lang="ko-KR" altLang="en-US" dirty="0" err="1"/>
+              <a:t>질수없조</a:t>
+            </a:r>
+            <a:endParaRPr lang="en-US" altLang="ko-KR" dirty="0"/>
+          </a:p>
+        </p:txBody>
+      </p:sp>
+      <p:sp>
+        <p:nvSpPr>
+          <p:cNvPr id="3" name="TextBox 2">
+            <a:extLst>
+              <a:ext uri="{FF2B5EF4-FFF2-40B4-BE49-F238E27FC236}">
+                <a16:creationId xmlns:a16="http://schemas.microsoft.com/office/drawing/2014/main" id="{BA576AD8-AE66-AB67-284E-A047C0DE81C9}"/>
+              </a:ext>
+            </a:extLst>
+          </p:cNvPr>
+          <p:cNvSpPr txBox="1"/>
+          <p:nvPr/>
+        </p:nvSpPr>
+        <p:spPr>
+          <a:xfrm>
+            <a:off x="1290464" y="253586"/>
+            <a:ext cx="1861073" cy="307777"/>
+          </a:xfrm>
+          <a:prstGeom prst="rect">
+            <a:avLst/>
+          </a:prstGeom>
+          <a:noFill/>
+        </p:spPr>
+        <p:txBody>
+          <a:bodyPr wrap="square" rtlCol="0">
+            <a:spAutoFit/>
+          </a:bodyPr>
+          <a:lstStyle/>
+          <a:p>
+            <a:r>
+              <a:rPr kumimoji="1" lang="ko-Kore-KR" altLang="en-US" dirty="0"/>
+              <a:t>옷짱</a:t>
+            </a:r>
+          </a:p>
+        </p:txBody>
+      </p:sp>
+    </p:spTree>
+    <p:extLst>
+      <p:ext uri="{BB962C8B-B14F-4D97-AF65-F5344CB8AC3E}">
+        <p14:creationId xmlns:p14="http://schemas.microsoft.com/office/powerpoint/2010/main" val="305063046"/>
+      </p:ext>
+    </p:extLst>
+  </p:cSld>
+  <p:clrMapOvr>
+    <a:masterClrMapping/>
+  </p:clrMapOvr>
+</p:sld>
+</file>
+
+<file path=ppt/slides/slide14.xml><?xml version="1.0" encoding="utf-8"?>
+<p:sld xmlns:a="http://schemas.openxmlformats.org/drawingml/2006/main" xmlns:r="http://schemas.openxmlformats.org/officeDocument/2006/relationships" xmlns:p="http://schemas.openxmlformats.org/presentationml/2006/main">
+  <p:cSld>
+    <p:spTree>
+      <p:nvGrpSpPr>
+        <p:cNvPr id="1" name=""/>
+        <p:cNvGrpSpPr/>
+        <p:nvPr/>
+      </p:nvGrpSpPr>
+      <p:grpSpPr>
+        <a:xfrm>
+          <a:off x="0" y="0"/>
+          <a:ext cx="0" cy="0"/>
+          <a:chOff x="0" y="0"/>
+          <a:chExt cx="0" cy="0"/>
+        </a:xfrm>
+      </p:grpSpPr>
+      <p:sp>
+        <p:nvSpPr>
+          <p:cNvPr id="2" name="바닥글 개체 틀 1"/>
+          <p:cNvSpPr>
+            <a:spLocks noGrp="1"/>
+          </p:cNvSpPr>
+          <p:nvPr>
+            <p:ph type="ftr" sz="quarter" idx="3"/>
+          </p:nvPr>
+        </p:nvSpPr>
+        <p:spPr/>
+        <p:txBody>
+          <a:bodyPr/>
+          <a:lstStyle/>
+          <a:p>
+            <a:pPr algn="r"/>
+            <a:r>
+              <a:rPr lang="ko-KR" altLang="en-US" dirty="0" err="1"/>
+              <a:t>질수없조</a:t>
+            </a:r>
+            <a:endParaRPr lang="en-US" altLang="ko-KR" dirty="0"/>
+          </a:p>
+        </p:txBody>
+      </p:sp>
+      <p:sp>
+        <p:nvSpPr>
+          <p:cNvPr id="3" name="TextBox 2">
+            <a:extLst>
+              <a:ext uri="{FF2B5EF4-FFF2-40B4-BE49-F238E27FC236}">
+                <a16:creationId xmlns:a16="http://schemas.microsoft.com/office/drawing/2014/main" id="{BA576AD8-AE66-AB67-284E-A047C0DE81C9}"/>
+              </a:ext>
+            </a:extLst>
+          </p:cNvPr>
+          <p:cNvSpPr txBox="1"/>
+          <p:nvPr/>
+        </p:nvSpPr>
+        <p:spPr>
+          <a:xfrm>
+            <a:off x="1290464" y="253586"/>
+            <a:ext cx="1861073" cy="307777"/>
+          </a:xfrm>
+          <a:prstGeom prst="rect">
+            <a:avLst/>
+          </a:prstGeom>
+          <a:noFill/>
+        </p:spPr>
+        <p:txBody>
+          <a:bodyPr wrap="square" rtlCol="0">
+            <a:spAutoFit/>
+          </a:bodyPr>
+          <a:lstStyle/>
+          <a:p>
+            <a:r>
+              <a:rPr kumimoji="1" lang="ko-Kore-KR" altLang="en-US" dirty="0"/>
+              <a:t>옷짱</a:t>
+            </a:r>
+          </a:p>
+        </p:txBody>
+      </p:sp>
+    </p:spTree>
+    <p:extLst>
+      <p:ext uri="{BB962C8B-B14F-4D97-AF65-F5344CB8AC3E}">
+        <p14:creationId xmlns:p14="http://schemas.microsoft.com/office/powerpoint/2010/main" val="56214610"/>
+      </p:ext>
+    </p:extLst>
+  </p:cSld>
+  <p:clrMapOvr>
+    <a:masterClrMapping/>
+  </p:clrMapOvr>
+</p:sld>
+</file>
+
+<file path=ppt/slides/slide15.xml><?xml version="1.0" encoding="utf-8"?>
+<p:sld xmlns:a="http://schemas.openxmlformats.org/drawingml/2006/main" xmlns:r="http://schemas.openxmlformats.org/officeDocument/2006/relationships" xmlns:p="http://schemas.openxmlformats.org/presentationml/2006/main">
+  <p:cSld>
+    <p:spTree>
+      <p:nvGrpSpPr>
+        <p:cNvPr id="1" name=""/>
+        <p:cNvGrpSpPr/>
+        <p:nvPr/>
+      </p:nvGrpSpPr>
+      <p:grpSpPr>
+        <a:xfrm>
+          <a:off x="0" y="0"/>
+          <a:ext cx="0" cy="0"/>
+          <a:chOff x="0" y="0"/>
+          <a:chExt cx="0" cy="0"/>
+        </a:xfrm>
+      </p:grpSpPr>
+      <p:sp>
+        <p:nvSpPr>
+          <p:cNvPr id="2" name="바닥글 개체 틀 1"/>
+          <p:cNvSpPr>
+            <a:spLocks noGrp="1"/>
+          </p:cNvSpPr>
+          <p:nvPr>
+            <p:ph type="ftr" sz="quarter" idx="3"/>
+          </p:nvPr>
+        </p:nvSpPr>
+        <p:spPr/>
+        <p:txBody>
+          <a:bodyPr/>
+          <a:lstStyle/>
+          <a:p>
+            <a:pPr algn="r"/>
+            <a:r>
+              <a:rPr lang="ko-KR" altLang="en-US" dirty="0" err="1"/>
+              <a:t>질수없조</a:t>
+            </a:r>
+            <a:endParaRPr lang="en-US" altLang="ko-KR" dirty="0"/>
+          </a:p>
+        </p:txBody>
+      </p:sp>
+      <p:sp>
+        <p:nvSpPr>
+          <p:cNvPr id="3" name="TextBox 2">
+            <a:extLst>
+              <a:ext uri="{FF2B5EF4-FFF2-40B4-BE49-F238E27FC236}">
+                <a16:creationId xmlns:a16="http://schemas.microsoft.com/office/drawing/2014/main" id="{BA576AD8-AE66-AB67-284E-A047C0DE81C9}"/>
+              </a:ext>
+            </a:extLst>
+          </p:cNvPr>
+          <p:cNvSpPr txBox="1"/>
+          <p:nvPr/>
+        </p:nvSpPr>
+        <p:spPr>
+          <a:xfrm>
+            <a:off x="1290464" y="253586"/>
+            <a:ext cx="1861073" cy="307777"/>
+          </a:xfrm>
+          <a:prstGeom prst="rect">
+            <a:avLst/>
+          </a:prstGeom>
+          <a:noFill/>
+        </p:spPr>
+        <p:txBody>
+          <a:bodyPr wrap="square" rtlCol="0">
+            <a:spAutoFit/>
+          </a:bodyPr>
+          <a:lstStyle/>
+          <a:p>
+            <a:r>
+              <a:rPr kumimoji="1" lang="ko-Kore-KR" altLang="en-US" dirty="0"/>
+              <a:t>옷짱</a:t>
+            </a:r>
+          </a:p>
+        </p:txBody>
+      </p:sp>
+    </p:spTree>
+    <p:extLst>
+      <p:ext uri="{BB962C8B-B14F-4D97-AF65-F5344CB8AC3E}">
+        <p14:creationId xmlns:p14="http://schemas.microsoft.com/office/powerpoint/2010/main" val="1632478485"/>
+      </p:ext>
+    </p:extLst>
+  </p:cSld>
+  <p:clrMapOvr>
+    <a:masterClrMapping/>
+  </p:clrMapOvr>
+</p:sld>
+</file>
+
+<file path=ppt/slides/slide16.xml><?xml version="1.0" encoding="utf-8"?>
+<p:sld xmlns:a="http://schemas.openxmlformats.org/drawingml/2006/main" xmlns:r="http://schemas.openxmlformats.org/officeDocument/2006/relationships" xmlns:p="http://schemas.openxmlformats.org/presentationml/2006/main">
+  <p:cSld>
+    <p:spTree>
+      <p:nvGrpSpPr>
+        <p:cNvPr id="1" name=""/>
+        <p:cNvGrpSpPr/>
+        <p:nvPr/>
+      </p:nvGrpSpPr>
+      <p:grpSpPr>
+        <a:xfrm>
+          <a:off x="0" y="0"/>
+          <a:ext cx="0" cy="0"/>
+          <a:chOff x="0" y="0"/>
+          <a:chExt cx="0" cy="0"/>
+        </a:xfrm>
+      </p:grpSpPr>
+      <p:sp>
+        <p:nvSpPr>
+          <p:cNvPr id="2" name="바닥글 개체 틀 1"/>
+          <p:cNvSpPr>
+            <a:spLocks noGrp="1"/>
+          </p:cNvSpPr>
+          <p:nvPr>
+            <p:ph type="ftr" sz="quarter" idx="3"/>
+          </p:nvPr>
+        </p:nvSpPr>
+        <p:spPr/>
+        <p:txBody>
+          <a:bodyPr/>
+          <a:lstStyle/>
+          <a:p>
+            <a:pPr algn="r"/>
+            <a:r>
+              <a:rPr lang="ko-KR" altLang="en-US" dirty="0" err="1"/>
+              <a:t>질수없조</a:t>
+            </a:r>
+            <a:endParaRPr lang="en-US" altLang="ko-KR" dirty="0"/>
+          </a:p>
+        </p:txBody>
+      </p:sp>
+      <p:sp>
+        <p:nvSpPr>
+          <p:cNvPr id="3" name="TextBox 2">
+            <a:extLst>
+              <a:ext uri="{FF2B5EF4-FFF2-40B4-BE49-F238E27FC236}">
+                <a16:creationId xmlns:a16="http://schemas.microsoft.com/office/drawing/2014/main" id="{BA576AD8-AE66-AB67-284E-A047C0DE81C9}"/>
+              </a:ext>
+            </a:extLst>
+          </p:cNvPr>
+          <p:cNvSpPr txBox="1"/>
+          <p:nvPr/>
+        </p:nvSpPr>
+        <p:spPr>
+          <a:xfrm>
+            <a:off x="1290464" y="253586"/>
+            <a:ext cx="1861073" cy="307777"/>
+          </a:xfrm>
+          <a:prstGeom prst="rect">
+            <a:avLst/>
+          </a:prstGeom>
+          <a:noFill/>
+        </p:spPr>
+        <p:txBody>
+          <a:bodyPr wrap="square" rtlCol="0">
+            <a:spAutoFit/>
+          </a:bodyPr>
+          <a:lstStyle/>
+          <a:p>
+            <a:r>
+              <a:rPr kumimoji="1" lang="ko-Kore-KR" altLang="en-US" dirty="0"/>
+              <a:t>옷짱</a:t>
+            </a:r>
+          </a:p>
+        </p:txBody>
+      </p:sp>
+    </p:spTree>
+    <p:extLst>
+      <p:ext uri="{BB962C8B-B14F-4D97-AF65-F5344CB8AC3E}">
+        <p14:creationId xmlns:p14="http://schemas.microsoft.com/office/powerpoint/2010/main" val="3191913800"/>
+      </p:ext>
+    </p:extLst>
+  </p:cSld>
+  <p:clrMapOvr>
+    <a:masterClrMapping/>
+  </p:clrMapOvr>
+</p:sld>
+</file>
+
+<file path=ppt/slides/slide17.xml><?xml version="1.0" encoding="utf-8"?>
+<p:sld xmlns:a="http://schemas.openxmlformats.org/drawingml/2006/main" xmlns:r="http://schemas.openxmlformats.org/officeDocument/2006/relationships" xmlns:p="http://schemas.openxmlformats.org/presentationml/2006/main">
+  <p:cSld>
+    <p:spTree>
+      <p:nvGrpSpPr>
+        <p:cNvPr id="1" name=""/>
+        <p:cNvGrpSpPr/>
+        <p:nvPr/>
+      </p:nvGrpSpPr>
+      <p:grpSpPr>
+        <a:xfrm>
+          <a:off x="0" y="0"/>
+          <a:ext cx="0" cy="0"/>
+          <a:chOff x="0" y="0"/>
+          <a:chExt cx="0" cy="0"/>
+        </a:xfrm>
+      </p:grpSpPr>
+      <p:sp>
+        <p:nvSpPr>
+          <p:cNvPr id="2" name="바닥글 개체 틀 1"/>
+          <p:cNvSpPr>
+            <a:spLocks noGrp="1"/>
+          </p:cNvSpPr>
+          <p:nvPr>
+            <p:ph type="ftr" sz="quarter" idx="3"/>
+          </p:nvPr>
+        </p:nvSpPr>
+        <p:spPr/>
+        <p:txBody>
+          <a:bodyPr/>
+          <a:lstStyle/>
+          <a:p>
+            <a:pPr algn="r"/>
+            <a:r>
+              <a:rPr lang="ko-KR" altLang="en-US" dirty="0" err="1"/>
+              <a:t>질수없조</a:t>
+            </a:r>
+            <a:endParaRPr lang="en-US" altLang="ko-KR" dirty="0"/>
+          </a:p>
+        </p:txBody>
+      </p:sp>
+      <p:sp>
+        <p:nvSpPr>
+          <p:cNvPr id="3" name="TextBox 2">
+            <a:extLst>
+              <a:ext uri="{FF2B5EF4-FFF2-40B4-BE49-F238E27FC236}">
+                <a16:creationId xmlns:a16="http://schemas.microsoft.com/office/drawing/2014/main" id="{BA576AD8-AE66-AB67-284E-A047C0DE81C9}"/>
+              </a:ext>
+            </a:extLst>
+          </p:cNvPr>
+          <p:cNvSpPr txBox="1"/>
+          <p:nvPr/>
+        </p:nvSpPr>
+        <p:spPr>
+          <a:xfrm>
+            <a:off x="1290464" y="253586"/>
+            <a:ext cx="1861073" cy="307777"/>
+          </a:xfrm>
+          <a:prstGeom prst="rect">
+            <a:avLst/>
+          </a:prstGeom>
+          <a:noFill/>
+        </p:spPr>
+        <p:txBody>
+          <a:bodyPr wrap="square" rtlCol="0">
+            <a:spAutoFit/>
+          </a:bodyPr>
+          <a:lstStyle/>
+          <a:p>
+            <a:r>
+              <a:rPr kumimoji="1" lang="ko-Kore-KR" altLang="en-US" dirty="0"/>
+              <a:t>옷짱</a:t>
+            </a:r>
+          </a:p>
+        </p:txBody>
+      </p:sp>
+    </p:spTree>
+    <p:extLst>
+      <p:ext uri="{BB962C8B-B14F-4D97-AF65-F5344CB8AC3E}">
+        <p14:creationId xmlns:p14="http://schemas.microsoft.com/office/powerpoint/2010/main" val="1372380399"/>
+      </p:ext>
+    </p:extLst>
   </p:cSld>
   <p:clrMapOvr>
     <a:masterClrMapping/>
@@ -3051,10 +3960,9 @@
           <a:lstStyle/>
           <a:p>
             <a:r>
-              <a:rPr lang="ko-KR" altLang="en-US" dirty="0" smtClean="0"/>
+              <a:rPr lang="ko-KR" altLang="en-US" dirty="0"/>
               <a:t>변경 이력</a:t>
             </a:r>
-            <a:endParaRPr lang="ko-KR" altLang="en-US" dirty="0"/>
           </a:p>
         </p:txBody>
       </p:sp>
@@ -3075,7 +3983,7 @@
           <a:p>
             <a:pPr algn="r"/>
             <a:r>
-              <a:rPr lang="ko-KR" altLang="en-US" dirty="0" smtClean="0"/>
+              <a:rPr lang="ko-KR" altLang="en-US" dirty="0"/>
               <a:t>팀 명</a:t>
             </a:r>
             <a:endParaRPr lang="en-US" altLang="ko-KR" dirty="0"/>
@@ -3108,10 +4016,34 @@
                 <a:tableStyleId>{5940675A-B579-460E-94D1-54222C63F5DA}</a:tableStyleId>
               </a:tblPr>
               <a:tblGrid>
-                <a:gridCol w="2145506"/>
-                <a:gridCol w="2145506"/>
-                <a:gridCol w="2145506"/>
-                <a:gridCol w="2145506"/>
+                <a:gridCol w="2145506">
+                  <a:extLst>
+                    <a:ext uri="{9D8B030D-6E8A-4147-A177-3AD203B41FA5}">
+                      <a16:colId xmlns:a16="http://schemas.microsoft.com/office/drawing/2014/main" val="20000"/>
+                    </a:ext>
+                  </a:extLst>
+                </a:gridCol>
+                <a:gridCol w="2145506">
+                  <a:extLst>
+                    <a:ext uri="{9D8B030D-6E8A-4147-A177-3AD203B41FA5}">
+                      <a16:colId xmlns:a16="http://schemas.microsoft.com/office/drawing/2014/main" val="20001"/>
+                    </a:ext>
+                  </a:extLst>
+                </a:gridCol>
+                <a:gridCol w="2145506">
+                  <a:extLst>
+                    <a:ext uri="{9D8B030D-6E8A-4147-A177-3AD203B41FA5}">
+                      <a16:colId xmlns:a16="http://schemas.microsoft.com/office/drawing/2014/main" val="20002"/>
+                    </a:ext>
+                  </a:extLst>
+                </a:gridCol>
+                <a:gridCol w="2145506">
+                  <a:extLst>
+                    <a:ext uri="{9D8B030D-6E8A-4147-A177-3AD203B41FA5}">
+                      <a16:colId xmlns:a16="http://schemas.microsoft.com/office/drawing/2014/main" val="20003"/>
+                    </a:ext>
+                  </a:extLst>
+                </a:gridCol>
               </a:tblGrid>
               <a:tr h="370840">
                 <a:tc>
@@ -3121,7 +4053,7 @@
                     <a:p>
                       <a:pPr algn="ctr" latinLnBrk="1"/>
                       <a:r>
-                        <a:rPr lang="ko-KR" altLang="en-US" sz="1200" b="1" dirty="0" smtClean="0">
+                        <a:rPr lang="ko-KR" altLang="en-US" sz="1200" b="1" dirty="0">
                           <a:latin typeface="맑은 고딕" pitchFamily="50" charset="-127"/>
                           <a:ea typeface="맑은 고딕" pitchFamily="50" charset="-127"/>
                         </a:rPr>
@@ -3151,7 +4083,7 @@
                     <a:p>
                       <a:pPr algn="ctr" latinLnBrk="1"/>
                       <a:r>
-                        <a:rPr lang="ko-KR" altLang="en-US" sz="1200" b="1" dirty="0" smtClean="0">
+                        <a:rPr lang="ko-KR" altLang="en-US" sz="1200" b="1" dirty="0">
                           <a:latin typeface="맑은 고딕" pitchFamily="50" charset="-127"/>
                           <a:ea typeface="맑은 고딕" pitchFamily="50" charset="-127"/>
                         </a:rPr>
@@ -3181,7 +4113,7 @@
                     <a:p>
                       <a:pPr algn="ctr" latinLnBrk="1"/>
                       <a:r>
-                        <a:rPr lang="ko-KR" altLang="en-US" sz="1200" b="1" dirty="0" smtClean="0">
+                        <a:rPr lang="ko-KR" altLang="en-US" sz="1200" b="1" dirty="0">
                           <a:latin typeface="맑은 고딕" pitchFamily="50" charset="-127"/>
                           <a:ea typeface="맑은 고딕" pitchFamily="50" charset="-127"/>
                         </a:rPr>
@@ -3211,7 +4143,7 @@
                     <a:p>
                       <a:pPr algn="ctr" latinLnBrk="1"/>
                       <a:r>
-                        <a:rPr lang="ko-KR" altLang="en-US" sz="1200" b="1" dirty="0" smtClean="0">
+                        <a:rPr lang="ko-KR" altLang="en-US" sz="1200" b="1" dirty="0">
                           <a:latin typeface="맑은 고딕" pitchFamily="50" charset="-127"/>
                           <a:ea typeface="맑은 고딕" pitchFamily="50" charset="-127"/>
                         </a:rPr>
@@ -3234,6 +4166,11 @@
                     </a:solidFill>
                   </a:tcPr>
                 </a:tc>
+                <a:extLst>
+                  <a:ext uri="{0D108BD9-81ED-4DB2-BD59-A6C34878D82A}">
+                    <a16:rowId xmlns:a16="http://schemas.microsoft.com/office/drawing/2014/main" val="10000"/>
+                  </a:ext>
+                </a:extLst>
               </a:tr>
               <a:tr h="370840">
                 <a:tc>
@@ -3320,6 +4257,11 @@
                     </a:solidFill>
                   </a:tcPr>
                 </a:tc>
+                <a:extLst>
+                  <a:ext uri="{0D108BD9-81ED-4DB2-BD59-A6C34878D82A}">
+                    <a16:rowId xmlns:a16="http://schemas.microsoft.com/office/drawing/2014/main" val="10001"/>
+                  </a:ext>
+                </a:extLst>
               </a:tr>
               <a:tr h="370840">
                 <a:tc>
@@ -3406,6 +4348,11 @@
                     </a:solidFill>
                   </a:tcPr>
                 </a:tc>
+                <a:extLst>
+                  <a:ext uri="{0D108BD9-81ED-4DB2-BD59-A6C34878D82A}">
+                    <a16:rowId xmlns:a16="http://schemas.microsoft.com/office/drawing/2014/main" val="10002"/>
+                  </a:ext>
+                </a:extLst>
               </a:tr>
               <a:tr h="370840">
                 <a:tc>
@@ -3492,6 +4439,11 @@
                     </a:solidFill>
                   </a:tcPr>
                 </a:tc>
+                <a:extLst>
+                  <a:ext uri="{0D108BD9-81ED-4DB2-BD59-A6C34878D82A}">
+                    <a16:rowId xmlns:a16="http://schemas.microsoft.com/office/drawing/2014/main" val="10003"/>
+                  </a:ext>
+                </a:extLst>
               </a:tr>
               <a:tr h="370840">
                 <a:tc>
@@ -3578,6 +4530,11 @@
                     </a:solidFill>
                   </a:tcPr>
                 </a:tc>
+                <a:extLst>
+                  <a:ext uri="{0D108BD9-81ED-4DB2-BD59-A6C34878D82A}">
+                    <a16:rowId xmlns:a16="http://schemas.microsoft.com/office/drawing/2014/main" val="10004"/>
+                  </a:ext>
+                </a:extLst>
               </a:tr>
               <a:tr h="370840">
                 <a:tc>
@@ -3664,6 +4621,11 @@
                     </a:solidFill>
                   </a:tcPr>
                 </a:tc>
+                <a:extLst>
+                  <a:ext uri="{0D108BD9-81ED-4DB2-BD59-A6C34878D82A}">
+                    <a16:rowId xmlns:a16="http://schemas.microsoft.com/office/drawing/2014/main" val="10005"/>
+                  </a:ext>
+                </a:extLst>
               </a:tr>
               <a:tr h="370840">
                 <a:tc>
@@ -3750,6 +4712,11 @@
                     </a:solidFill>
                   </a:tcPr>
                 </a:tc>
+                <a:extLst>
+                  <a:ext uri="{0D108BD9-81ED-4DB2-BD59-A6C34878D82A}">
+                    <a16:rowId xmlns:a16="http://schemas.microsoft.com/office/drawing/2014/main" val="10006"/>
+                  </a:ext>
+                </a:extLst>
               </a:tr>
               <a:tr h="370840">
                 <a:tc>
@@ -3836,6 +4803,11 @@
                     </a:solidFill>
                   </a:tcPr>
                 </a:tc>
+                <a:extLst>
+                  <a:ext uri="{0D108BD9-81ED-4DB2-BD59-A6C34878D82A}">
+                    <a16:rowId xmlns:a16="http://schemas.microsoft.com/office/drawing/2014/main" val="10007"/>
+                  </a:ext>
+                </a:extLst>
               </a:tr>
             </a:tbl>
           </a:graphicData>
@@ -3883,8 +4855,8 @@
           <a:p>
             <a:pPr algn="r"/>
             <a:r>
-              <a:rPr lang="ko-KR" altLang="en-US" dirty="0" smtClean="0"/>
-              <a:t>팀 명</a:t>
+              <a:rPr lang="ko-KR" altLang="en-US" dirty="0" err="1"/>
+              <a:t>질수없조</a:t>
             </a:r>
             <a:endParaRPr lang="en-US" altLang="ko-KR" dirty="0"/>
           </a:p>
@@ -3892,14 +4864,20 @@
       </p:sp>
       <p:sp>
         <p:nvSpPr>
-          <p:cNvPr id="24" name="TextBox 23"/>
+          <p:cNvPr id="3" name="TextBox 2">
+            <a:extLst>
+              <a:ext uri="{FF2B5EF4-FFF2-40B4-BE49-F238E27FC236}">
+                <a16:creationId xmlns:a16="http://schemas.microsoft.com/office/drawing/2014/main" id="{BA576AD8-AE66-AB67-284E-A047C0DE81C9}"/>
+              </a:ext>
+            </a:extLst>
+          </p:cNvPr>
           <p:cNvSpPr txBox="1"/>
           <p:nvPr/>
         </p:nvSpPr>
         <p:spPr>
           <a:xfrm>
-            <a:off x="914400" y="931659"/>
-            <a:ext cx="752129" cy="307777"/>
+            <a:off x="1290464" y="253586"/>
+            <a:ext cx="1861073" cy="307777"/>
           </a:xfrm>
           <a:prstGeom prst="rect">
             <a:avLst/>
@@ -3907,61 +4885,805 @@
           <a:noFill/>
         </p:spPr>
         <p:txBody>
-          <a:bodyPr wrap="none" rtlCol="0">
+          <a:bodyPr wrap="square" rtlCol="0">
             <a:spAutoFit/>
           </a:bodyPr>
           <a:lstStyle/>
           <a:p>
             <a:r>
-              <a:rPr lang="en-US" altLang="ko-KR" dirty="0" smtClean="0"/>
-              <a:t>&lt;</a:t>
+              <a:rPr kumimoji="1" lang="ko-Kore-KR" altLang="en-US" dirty="0"/>
+              <a:t>옷짱</a:t>
             </a:r>
-            <a:r>
-              <a:rPr lang="ko-KR" altLang="en-US" dirty="0" smtClean="0"/>
-              <a:t>예시</a:t>
-            </a:r>
-            <a:r>
-              <a:rPr lang="en-US" altLang="ko-KR" dirty="0" smtClean="0"/>
-              <a:t>&gt;</a:t>
-            </a:r>
-            <a:endParaRPr lang="ko-KR" altLang="en-US" dirty="0"/>
           </a:p>
         </p:txBody>
       </p:sp>
       <p:pic>
         <p:nvPicPr>
-          <p:cNvPr id="25" name="Picture 3"/>
+          <p:cNvPr id="5" name="그림 4">
+            <a:extLst>
+              <a:ext uri="{FF2B5EF4-FFF2-40B4-BE49-F238E27FC236}">
+                <a16:creationId xmlns:a16="http://schemas.microsoft.com/office/drawing/2014/main" id="{999435F0-CB19-9220-658A-F435F94990F0}"/>
+              </a:ext>
+            </a:extLst>
+          </p:cNvPr>
           <p:cNvPicPr>
-            <a:picLocks noChangeAspect="1" noChangeArrowheads="1"/>
+            <a:picLocks noChangeAspect="1"/>
           </p:cNvPicPr>
           <p:nvPr/>
         </p:nvPicPr>
         <p:blipFill>
-          <a:blip r:embed="rId2" cstate="print"/>
-          <a:srcRect/>
+          <a:blip r:embed="rId2">
+            <a:extLst>
+              <a:ext uri="{28A0092B-C50C-407E-A947-70E740481C1C}">
+                <a14:useLocalDpi xmlns:a14="http://schemas.microsoft.com/office/drawing/2010/main" val="0"/>
+              </a:ext>
+            </a:extLst>
+          </a:blip>
           <a:stretch>
             <a:fillRect/>
           </a:stretch>
         </p:blipFill>
-        <p:spPr bwMode="auto">
+        <p:spPr>
           <a:xfrm>
-            <a:off x="1146106" y="1806652"/>
-            <a:ext cx="7058326" cy="1290231"/>
+            <a:off x="376517" y="1037194"/>
+            <a:ext cx="8390965" cy="5042505"/>
+          </a:xfrm>
+          <a:prstGeom prst="rect">
+            <a:avLst/>
+          </a:prstGeom>
+        </p:spPr>
+      </p:pic>
+    </p:spTree>
+    <p:extLst>
+      <p:ext uri="{BB962C8B-B14F-4D97-AF65-F5344CB8AC3E}">
+        <p14:creationId xmlns:p14="http://schemas.microsoft.com/office/powerpoint/2010/main" val="3349268926"/>
+      </p:ext>
+    </p:extLst>
+  </p:cSld>
+  <p:clrMapOvr>
+    <a:masterClrMapping/>
+  </p:clrMapOvr>
+</p:sld>
+</file>
+
+<file path=ppt/slides/slide4.xml><?xml version="1.0" encoding="utf-8"?>
+<p:sld xmlns:a="http://schemas.openxmlformats.org/drawingml/2006/main" xmlns:r="http://schemas.openxmlformats.org/officeDocument/2006/relationships" xmlns:p="http://schemas.openxmlformats.org/presentationml/2006/main">
+  <p:cSld>
+    <p:spTree>
+      <p:nvGrpSpPr>
+        <p:cNvPr id="1" name=""/>
+        <p:cNvGrpSpPr/>
+        <p:nvPr/>
+      </p:nvGrpSpPr>
+      <p:grpSpPr>
+        <a:xfrm>
+          <a:off x="0" y="0"/>
+          <a:ext cx="0" cy="0"/>
+          <a:chOff x="0" y="0"/>
+          <a:chExt cx="0" cy="0"/>
+        </a:xfrm>
+      </p:grpSpPr>
+      <p:sp>
+        <p:nvSpPr>
+          <p:cNvPr id="2" name="바닥글 개체 틀 1"/>
+          <p:cNvSpPr>
+            <a:spLocks noGrp="1"/>
+          </p:cNvSpPr>
+          <p:nvPr>
+            <p:ph type="ftr" sz="quarter" idx="3"/>
+          </p:nvPr>
+        </p:nvSpPr>
+        <p:spPr/>
+        <p:txBody>
+          <a:bodyPr/>
+          <a:lstStyle/>
+          <a:p>
+            <a:pPr algn="r"/>
+            <a:r>
+              <a:rPr lang="ko-KR" altLang="en-US" dirty="0" err="1"/>
+              <a:t>질수없조</a:t>
+            </a:r>
+            <a:endParaRPr lang="en-US" altLang="ko-KR" dirty="0"/>
+          </a:p>
+        </p:txBody>
+      </p:sp>
+      <p:sp>
+        <p:nvSpPr>
+          <p:cNvPr id="3" name="TextBox 2">
+            <a:extLst>
+              <a:ext uri="{FF2B5EF4-FFF2-40B4-BE49-F238E27FC236}">
+                <a16:creationId xmlns:a16="http://schemas.microsoft.com/office/drawing/2014/main" id="{BA576AD8-AE66-AB67-284E-A047C0DE81C9}"/>
+              </a:ext>
+            </a:extLst>
+          </p:cNvPr>
+          <p:cNvSpPr txBox="1"/>
+          <p:nvPr/>
+        </p:nvSpPr>
+        <p:spPr>
+          <a:xfrm>
+            <a:off x="1290464" y="253586"/>
+            <a:ext cx="1861073" cy="307777"/>
           </a:xfrm>
           <a:prstGeom prst="rect">
             <a:avLst/>
           </a:prstGeom>
           <a:noFill/>
-          <a:ln w="9525">
-            <a:noFill/>
-            <a:miter lim="800000"/>
-            <a:headEnd/>
-            <a:tailEnd/>
-          </a:ln>
-          <a:effectLst/>
+        </p:spPr>
+        <p:txBody>
+          <a:bodyPr wrap="square" rtlCol="0">
+            <a:spAutoFit/>
+          </a:bodyPr>
+          <a:lstStyle/>
+          <a:p>
+            <a:r>
+              <a:rPr kumimoji="1" lang="ko-Kore-KR" altLang="en-US" dirty="0"/>
+              <a:t>옷짱</a:t>
+            </a:r>
+          </a:p>
+        </p:txBody>
+      </p:sp>
+      <p:pic>
+        <p:nvPicPr>
+          <p:cNvPr id="5" name="그림 4">
+            <a:extLst>
+              <a:ext uri="{FF2B5EF4-FFF2-40B4-BE49-F238E27FC236}">
+                <a16:creationId xmlns:a16="http://schemas.microsoft.com/office/drawing/2014/main" id="{CE9797CD-366A-2C3A-DCDE-36B68F0B9145}"/>
+              </a:ext>
+            </a:extLst>
+          </p:cNvPr>
+          <p:cNvPicPr>
+            <a:picLocks noChangeAspect="1"/>
+          </p:cNvPicPr>
+          <p:nvPr/>
+        </p:nvPicPr>
+        <p:blipFill>
+          <a:blip r:embed="rId2">
+            <a:extLst>
+              <a:ext uri="{28A0092B-C50C-407E-A947-70E740481C1C}">
+                <a14:useLocalDpi xmlns:a14="http://schemas.microsoft.com/office/drawing/2010/main" val="0"/>
+              </a:ext>
+            </a:extLst>
+          </a:blip>
+          <a:stretch>
+            <a:fillRect/>
+          </a:stretch>
+        </p:blipFill>
+        <p:spPr>
+          <a:xfrm>
+            <a:off x="487501" y="1398495"/>
+            <a:ext cx="8168998" cy="4415950"/>
+          </a:xfrm>
+          <a:prstGeom prst="rect">
+            <a:avLst/>
+          </a:prstGeom>
         </p:spPr>
       </p:pic>
     </p:spTree>
+    <p:extLst>
+      <p:ext uri="{BB962C8B-B14F-4D97-AF65-F5344CB8AC3E}">
+        <p14:creationId xmlns:p14="http://schemas.microsoft.com/office/powerpoint/2010/main" val="3989947648"/>
+      </p:ext>
+    </p:extLst>
+  </p:cSld>
+  <p:clrMapOvr>
+    <a:masterClrMapping/>
+  </p:clrMapOvr>
+</p:sld>
+</file>
+
+<file path=ppt/slides/slide5.xml><?xml version="1.0" encoding="utf-8"?>
+<p:sld xmlns:a="http://schemas.openxmlformats.org/drawingml/2006/main" xmlns:r="http://schemas.openxmlformats.org/officeDocument/2006/relationships" xmlns:p="http://schemas.openxmlformats.org/presentationml/2006/main">
+  <p:cSld>
+    <p:spTree>
+      <p:nvGrpSpPr>
+        <p:cNvPr id="1" name=""/>
+        <p:cNvGrpSpPr/>
+        <p:nvPr/>
+      </p:nvGrpSpPr>
+      <p:grpSpPr>
+        <a:xfrm>
+          <a:off x="0" y="0"/>
+          <a:ext cx="0" cy="0"/>
+          <a:chOff x="0" y="0"/>
+          <a:chExt cx="0" cy="0"/>
+        </a:xfrm>
+      </p:grpSpPr>
+      <p:sp>
+        <p:nvSpPr>
+          <p:cNvPr id="2" name="바닥글 개체 틀 1"/>
+          <p:cNvSpPr>
+            <a:spLocks noGrp="1"/>
+          </p:cNvSpPr>
+          <p:nvPr>
+            <p:ph type="ftr" sz="quarter" idx="3"/>
+          </p:nvPr>
+        </p:nvSpPr>
+        <p:spPr/>
+        <p:txBody>
+          <a:bodyPr/>
+          <a:lstStyle/>
+          <a:p>
+            <a:pPr algn="r"/>
+            <a:r>
+              <a:rPr lang="ko-KR" altLang="en-US" dirty="0" err="1"/>
+              <a:t>질수없조</a:t>
+            </a:r>
+            <a:endParaRPr lang="en-US" altLang="ko-KR" dirty="0"/>
+          </a:p>
+        </p:txBody>
+      </p:sp>
+      <p:sp>
+        <p:nvSpPr>
+          <p:cNvPr id="3" name="TextBox 2">
+            <a:extLst>
+              <a:ext uri="{FF2B5EF4-FFF2-40B4-BE49-F238E27FC236}">
+                <a16:creationId xmlns:a16="http://schemas.microsoft.com/office/drawing/2014/main" id="{BA576AD8-AE66-AB67-284E-A047C0DE81C9}"/>
+              </a:ext>
+            </a:extLst>
+          </p:cNvPr>
+          <p:cNvSpPr txBox="1"/>
+          <p:nvPr/>
+        </p:nvSpPr>
+        <p:spPr>
+          <a:xfrm>
+            <a:off x="1290464" y="253586"/>
+            <a:ext cx="1861073" cy="307777"/>
+          </a:xfrm>
+          <a:prstGeom prst="rect">
+            <a:avLst/>
+          </a:prstGeom>
+          <a:noFill/>
+        </p:spPr>
+        <p:txBody>
+          <a:bodyPr wrap="square" rtlCol="0">
+            <a:spAutoFit/>
+          </a:bodyPr>
+          <a:lstStyle/>
+          <a:p>
+            <a:r>
+              <a:rPr kumimoji="1" lang="ko-Kore-KR" altLang="en-US" dirty="0"/>
+              <a:t>옷짱</a:t>
+            </a:r>
+          </a:p>
+        </p:txBody>
+      </p:sp>
+      <p:pic>
+        <p:nvPicPr>
+          <p:cNvPr id="5" name="그림 4" descr="테이블이(가) 표시된 사진&#10;&#10;자동 생성된 설명">
+            <a:extLst>
+              <a:ext uri="{FF2B5EF4-FFF2-40B4-BE49-F238E27FC236}">
+                <a16:creationId xmlns:a16="http://schemas.microsoft.com/office/drawing/2014/main" id="{A81D3220-2F94-F588-A9F0-D0CBB07C6A4F}"/>
+              </a:ext>
+            </a:extLst>
+          </p:cNvPr>
+          <p:cNvPicPr>
+            <a:picLocks noChangeAspect="1"/>
+          </p:cNvPicPr>
+          <p:nvPr/>
+        </p:nvPicPr>
+        <p:blipFill>
+          <a:blip r:embed="rId2">
+            <a:extLst>
+              <a:ext uri="{28A0092B-C50C-407E-A947-70E740481C1C}">
+                <a14:useLocalDpi xmlns:a14="http://schemas.microsoft.com/office/drawing/2010/main" val="0"/>
+              </a:ext>
+            </a:extLst>
+          </a:blip>
+          <a:stretch>
+            <a:fillRect/>
+          </a:stretch>
+        </p:blipFill>
+        <p:spPr>
+          <a:xfrm>
+            <a:off x="786978" y="1065007"/>
+            <a:ext cx="7570044" cy="5145987"/>
+          </a:xfrm>
+          <a:prstGeom prst="rect">
+            <a:avLst/>
+          </a:prstGeom>
+        </p:spPr>
+      </p:pic>
+    </p:spTree>
+  </p:cSld>
+  <p:clrMapOvr>
+    <a:masterClrMapping/>
+  </p:clrMapOvr>
+</p:sld>
+</file>
+
+<file path=ppt/slides/slide6.xml><?xml version="1.0" encoding="utf-8"?>
+<p:sld xmlns:a="http://schemas.openxmlformats.org/drawingml/2006/main" xmlns:r="http://schemas.openxmlformats.org/officeDocument/2006/relationships" xmlns:p="http://schemas.openxmlformats.org/presentationml/2006/main">
+  <p:cSld>
+    <p:spTree>
+      <p:nvGrpSpPr>
+        <p:cNvPr id="1" name=""/>
+        <p:cNvGrpSpPr/>
+        <p:nvPr/>
+      </p:nvGrpSpPr>
+      <p:grpSpPr>
+        <a:xfrm>
+          <a:off x="0" y="0"/>
+          <a:ext cx="0" cy="0"/>
+          <a:chOff x="0" y="0"/>
+          <a:chExt cx="0" cy="0"/>
+        </a:xfrm>
+      </p:grpSpPr>
+      <p:sp>
+        <p:nvSpPr>
+          <p:cNvPr id="2" name="바닥글 개체 틀 1"/>
+          <p:cNvSpPr>
+            <a:spLocks noGrp="1"/>
+          </p:cNvSpPr>
+          <p:nvPr>
+            <p:ph type="ftr" sz="quarter" idx="3"/>
+          </p:nvPr>
+        </p:nvSpPr>
+        <p:spPr/>
+        <p:txBody>
+          <a:bodyPr/>
+          <a:lstStyle/>
+          <a:p>
+            <a:pPr algn="r"/>
+            <a:r>
+              <a:rPr lang="ko-KR" altLang="en-US" dirty="0" err="1"/>
+              <a:t>질수없조</a:t>
+            </a:r>
+            <a:endParaRPr lang="en-US" altLang="ko-KR" dirty="0"/>
+          </a:p>
+        </p:txBody>
+      </p:sp>
+      <p:sp>
+        <p:nvSpPr>
+          <p:cNvPr id="3" name="TextBox 2">
+            <a:extLst>
+              <a:ext uri="{FF2B5EF4-FFF2-40B4-BE49-F238E27FC236}">
+                <a16:creationId xmlns:a16="http://schemas.microsoft.com/office/drawing/2014/main" id="{BA576AD8-AE66-AB67-284E-A047C0DE81C9}"/>
+              </a:ext>
+            </a:extLst>
+          </p:cNvPr>
+          <p:cNvSpPr txBox="1"/>
+          <p:nvPr/>
+        </p:nvSpPr>
+        <p:spPr>
+          <a:xfrm>
+            <a:off x="1290464" y="253586"/>
+            <a:ext cx="1861073" cy="307777"/>
+          </a:xfrm>
+          <a:prstGeom prst="rect">
+            <a:avLst/>
+          </a:prstGeom>
+          <a:noFill/>
+        </p:spPr>
+        <p:txBody>
+          <a:bodyPr wrap="square" rtlCol="0">
+            <a:spAutoFit/>
+          </a:bodyPr>
+          <a:lstStyle/>
+          <a:p>
+            <a:r>
+              <a:rPr kumimoji="1" lang="ko-Kore-KR" altLang="en-US" dirty="0"/>
+              <a:t>옷짱</a:t>
+            </a:r>
+          </a:p>
+        </p:txBody>
+      </p:sp>
+      <p:pic>
+        <p:nvPicPr>
+          <p:cNvPr id="5" name="그림 4">
+            <a:extLst>
+              <a:ext uri="{FF2B5EF4-FFF2-40B4-BE49-F238E27FC236}">
+                <a16:creationId xmlns:a16="http://schemas.microsoft.com/office/drawing/2014/main" id="{706BE843-39A4-E488-08CD-20151629418B}"/>
+              </a:ext>
+            </a:extLst>
+          </p:cNvPr>
+          <p:cNvPicPr>
+            <a:picLocks noChangeAspect="1"/>
+          </p:cNvPicPr>
+          <p:nvPr/>
+        </p:nvPicPr>
+        <p:blipFill>
+          <a:blip r:embed="rId2">
+            <a:extLst>
+              <a:ext uri="{28A0092B-C50C-407E-A947-70E740481C1C}">
+                <a14:useLocalDpi xmlns:a14="http://schemas.microsoft.com/office/drawing/2010/main" val="0"/>
+              </a:ext>
+            </a:extLst>
+          </a:blip>
+          <a:stretch>
+            <a:fillRect/>
+          </a:stretch>
+        </p:blipFill>
+        <p:spPr>
+          <a:xfrm>
+            <a:off x="167146" y="1859554"/>
+            <a:ext cx="8809708" cy="3489238"/>
+          </a:xfrm>
+          <a:prstGeom prst="rect">
+            <a:avLst/>
+          </a:prstGeom>
+        </p:spPr>
+      </p:pic>
+    </p:spTree>
+    <p:extLst>
+      <p:ext uri="{BB962C8B-B14F-4D97-AF65-F5344CB8AC3E}">
+        <p14:creationId xmlns:p14="http://schemas.microsoft.com/office/powerpoint/2010/main" val="3322495900"/>
+      </p:ext>
+    </p:extLst>
+  </p:cSld>
+  <p:clrMapOvr>
+    <a:masterClrMapping/>
+  </p:clrMapOvr>
+</p:sld>
+</file>
+
+<file path=ppt/slides/slide7.xml><?xml version="1.0" encoding="utf-8"?>
+<p:sld xmlns:a="http://schemas.openxmlformats.org/drawingml/2006/main" xmlns:r="http://schemas.openxmlformats.org/officeDocument/2006/relationships" xmlns:p="http://schemas.openxmlformats.org/presentationml/2006/main">
+  <p:cSld>
+    <p:spTree>
+      <p:nvGrpSpPr>
+        <p:cNvPr id="1" name=""/>
+        <p:cNvGrpSpPr/>
+        <p:nvPr/>
+      </p:nvGrpSpPr>
+      <p:grpSpPr>
+        <a:xfrm>
+          <a:off x="0" y="0"/>
+          <a:ext cx="0" cy="0"/>
+          <a:chOff x="0" y="0"/>
+          <a:chExt cx="0" cy="0"/>
+        </a:xfrm>
+      </p:grpSpPr>
+      <p:sp>
+        <p:nvSpPr>
+          <p:cNvPr id="2" name="바닥글 개체 틀 1"/>
+          <p:cNvSpPr>
+            <a:spLocks noGrp="1"/>
+          </p:cNvSpPr>
+          <p:nvPr>
+            <p:ph type="ftr" sz="quarter" idx="3"/>
+          </p:nvPr>
+        </p:nvSpPr>
+        <p:spPr/>
+        <p:txBody>
+          <a:bodyPr/>
+          <a:lstStyle/>
+          <a:p>
+            <a:pPr algn="r"/>
+            <a:r>
+              <a:rPr lang="ko-KR" altLang="en-US" dirty="0" err="1"/>
+              <a:t>질수없조</a:t>
+            </a:r>
+            <a:endParaRPr lang="en-US" altLang="ko-KR" dirty="0"/>
+          </a:p>
+        </p:txBody>
+      </p:sp>
+      <p:sp>
+        <p:nvSpPr>
+          <p:cNvPr id="3" name="TextBox 2">
+            <a:extLst>
+              <a:ext uri="{FF2B5EF4-FFF2-40B4-BE49-F238E27FC236}">
+                <a16:creationId xmlns:a16="http://schemas.microsoft.com/office/drawing/2014/main" id="{BA576AD8-AE66-AB67-284E-A047C0DE81C9}"/>
+              </a:ext>
+            </a:extLst>
+          </p:cNvPr>
+          <p:cNvSpPr txBox="1"/>
+          <p:nvPr/>
+        </p:nvSpPr>
+        <p:spPr>
+          <a:xfrm>
+            <a:off x="1290464" y="253586"/>
+            <a:ext cx="1861073" cy="307777"/>
+          </a:xfrm>
+          <a:prstGeom prst="rect">
+            <a:avLst/>
+          </a:prstGeom>
+          <a:noFill/>
+        </p:spPr>
+        <p:txBody>
+          <a:bodyPr wrap="square" rtlCol="0">
+            <a:spAutoFit/>
+          </a:bodyPr>
+          <a:lstStyle/>
+          <a:p>
+            <a:r>
+              <a:rPr kumimoji="1" lang="ko-Kore-KR" altLang="en-US" dirty="0"/>
+              <a:t>옷짱</a:t>
+            </a:r>
+          </a:p>
+        </p:txBody>
+      </p:sp>
+      <p:pic>
+        <p:nvPicPr>
+          <p:cNvPr id="5" name="그림 4">
+            <a:extLst>
+              <a:ext uri="{FF2B5EF4-FFF2-40B4-BE49-F238E27FC236}">
+                <a16:creationId xmlns:a16="http://schemas.microsoft.com/office/drawing/2014/main" id="{2F43FF63-81AC-7A28-FDB1-408085C0831C}"/>
+              </a:ext>
+            </a:extLst>
+          </p:cNvPr>
+          <p:cNvPicPr>
+            <a:picLocks noChangeAspect="1"/>
+          </p:cNvPicPr>
+          <p:nvPr/>
+        </p:nvPicPr>
+        <p:blipFill>
+          <a:blip r:embed="rId2">
+            <a:extLst>
+              <a:ext uri="{28A0092B-C50C-407E-A947-70E740481C1C}">
+                <a14:useLocalDpi xmlns:a14="http://schemas.microsoft.com/office/drawing/2010/main" val="0"/>
+              </a:ext>
+            </a:extLst>
+          </a:blip>
+          <a:stretch>
+            <a:fillRect/>
+          </a:stretch>
+        </p:blipFill>
+        <p:spPr>
+          <a:xfrm>
+            <a:off x="642769" y="955389"/>
+            <a:ext cx="7858461" cy="5245997"/>
+          </a:xfrm>
+          <a:prstGeom prst="rect">
+            <a:avLst/>
+          </a:prstGeom>
+        </p:spPr>
+      </p:pic>
+    </p:spTree>
+    <p:extLst>
+      <p:ext uri="{BB962C8B-B14F-4D97-AF65-F5344CB8AC3E}">
+        <p14:creationId xmlns:p14="http://schemas.microsoft.com/office/powerpoint/2010/main" val="1503033391"/>
+      </p:ext>
+    </p:extLst>
+  </p:cSld>
+  <p:clrMapOvr>
+    <a:masterClrMapping/>
+  </p:clrMapOvr>
+</p:sld>
+</file>
+
+<file path=ppt/slides/slide8.xml><?xml version="1.0" encoding="utf-8"?>
+<p:sld xmlns:a="http://schemas.openxmlformats.org/drawingml/2006/main" xmlns:r="http://schemas.openxmlformats.org/officeDocument/2006/relationships" xmlns:p="http://schemas.openxmlformats.org/presentationml/2006/main">
+  <p:cSld>
+    <p:spTree>
+      <p:nvGrpSpPr>
+        <p:cNvPr id="1" name=""/>
+        <p:cNvGrpSpPr/>
+        <p:nvPr/>
+      </p:nvGrpSpPr>
+      <p:grpSpPr>
+        <a:xfrm>
+          <a:off x="0" y="0"/>
+          <a:ext cx="0" cy="0"/>
+          <a:chOff x="0" y="0"/>
+          <a:chExt cx="0" cy="0"/>
+        </a:xfrm>
+      </p:grpSpPr>
+      <p:sp>
+        <p:nvSpPr>
+          <p:cNvPr id="2" name="바닥글 개체 틀 1"/>
+          <p:cNvSpPr>
+            <a:spLocks noGrp="1"/>
+          </p:cNvSpPr>
+          <p:nvPr>
+            <p:ph type="ftr" sz="quarter" idx="3"/>
+          </p:nvPr>
+        </p:nvSpPr>
+        <p:spPr/>
+        <p:txBody>
+          <a:bodyPr/>
+          <a:lstStyle/>
+          <a:p>
+            <a:pPr algn="r"/>
+            <a:r>
+              <a:rPr lang="ko-KR" altLang="en-US" dirty="0" err="1"/>
+              <a:t>질수없조</a:t>
+            </a:r>
+            <a:endParaRPr lang="en-US" altLang="ko-KR" dirty="0"/>
+          </a:p>
+        </p:txBody>
+      </p:sp>
+      <p:sp>
+        <p:nvSpPr>
+          <p:cNvPr id="3" name="TextBox 2">
+            <a:extLst>
+              <a:ext uri="{FF2B5EF4-FFF2-40B4-BE49-F238E27FC236}">
+                <a16:creationId xmlns:a16="http://schemas.microsoft.com/office/drawing/2014/main" id="{BA576AD8-AE66-AB67-284E-A047C0DE81C9}"/>
+              </a:ext>
+            </a:extLst>
+          </p:cNvPr>
+          <p:cNvSpPr txBox="1"/>
+          <p:nvPr/>
+        </p:nvSpPr>
+        <p:spPr>
+          <a:xfrm>
+            <a:off x="1290464" y="253586"/>
+            <a:ext cx="1861073" cy="307777"/>
+          </a:xfrm>
+          <a:prstGeom prst="rect">
+            <a:avLst/>
+          </a:prstGeom>
+          <a:noFill/>
+        </p:spPr>
+        <p:txBody>
+          <a:bodyPr wrap="square" rtlCol="0">
+            <a:spAutoFit/>
+          </a:bodyPr>
+          <a:lstStyle/>
+          <a:p>
+            <a:r>
+              <a:rPr kumimoji="1" lang="ko-Kore-KR" altLang="en-US" dirty="0"/>
+              <a:t>옷짱</a:t>
+            </a:r>
+          </a:p>
+        </p:txBody>
+      </p:sp>
+      <p:pic>
+        <p:nvPicPr>
+          <p:cNvPr id="5" name="그림 4">
+            <a:extLst>
+              <a:ext uri="{FF2B5EF4-FFF2-40B4-BE49-F238E27FC236}">
+                <a16:creationId xmlns:a16="http://schemas.microsoft.com/office/drawing/2014/main" id="{94BE5E18-F7D3-4B9A-D0F2-4497AD50DB5C}"/>
+              </a:ext>
+            </a:extLst>
+          </p:cNvPr>
+          <p:cNvPicPr>
+            <a:picLocks noChangeAspect="1"/>
+          </p:cNvPicPr>
+          <p:nvPr/>
+        </p:nvPicPr>
+        <p:blipFill>
+          <a:blip r:embed="rId2">
+            <a:extLst>
+              <a:ext uri="{28A0092B-C50C-407E-A947-70E740481C1C}">
+                <a14:useLocalDpi xmlns:a14="http://schemas.microsoft.com/office/drawing/2010/main" val="0"/>
+              </a:ext>
+            </a:extLst>
+          </a:blip>
+          <a:stretch>
+            <a:fillRect/>
+          </a:stretch>
+        </p:blipFill>
+        <p:spPr>
+          <a:xfrm>
+            <a:off x="467957" y="1516802"/>
+            <a:ext cx="8208085" cy="4292302"/>
+          </a:xfrm>
+          <a:prstGeom prst="rect">
+            <a:avLst/>
+          </a:prstGeom>
+        </p:spPr>
+      </p:pic>
+    </p:spTree>
+    <p:extLst>
+      <p:ext uri="{BB962C8B-B14F-4D97-AF65-F5344CB8AC3E}">
+        <p14:creationId xmlns:p14="http://schemas.microsoft.com/office/powerpoint/2010/main" val="42479120"/>
+      </p:ext>
+    </p:extLst>
+  </p:cSld>
+  <p:clrMapOvr>
+    <a:masterClrMapping/>
+  </p:clrMapOvr>
+</p:sld>
+</file>
+
+<file path=ppt/slides/slide9.xml><?xml version="1.0" encoding="utf-8"?>
+<p:sld xmlns:a="http://schemas.openxmlformats.org/drawingml/2006/main" xmlns:r="http://schemas.openxmlformats.org/officeDocument/2006/relationships" xmlns:p="http://schemas.openxmlformats.org/presentationml/2006/main">
+  <p:cSld>
+    <p:spTree>
+      <p:nvGrpSpPr>
+        <p:cNvPr id="1" name=""/>
+        <p:cNvGrpSpPr/>
+        <p:nvPr/>
+      </p:nvGrpSpPr>
+      <p:grpSpPr>
+        <a:xfrm>
+          <a:off x="0" y="0"/>
+          <a:ext cx="0" cy="0"/>
+          <a:chOff x="0" y="0"/>
+          <a:chExt cx="0" cy="0"/>
+        </a:xfrm>
+      </p:grpSpPr>
+      <p:sp>
+        <p:nvSpPr>
+          <p:cNvPr id="2" name="바닥글 개체 틀 1"/>
+          <p:cNvSpPr>
+            <a:spLocks noGrp="1"/>
+          </p:cNvSpPr>
+          <p:nvPr>
+            <p:ph type="ftr" sz="quarter" idx="3"/>
+          </p:nvPr>
+        </p:nvSpPr>
+        <p:spPr/>
+        <p:txBody>
+          <a:bodyPr/>
+          <a:lstStyle/>
+          <a:p>
+            <a:pPr algn="r"/>
+            <a:r>
+              <a:rPr lang="ko-KR" altLang="en-US" dirty="0" err="1"/>
+              <a:t>질수없조</a:t>
+            </a:r>
+            <a:endParaRPr lang="en-US" altLang="ko-KR" dirty="0"/>
+          </a:p>
+        </p:txBody>
+      </p:sp>
+      <p:sp>
+        <p:nvSpPr>
+          <p:cNvPr id="3" name="TextBox 2">
+            <a:extLst>
+              <a:ext uri="{FF2B5EF4-FFF2-40B4-BE49-F238E27FC236}">
+                <a16:creationId xmlns:a16="http://schemas.microsoft.com/office/drawing/2014/main" id="{BA576AD8-AE66-AB67-284E-A047C0DE81C9}"/>
+              </a:ext>
+            </a:extLst>
+          </p:cNvPr>
+          <p:cNvSpPr txBox="1"/>
+          <p:nvPr/>
+        </p:nvSpPr>
+        <p:spPr>
+          <a:xfrm>
+            <a:off x="1290464" y="253586"/>
+            <a:ext cx="1861073" cy="307777"/>
+          </a:xfrm>
+          <a:prstGeom prst="rect">
+            <a:avLst/>
+          </a:prstGeom>
+          <a:noFill/>
+        </p:spPr>
+        <p:txBody>
+          <a:bodyPr wrap="square" rtlCol="0">
+            <a:spAutoFit/>
+          </a:bodyPr>
+          <a:lstStyle/>
+          <a:p>
+            <a:r>
+              <a:rPr kumimoji="1" lang="ko-Kore-KR" altLang="en-US" dirty="0"/>
+              <a:t>옷짱</a:t>
+            </a:r>
+          </a:p>
+        </p:txBody>
+      </p:sp>
+      <p:pic>
+        <p:nvPicPr>
+          <p:cNvPr id="5" name="그림 4">
+            <a:extLst>
+              <a:ext uri="{FF2B5EF4-FFF2-40B4-BE49-F238E27FC236}">
+                <a16:creationId xmlns:a16="http://schemas.microsoft.com/office/drawing/2014/main" id="{422D7AA0-5D49-9C90-94D5-09AB4BF4E600}"/>
+              </a:ext>
+            </a:extLst>
+          </p:cNvPr>
+          <p:cNvPicPr>
+            <a:picLocks noChangeAspect="1"/>
+          </p:cNvPicPr>
+          <p:nvPr/>
+        </p:nvPicPr>
+        <p:blipFill>
+          <a:blip r:embed="rId2">
+            <a:extLst>
+              <a:ext uri="{28A0092B-C50C-407E-A947-70E740481C1C}">
+                <a14:useLocalDpi xmlns:a14="http://schemas.microsoft.com/office/drawing/2010/main" val="0"/>
+              </a:ext>
+            </a:extLst>
+          </a:blip>
+          <a:stretch>
+            <a:fillRect/>
+          </a:stretch>
+        </p:blipFill>
+        <p:spPr>
+          <a:xfrm>
+            <a:off x="685800" y="1465057"/>
+            <a:ext cx="7772400" cy="4229100"/>
+          </a:xfrm>
+          <a:prstGeom prst="rect">
+            <a:avLst/>
+          </a:prstGeom>
+        </p:spPr>
+      </p:pic>
+    </p:spTree>
+    <p:extLst>
+      <p:ext uri="{BB962C8B-B14F-4D97-AF65-F5344CB8AC3E}">
+        <p14:creationId xmlns:p14="http://schemas.microsoft.com/office/powerpoint/2010/main" val="1625284491"/>
+      </p:ext>
+    </p:extLst>
   </p:cSld>
   <p:clrMapOvr>
     <a:masterClrMapping/>

--- a/Class&SeqDiagram/ClassDesign.pptx
+++ b/Class&SeqDiagram/ClassDesign.pptx
@@ -3185,10 +3185,10 @@
       </p:sp>
       <p:pic>
         <p:nvPicPr>
-          <p:cNvPr id="5" name="그림 4">
+          <p:cNvPr id="6" name="그림 5">
             <a:extLst>
               <a:ext uri="{FF2B5EF4-FFF2-40B4-BE49-F238E27FC236}">
-                <a16:creationId xmlns:a16="http://schemas.microsoft.com/office/drawing/2014/main" id="{B69FF92F-5AF1-82FE-B31C-DFA5591E2CD3}"/>
+                <a16:creationId xmlns:a16="http://schemas.microsoft.com/office/drawing/2014/main" id="{6FE51045-7AA2-FC82-2DBE-C8E556014E42}"/>
               </a:ext>
             </a:extLst>
           </p:cNvPr>
@@ -3211,8 +3211,8 @@
         </p:blipFill>
         <p:spPr>
           <a:xfrm>
-            <a:off x="639814" y="1427162"/>
-            <a:ext cx="7864371" cy="4065029"/>
+            <a:off x="361950" y="1257300"/>
+            <a:ext cx="8420100" cy="4343400"/>
           </a:xfrm>
           <a:prstGeom prst="rect">
             <a:avLst/>
@@ -3558,6 +3558,42 @@
           </a:p>
         </p:txBody>
       </p:sp>
+      <p:pic>
+        <p:nvPicPr>
+          <p:cNvPr id="5" name="그림 4">
+            <a:extLst>
+              <a:ext uri="{FF2B5EF4-FFF2-40B4-BE49-F238E27FC236}">
+                <a16:creationId xmlns:a16="http://schemas.microsoft.com/office/drawing/2014/main" id="{B7A5A0B8-1185-F2F0-4E8D-B3AA88E11668}"/>
+              </a:ext>
+            </a:extLst>
+          </p:cNvPr>
+          <p:cNvPicPr>
+            <a:picLocks noChangeAspect="1"/>
+          </p:cNvPicPr>
+          <p:nvPr/>
+        </p:nvPicPr>
+        <p:blipFill>
+          <a:blip r:embed="rId2">
+            <a:extLst>
+              <a:ext uri="{28A0092B-C50C-407E-A947-70E740481C1C}">
+                <a14:useLocalDpi xmlns:a14="http://schemas.microsoft.com/office/drawing/2010/main" val="0"/>
+              </a:ext>
+            </a:extLst>
+          </a:blip>
+          <a:stretch>
+            <a:fillRect/>
+          </a:stretch>
+        </p:blipFill>
+        <p:spPr>
+          <a:xfrm>
+            <a:off x="801304" y="974020"/>
+            <a:ext cx="7541391" cy="5220075"/>
+          </a:xfrm>
+          <a:prstGeom prst="rect">
+            <a:avLst/>
+          </a:prstGeom>
+        </p:spPr>
+      </p:pic>
     </p:spTree>
     <p:extLst>
       <p:ext uri="{BB962C8B-B14F-4D97-AF65-F5344CB8AC3E}">
@@ -3647,6 +3683,42 @@
           </a:p>
         </p:txBody>
       </p:sp>
+      <p:pic>
+        <p:nvPicPr>
+          <p:cNvPr id="5" name="그림 4">
+            <a:extLst>
+              <a:ext uri="{FF2B5EF4-FFF2-40B4-BE49-F238E27FC236}">
+                <a16:creationId xmlns:a16="http://schemas.microsoft.com/office/drawing/2014/main" id="{90B5DEC9-AE9A-D30D-7802-0324F0BB5CF1}"/>
+              </a:ext>
+            </a:extLst>
+          </p:cNvPr>
+          <p:cNvPicPr>
+            <a:picLocks noChangeAspect="1"/>
+          </p:cNvPicPr>
+          <p:nvPr/>
+        </p:nvPicPr>
+        <p:blipFill>
+          <a:blip r:embed="rId2">
+            <a:extLst>
+              <a:ext uri="{28A0092B-C50C-407E-A947-70E740481C1C}">
+                <a14:useLocalDpi xmlns:a14="http://schemas.microsoft.com/office/drawing/2010/main" val="0"/>
+              </a:ext>
+            </a:extLst>
+          </a:blip>
+          <a:stretch>
+            <a:fillRect/>
+          </a:stretch>
+        </p:blipFill>
+        <p:spPr>
+          <a:xfrm>
+            <a:off x="903889" y="1062826"/>
+            <a:ext cx="7336221" cy="5139331"/>
+          </a:xfrm>
+          <a:prstGeom prst="rect">
+            <a:avLst/>
+          </a:prstGeom>
+        </p:spPr>
+      </p:pic>
     </p:spTree>
     <p:extLst>
       <p:ext uri="{BB962C8B-B14F-4D97-AF65-F5344CB8AC3E}">
@@ -3736,6 +3808,42 @@
           </a:p>
         </p:txBody>
       </p:sp>
+      <p:pic>
+        <p:nvPicPr>
+          <p:cNvPr id="5" name="그림 4">
+            <a:extLst>
+              <a:ext uri="{FF2B5EF4-FFF2-40B4-BE49-F238E27FC236}">
+                <a16:creationId xmlns:a16="http://schemas.microsoft.com/office/drawing/2014/main" id="{CF69A571-DC64-BE01-5F2E-72683EADB4C0}"/>
+              </a:ext>
+            </a:extLst>
+          </p:cNvPr>
+          <p:cNvPicPr>
+            <a:picLocks noChangeAspect="1"/>
+          </p:cNvPicPr>
+          <p:nvPr/>
+        </p:nvPicPr>
+        <p:blipFill>
+          <a:blip r:embed="rId2">
+            <a:extLst>
+              <a:ext uri="{28A0092B-C50C-407E-A947-70E740481C1C}">
+                <a14:useLocalDpi xmlns:a14="http://schemas.microsoft.com/office/drawing/2010/main" val="0"/>
+              </a:ext>
+            </a:extLst>
+          </a:blip>
+          <a:stretch>
+            <a:fillRect/>
+          </a:stretch>
+        </p:blipFill>
+        <p:spPr>
+          <a:xfrm>
+            <a:off x="1290464" y="1376855"/>
+            <a:ext cx="7396990" cy="4346685"/>
+          </a:xfrm>
+          <a:prstGeom prst="rect">
+            <a:avLst/>
+          </a:prstGeom>
+        </p:spPr>
+      </p:pic>
     </p:spTree>
     <p:extLst>
       <p:ext uri="{BB962C8B-B14F-4D97-AF65-F5344CB8AC3E}">
@@ -3825,6 +3933,42 @@
           </a:p>
         </p:txBody>
       </p:sp>
+      <p:pic>
+        <p:nvPicPr>
+          <p:cNvPr id="5" name="그림 4">
+            <a:extLst>
+              <a:ext uri="{FF2B5EF4-FFF2-40B4-BE49-F238E27FC236}">
+                <a16:creationId xmlns:a16="http://schemas.microsoft.com/office/drawing/2014/main" id="{E9F19F6D-706C-F77D-D024-5B6A2317455E}"/>
+              </a:ext>
+            </a:extLst>
+          </p:cNvPr>
+          <p:cNvPicPr>
+            <a:picLocks noChangeAspect="1"/>
+          </p:cNvPicPr>
+          <p:nvPr/>
+        </p:nvPicPr>
+        <p:blipFill>
+          <a:blip r:embed="rId2">
+            <a:extLst>
+              <a:ext uri="{28A0092B-C50C-407E-A947-70E740481C1C}">
+                <a14:useLocalDpi xmlns:a14="http://schemas.microsoft.com/office/drawing/2010/main" val="0"/>
+              </a:ext>
+            </a:extLst>
+          </a:blip>
+          <a:stretch>
+            <a:fillRect/>
+          </a:stretch>
+        </p:blipFill>
+        <p:spPr>
+          <a:xfrm>
+            <a:off x="806450" y="1504445"/>
+            <a:ext cx="7531100" cy="4147126"/>
+          </a:xfrm>
+          <a:prstGeom prst="rect">
+            <a:avLst/>
+          </a:prstGeom>
+        </p:spPr>
+      </p:pic>
     </p:spTree>
     <p:extLst>
       <p:ext uri="{BB962C8B-B14F-4D97-AF65-F5344CB8AC3E}">
@@ -3914,6 +4058,42 @@
           </a:p>
         </p:txBody>
       </p:sp>
+      <p:pic>
+        <p:nvPicPr>
+          <p:cNvPr id="5" name="그림 4">
+            <a:extLst>
+              <a:ext uri="{FF2B5EF4-FFF2-40B4-BE49-F238E27FC236}">
+                <a16:creationId xmlns:a16="http://schemas.microsoft.com/office/drawing/2014/main" id="{23CD668B-0603-F858-4CE5-EA7FEE132041}"/>
+              </a:ext>
+            </a:extLst>
+          </p:cNvPr>
+          <p:cNvPicPr>
+            <a:picLocks noChangeAspect="1"/>
+          </p:cNvPicPr>
+          <p:nvPr/>
+        </p:nvPicPr>
+        <p:blipFill>
+          <a:blip r:embed="rId2">
+            <a:extLst>
+              <a:ext uri="{28A0092B-C50C-407E-A947-70E740481C1C}">
+                <a14:useLocalDpi xmlns:a14="http://schemas.microsoft.com/office/drawing/2010/main" val="0"/>
+              </a:ext>
+            </a:extLst>
+          </a:blip>
+          <a:stretch>
+            <a:fillRect/>
+          </a:stretch>
+        </p:blipFill>
+        <p:spPr>
+          <a:xfrm>
+            <a:off x="958850" y="897836"/>
+            <a:ext cx="7226300" cy="5062327"/>
+          </a:xfrm>
+          <a:prstGeom prst="rect">
+            <a:avLst/>
+          </a:prstGeom>
+        </p:spPr>
+      </p:pic>
     </p:spTree>
     <p:extLst>
       <p:ext uri="{BB962C8B-B14F-4D97-AF65-F5344CB8AC3E}">
@@ -4000,14 +4180,14 @@
             <p:ph idx="1"/>
             <p:extLst>
               <p:ext uri="{D42A27DB-BD31-4B8C-83A1-F6EECF244321}">
-                <p14:modId xmlns:p14="http://schemas.microsoft.com/office/powerpoint/2010/main" val="3721839066"/>
+                <p14:modId xmlns:p14="http://schemas.microsoft.com/office/powerpoint/2010/main" val="1217051604"/>
               </p:ext>
             </p:extLst>
           </p:nvPr>
         </p:nvGraphicFramePr>
         <p:xfrm>
           <a:off x="280988" y="1025525"/>
-          <a:ext cx="8582024" cy="2966720"/>
+          <a:ext cx="8582024" cy="3042920"/>
         </p:xfrm>
         <a:graphic>
           <a:graphicData uri="http://schemas.openxmlformats.org/drawingml/2006/table">
@@ -4023,21 +4203,21 @@
                     </a:ext>
                   </a:extLst>
                 </a:gridCol>
-                <a:gridCol w="2145506">
+                <a:gridCol w="1478532">
                   <a:extLst>
                     <a:ext uri="{9D8B030D-6E8A-4147-A177-3AD203B41FA5}">
                       <a16:colId xmlns:a16="http://schemas.microsoft.com/office/drawing/2014/main" val="20001"/>
                     </a:ext>
                   </a:extLst>
                 </a:gridCol>
-                <a:gridCol w="2145506">
+                <a:gridCol w="2818503">
                   <a:extLst>
                     <a:ext uri="{9D8B030D-6E8A-4147-A177-3AD203B41FA5}">
                       <a16:colId xmlns:a16="http://schemas.microsoft.com/office/drawing/2014/main" val="20002"/>
                     </a:ext>
                   </a:extLst>
                 </a:gridCol>
-                <a:gridCol w="2145506">
+                <a:gridCol w="2139483">
                   <a:extLst>
                     <a:ext uri="{9D8B030D-6E8A-4147-A177-3AD203B41FA5}">
                       <a16:colId xmlns:a16="http://schemas.microsoft.com/office/drawing/2014/main" val="20003"/>
@@ -4179,7 +4359,17 @@
                     <a:lstStyle/>
                     <a:p>
                       <a:pPr algn="ctr" latinLnBrk="1"/>
-                      <a:endParaRPr lang="ko-KR" altLang="en-US" sz="1200" b="0" dirty="0">
+                      <a:r>
+                        <a:rPr lang="en-US" altLang="ko-KR" sz="1000" b="0" dirty="0">
+                          <a:solidFill>
+                            <a:schemeClr val="tx1"/>
+                          </a:solidFill>
+                          <a:latin typeface="맑은 고딕" pitchFamily="50" charset="-127"/>
+                          <a:ea typeface="맑은 고딕" pitchFamily="50" charset="-127"/>
+                        </a:rPr>
+                        <a:t>2022.05.20</a:t>
+                      </a:r>
+                      <a:endParaRPr lang="ko-KR" altLang="en-US" sz="1000" b="0" dirty="0">
                         <a:solidFill>
                           <a:schemeClr val="tx1"/>
                         </a:solidFill>
@@ -4200,28 +4390,17 @@
                     <a:lstStyle/>
                     <a:p>
                       <a:pPr algn="ctr" latinLnBrk="1"/>
-                      <a:endParaRPr lang="ko-KR" altLang="en-US" sz="1200" b="0" dirty="0">
-                        <a:solidFill>
-                          <a:schemeClr val="tx1"/>
-                        </a:solidFill>
-                        <a:latin typeface="맑은 고딕" pitchFamily="50" charset="-127"/>
-                        <a:ea typeface="맑은 고딕" pitchFamily="50" charset="-127"/>
-                      </a:endParaRPr>
-                    </a:p>
-                  </a:txBody>
-                  <a:tcPr anchor="ctr">
-                    <a:solidFill>
-                      <a:schemeClr val="bg1"/>
-                    </a:solidFill>
-                  </a:tcPr>
-                </a:tc>
-                <a:tc>
-                  <a:txBody>
-                    <a:bodyPr/>
-                    <a:lstStyle/>
-                    <a:p>
-                      <a:pPr latinLnBrk="1"/>
-                      <a:endParaRPr lang="ko-KR" altLang="en-US" sz="1200" b="0" dirty="0">
+                      <a:r>
+                        <a:rPr lang="en-US" altLang="ko-KR" sz="1000" b="0" dirty="0">
+                          <a:solidFill>
+                            <a:schemeClr val="tx1"/>
+                          </a:solidFill>
+                          <a:latin typeface="맑은 고딕" pitchFamily="50" charset="-127"/>
+                          <a:ea typeface="맑은 고딕" pitchFamily="50" charset="-127"/>
+                        </a:rPr>
+                        <a:t>V1.0</a:t>
+                      </a:r>
+                      <a:endParaRPr lang="ko-KR" altLang="en-US" sz="1000" b="0" dirty="0">
                         <a:solidFill>
                           <a:schemeClr val="tx1"/>
                         </a:solidFill>
@@ -4242,13 +4421,60 @@
                     <a:lstStyle/>
                     <a:p>
                       <a:pPr algn="ctr" latinLnBrk="1"/>
-                      <a:endParaRPr lang="ko-KR" altLang="en-US" sz="1200" b="0" dirty="0">
-                        <a:solidFill>
-                          <a:schemeClr val="tx1"/>
-                        </a:solidFill>
-                        <a:latin typeface="맑은 고딕" pitchFamily="50" charset="-127"/>
-                        <a:ea typeface="맑은 고딕" pitchFamily="50" charset="-127"/>
-                      </a:endParaRPr>
+                      <a:r>
+                        <a:rPr lang="ko-KR" altLang="en-US" sz="1000" b="0" dirty="0">
+                          <a:solidFill>
+                            <a:schemeClr val="tx1"/>
+                          </a:solidFill>
+                          <a:latin typeface="맑은 고딕" pitchFamily="50" charset="-127"/>
+                          <a:ea typeface="맑은 고딕" pitchFamily="50" charset="-127"/>
+                        </a:rPr>
+                        <a:t>클래스 다이어그램 초안 작성</a:t>
+                      </a:r>
+                    </a:p>
+                  </a:txBody>
+                  <a:tcPr anchor="ctr">
+                    <a:solidFill>
+                      <a:schemeClr val="bg1"/>
+                    </a:solidFill>
+                  </a:tcPr>
+                </a:tc>
+                <a:tc>
+                  <a:txBody>
+                    <a:bodyPr/>
+                    <a:lstStyle/>
+                    <a:p>
+                      <a:pPr algn="ctr" latinLnBrk="1"/>
+                      <a:r>
+                        <a:rPr lang="ko-KR" altLang="en-US" sz="1000" b="0" dirty="0">
+                          <a:solidFill>
+                            <a:schemeClr val="tx1"/>
+                          </a:solidFill>
+                          <a:latin typeface="맑은 고딕" pitchFamily="50" charset="-127"/>
+                          <a:ea typeface="맑은 고딕" pitchFamily="50" charset="-127"/>
+                        </a:rPr>
+                        <a:t>나주엽</a:t>
+                      </a:r>
+                      <a:r>
+                        <a:rPr lang="en-US" altLang="ko-KR" sz="1000" b="0" dirty="0">
+                          <a:solidFill>
+                            <a:schemeClr val="tx1"/>
+                          </a:solidFill>
+                          <a:latin typeface="맑은 고딕" pitchFamily="50" charset="-127"/>
+                          <a:ea typeface="맑은 고딕" pitchFamily="50" charset="-127"/>
+                        </a:rPr>
+                        <a:t>,</a:t>
+                      </a:r>
+                      <a:r>
+                        <a:rPr lang="ko-KR" altLang="en-US" sz="1000" b="0" dirty="0">
+                          <a:solidFill>
+                            <a:schemeClr val="tx1"/>
+                          </a:solidFill>
+                          <a:latin typeface="맑은 고딕" pitchFamily="50" charset="-127"/>
+                          <a:ea typeface="맑은 고딕" pitchFamily="50" charset="-127"/>
+                        </a:rPr>
+                        <a:t> 이주헌</a:t>
+                      </a:r>
                     </a:p>
                   </a:txBody>
                   <a:tcPr anchor="ctr">
@@ -4270,7 +4496,17 @@
                     <a:lstStyle/>
                     <a:p>
                       <a:pPr algn="ctr" latinLnBrk="1"/>
-                      <a:endParaRPr lang="ko-KR" altLang="en-US" sz="1200" b="0" dirty="0">
+                      <a:r>
+                        <a:rPr lang="en-US" altLang="ko-KR" sz="1000" b="0" dirty="0">
+                          <a:solidFill>
+                            <a:schemeClr val="tx1"/>
+                          </a:solidFill>
+                          <a:latin typeface="맑은 고딕" pitchFamily="50" charset="-127"/>
+                          <a:ea typeface="맑은 고딕" pitchFamily="50" charset="-127"/>
+                        </a:rPr>
+                        <a:t>2022.05.22</a:t>
+                      </a:r>
+                      <a:endParaRPr lang="ko-KR" altLang="en-US" sz="1000" b="0" dirty="0">
                         <a:solidFill>
                           <a:schemeClr val="tx1"/>
                         </a:solidFill>
@@ -4291,28 +4527,17 @@
                     <a:lstStyle/>
                     <a:p>
                       <a:pPr algn="ctr" latinLnBrk="1"/>
-                      <a:endParaRPr lang="ko-KR" altLang="en-US" sz="1200" b="0" dirty="0">
-                        <a:solidFill>
-                          <a:schemeClr val="tx1"/>
-                        </a:solidFill>
-                        <a:latin typeface="맑은 고딕" pitchFamily="50" charset="-127"/>
-                        <a:ea typeface="맑은 고딕" pitchFamily="50" charset="-127"/>
-                      </a:endParaRPr>
-                    </a:p>
-                  </a:txBody>
-                  <a:tcPr anchor="ctr">
-                    <a:solidFill>
-                      <a:schemeClr val="bg1"/>
-                    </a:solidFill>
-                  </a:tcPr>
-                </a:tc>
-                <a:tc>
-                  <a:txBody>
-                    <a:bodyPr/>
-                    <a:lstStyle/>
-                    <a:p>
-                      <a:pPr latinLnBrk="1"/>
-                      <a:endParaRPr lang="ko-KR" altLang="en-US" sz="1200" b="0">
+                      <a:r>
+                        <a:rPr lang="en-US" altLang="ko-KR" sz="1000" b="0" dirty="0">
+                          <a:solidFill>
+                            <a:schemeClr val="tx1"/>
+                          </a:solidFill>
+                          <a:latin typeface="맑은 고딕" pitchFamily="50" charset="-127"/>
+                          <a:ea typeface="맑은 고딕" pitchFamily="50" charset="-127"/>
+                        </a:rPr>
+                        <a:t>V1.1</a:t>
+                      </a:r>
+                      <a:endParaRPr lang="ko-KR" altLang="en-US" sz="1000" b="0" dirty="0">
                         <a:solidFill>
                           <a:schemeClr val="tx1"/>
                         </a:solidFill>
@@ -4333,13 +4558,166 @@
                     <a:lstStyle/>
                     <a:p>
                       <a:pPr algn="ctr" latinLnBrk="1"/>
-                      <a:endParaRPr lang="ko-KR" altLang="en-US" sz="1200" b="0" dirty="0">
+                      <a:r>
+                        <a:rPr lang="ko-KR" altLang="en-US" sz="1000" b="0" dirty="0">
+                          <a:solidFill>
+                            <a:schemeClr val="tx1"/>
+                          </a:solidFill>
+                          <a:latin typeface="맑은 고딕" pitchFamily="50" charset="-127"/>
+                          <a:ea typeface="맑은 고딕" pitchFamily="50" charset="-127"/>
+                        </a:rPr>
+                        <a:t>클래스 다이어그램 수정 및</a:t>
+                      </a:r>
+                      <a:endParaRPr lang="en-US" altLang="ko-KR" sz="1000" b="0" dirty="0">
                         <a:solidFill>
                           <a:schemeClr val="tx1"/>
                         </a:solidFill>
                         <a:latin typeface="맑은 고딕" pitchFamily="50" charset="-127"/>
                         <a:ea typeface="맑은 고딕" pitchFamily="50" charset="-127"/>
                       </a:endParaRPr>
+                    </a:p>
+                    <a:p>
+                      <a:pPr algn="ctr" latinLnBrk="1"/>
+                      <a:r>
+                        <a:rPr lang="ko-KR" altLang="en-US" sz="1000" b="0" dirty="0">
+                          <a:solidFill>
+                            <a:schemeClr val="tx1"/>
+                          </a:solidFill>
+                          <a:latin typeface="맑은 고딕" pitchFamily="50" charset="-127"/>
+                          <a:ea typeface="맑은 고딕" pitchFamily="50" charset="-127"/>
+                        </a:rPr>
+                        <a:t>시퀀스 다이어그램 초안 작성</a:t>
+                      </a:r>
+                    </a:p>
+                  </a:txBody>
+                  <a:tcPr anchor="ctr">
+                    <a:solidFill>
+                      <a:schemeClr val="bg1"/>
+                    </a:solidFill>
+                  </a:tcPr>
+                </a:tc>
+                <a:tc>
+                  <a:txBody>
+                    <a:bodyPr/>
+                    <a:lstStyle/>
+                    <a:p>
+                      <a:pPr marL="0" marR="0" lvl="0" indent="0" algn="ctr" defTabSz="914400" rtl="0" eaLnBrk="1" fontAlgn="auto" latinLnBrk="1" hangingPunct="1">
+                        <a:lnSpc>
+                          <a:spcPct val="100000"/>
+                        </a:lnSpc>
+                        <a:spcBef>
+                          <a:spcPts val="0"/>
+                        </a:spcBef>
+                        <a:spcAft>
+                          <a:spcPts val="0"/>
+                        </a:spcAft>
+                        <a:buClrTx/>
+                        <a:buSzTx/>
+                        <a:buFontTx/>
+                        <a:buNone/>
+                        <a:tabLst/>
+                        <a:defRPr/>
+                      </a:pPr>
+                      <a:r>
+                        <a:rPr lang="ko-KR" altLang="en-US" sz="1000" b="0" dirty="0">
+                          <a:solidFill>
+                            <a:schemeClr val="tx1"/>
+                          </a:solidFill>
+                          <a:latin typeface="맑은 고딕" pitchFamily="50" charset="-127"/>
+                          <a:ea typeface="맑은 고딕" pitchFamily="50" charset="-127"/>
+                        </a:rPr>
+                        <a:t>나주엽</a:t>
+                      </a:r>
+                      <a:r>
+                        <a:rPr lang="en-US" altLang="ko-KR" sz="1000" b="0" dirty="0">
+                          <a:solidFill>
+                            <a:schemeClr val="tx1"/>
+                          </a:solidFill>
+                          <a:latin typeface="맑은 고딕" pitchFamily="50" charset="-127"/>
+                          <a:ea typeface="맑은 고딕" pitchFamily="50" charset="-127"/>
+                        </a:rPr>
+                        <a:t>,</a:t>
+                      </a:r>
+                      <a:r>
+                        <a:rPr lang="ko-KR" altLang="en-US" sz="1000" b="0" dirty="0">
+                          <a:solidFill>
+                            <a:schemeClr val="tx1"/>
+                          </a:solidFill>
+                          <a:latin typeface="맑은 고딕" pitchFamily="50" charset="-127"/>
+                          <a:ea typeface="맑은 고딕" pitchFamily="50" charset="-127"/>
+                        </a:rPr>
+                        <a:t> 이주헌</a:t>
+                      </a:r>
+                      <a:r>
+                        <a:rPr lang="en-US" altLang="ko-KR" sz="1000" b="0" dirty="0">
+                          <a:solidFill>
+                            <a:schemeClr val="tx1"/>
+                          </a:solidFill>
+                          <a:latin typeface="맑은 고딕" pitchFamily="50" charset="-127"/>
+                          <a:ea typeface="맑은 고딕" pitchFamily="50" charset="-127"/>
+                        </a:rPr>
+                        <a:t>,</a:t>
+                      </a:r>
+                      <a:r>
+                        <a:rPr lang="ko-KR" altLang="en-US" sz="1000" b="0" dirty="0">
+                          <a:solidFill>
+                            <a:schemeClr val="tx1"/>
+                          </a:solidFill>
+                          <a:latin typeface="맑은 고딕" pitchFamily="50" charset="-127"/>
+                          <a:ea typeface="맑은 고딕" pitchFamily="50" charset="-127"/>
+                        </a:rPr>
+                        <a:t> </a:t>
+                      </a:r>
+                      <a:r>
+                        <a:rPr lang="ko-KR" altLang="en-US" sz="1000" b="0" dirty="0" err="1">
+                          <a:solidFill>
+                            <a:schemeClr val="tx1"/>
+                          </a:solidFill>
+                          <a:latin typeface="맑은 고딕" pitchFamily="50" charset="-127"/>
+                          <a:ea typeface="맑은 고딕" pitchFamily="50" charset="-127"/>
+                        </a:rPr>
+                        <a:t>송수근</a:t>
+                      </a:r>
+                      <a:r>
+                        <a:rPr lang="en-US" altLang="ko-KR" sz="1000" b="0" dirty="0">
+                          <a:solidFill>
+                            <a:schemeClr val="tx1"/>
+                          </a:solidFill>
+                          <a:latin typeface="맑은 고딕" pitchFamily="50" charset="-127"/>
+                          <a:ea typeface="맑은 고딕" pitchFamily="50" charset="-127"/>
+                        </a:rPr>
+                        <a:t>,</a:t>
+                      </a:r>
+                      <a:r>
+                        <a:rPr lang="ko-KR" altLang="en-US" sz="1000" b="0" dirty="0">
+                          <a:solidFill>
+                            <a:schemeClr val="tx1"/>
+                          </a:solidFill>
+                          <a:latin typeface="맑은 고딕" pitchFamily="50" charset="-127"/>
+                          <a:ea typeface="맑은 고딕" pitchFamily="50" charset="-127"/>
+                        </a:rPr>
+                        <a:t> 정용훈</a:t>
+                      </a:r>
+                      <a:r>
+                        <a:rPr lang="en-US" altLang="ko-KR" sz="1000" b="0" dirty="0">
+                          <a:solidFill>
+                            <a:schemeClr val="tx1"/>
+                          </a:solidFill>
+                          <a:latin typeface="맑은 고딕" pitchFamily="50" charset="-127"/>
+                          <a:ea typeface="맑은 고딕" pitchFamily="50" charset="-127"/>
+                        </a:rPr>
+                        <a:t>,</a:t>
+                      </a:r>
+                      <a:r>
+                        <a:rPr lang="ko-KR" altLang="en-US" sz="1000" b="0" dirty="0">
+                          <a:solidFill>
+                            <a:schemeClr val="tx1"/>
+                          </a:solidFill>
+                          <a:latin typeface="맑은 고딕" pitchFamily="50" charset="-127"/>
+                          <a:ea typeface="맑은 고딕" pitchFamily="50" charset="-127"/>
+                        </a:rPr>
+                        <a:t> 문정호</a:t>
+                      </a:r>
                     </a:p>
                   </a:txBody>
                   <a:tcPr anchor="ctr">
@@ -4361,7 +4739,17 @@
                     <a:lstStyle/>
                     <a:p>
                       <a:pPr algn="ctr" latinLnBrk="1"/>
-                      <a:endParaRPr lang="ko-KR" altLang="en-US" sz="1200" b="0" dirty="0">
+                      <a:r>
+                        <a:rPr lang="en-US" altLang="ko-KR" sz="1000" b="0" dirty="0">
+                          <a:solidFill>
+                            <a:schemeClr val="tx1"/>
+                          </a:solidFill>
+                          <a:latin typeface="맑은 고딕" pitchFamily="50" charset="-127"/>
+                          <a:ea typeface="맑은 고딕" pitchFamily="50" charset="-127"/>
+                        </a:rPr>
+                        <a:t>2022.05.24</a:t>
+                      </a:r>
+                      <a:endParaRPr lang="ko-KR" altLang="en-US" sz="1000" b="0" dirty="0">
                         <a:solidFill>
                           <a:schemeClr val="tx1"/>
                         </a:solidFill>
@@ -4382,34 +4770,16 @@
                     <a:lstStyle/>
                     <a:p>
                       <a:pPr algn="ctr" latinLnBrk="1"/>
-                      <a:endParaRPr lang="ko-KR" altLang="en-US" sz="1200" b="0" dirty="0">
-                        <a:solidFill>
-                          <a:schemeClr val="tx1"/>
-                        </a:solidFill>
-                        <a:latin typeface="맑은 고딕" pitchFamily="50" charset="-127"/>
-                        <a:ea typeface="맑은 고딕" pitchFamily="50" charset="-127"/>
-                      </a:endParaRPr>
-                    </a:p>
-                  </a:txBody>
-                  <a:tcPr anchor="ctr">
-                    <a:solidFill>
-                      <a:schemeClr val="bg1"/>
-                    </a:solidFill>
-                  </a:tcPr>
-                </a:tc>
-                <a:tc>
-                  <a:txBody>
-                    <a:bodyPr/>
-                    <a:lstStyle/>
-                    <a:p>
-                      <a:pPr latinLnBrk="1"/>
-                      <a:endParaRPr lang="ko-KR" altLang="en-US" sz="1200" b="0">
-                        <a:solidFill>
-                          <a:schemeClr val="tx1"/>
-                        </a:solidFill>
-                        <a:latin typeface="맑은 고딕" pitchFamily="50" charset="-127"/>
-                        <a:ea typeface="맑은 고딕" pitchFamily="50" charset="-127"/>
-                      </a:endParaRPr>
+                      <a:r>
+                        <a:rPr lang="en-US" altLang="ko-KR" sz="1000" b="0" dirty="0">
+                          <a:solidFill>
+                            <a:schemeClr val="tx1"/>
+                          </a:solidFill>
+                          <a:latin typeface="맑은 고딕" pitchFamily="50" charset="-127"/>
+                          <a:ea typeface="맑은 고딕" pitchFamily="50" charset="-127"/>
+                        </a:rPr>
+                        <a:t>V1.2</a:t>
+                      </a:r>
                     </a:p>
                   </a:txBody>
                   <a:tcPr anchor="ctr">
@@ -4424,13 +4794,146 @@
                     <a:lstStyle/>
                     <a:p>
                       <a:pPr algn="ctr" latinLnBrk="1"/>
-                      <a:endParaRPr lang="ko-KR" altLang="en-US" sz="1200" b="0" dirty="0">
+                      <a:r>
+                        <a:rPr lang="ko-KR" altLang="en-US" sz="1000" b="0" dirty="0">
+                          <a:solidFill>
+                            <a:schemeClr val="tx1"/>
+                          </a:solidFill>
+                          <a:latin typeface="맑은 고딕" pitchFamily="50" charset="-127"/>
+                          <a:ea typeface="맑은 고딕" pitchFamily="50" charset="-127"/>
+                        </a:rPr>
+                        <a:t>시퀀스 다이어그램 추가 작성 및</a:t>
+                      </a:r>
+                      <a:endParaRPr lang="en-US" altLang="ko-KR" sz="1000" b="0" dirty="0">
                         <a:solidFill>
                           <a:schemeClr val="tx1"/>
                         </a:solidFill>
                         <a:latin typeface="맑은 고딕" pitchFamily="50" charset="-127"/>
                         <a:ea typeface="맑은 고딕" pitchFamily="50" charset="-127"/>
                       </a:endParaRPr>
+                    </a:p>
+                    <a:p>
+                      <a:pPr algn="ctr" latinLnBrk="1"/>
+                      <a:r>
+                        <a:rPr lang="ko-KR" altLang="en-US" sz="1000" b="0" dirty="0">
+                          <a:solidFill>
+                            <a:schemeClr val="tx1"/>
+                          </a:solidFill>
+                          <a:latin typeface="맑은 고딕" pitchFamily="50" charset="-127"/>
+                          <a:ea typeface="맑은 고딕" pitchFamily="50" charset="-127"/>
+                        </a:rPr>
+                        <a:t>기존 시퀀스 다이어그램 보완</a:t>
+                      </a:r>
+                    </a:p>
+                  </a:txBody>
+                  <a:tcPr anchor="ctr">
+                    <a:solidFill>
+                      <a:schemeClr val="bg1"/>
+                    </a:solidFill>
+                  </a:tcPr>
+                </a:tc>
+                <a:tc>
+                  <a:txBody>
+                    <a:bodyPr/>
+                    <a:lstStyle/>
+                    <a:p>
+                      <a:pPr marL="0" marR="0" lvl="0" indent="0" algn="ctr" defTabSz="914400" rtl="0" eaLnBrk="1" fontAlgn="auto" latinLnBrk="1" hangingPunct="1">
+                        <a:lnSpc>
+                          <a:spcPct val="100000"/>
+                        </a:lnSpc>
+                        <a:spcBef>
+                          <a:spcPts val="0"/>
+                        </a:spcBef>
+                        <a:spcAft>
+                          <a:spcPts val="0"/>
+                        </a:spcAft>
+                        <a:buClrTx/>
+                        <a:buSzTx/>
+                        <a:buFontTx/>
+                        <a:buNone/>
+                        <a:tabLst/>
+                        <a:defRPr/>
+                      </a:pPr>
+                      <a:r>
+                        <a:rPr lang="ko-KR" altLang="en-US" sz="1000" b="0" dirty="0">
+                          <a:solidFill>
+                            <a:schemeClr val="tx1"/>
+                          </a:solidFill>
+                          <a:latin typeface="맑은 고딕" pitchFamily="50" charset="-127"/>
+                          <a:ea typeface="맑은 고딕" pitchFamily="50" charset="-127"/>
+                        </a:rPr>
+                        <a:t>나주엽</a:t>
+                      </a:r>
+                      <a:r>
+                        <a:rPr lang="en-US" altLang="ko-KR" sz="1000" b="0" dirty="0">
+                          <a:solidFill>
+                            <a:schemeClr val="tx1"/>
+                          </a:solidFill>
+                          <a:latin typeface="맑은 고딕" pitchFamily="50" charset="-127"/>
+                          <a:ea typeface="맑은 고딕" pitchFamily="50" charset="-127"/>
+                        </a:rPr>
+                        <a:t>,</a:t>
+                      </a:r>
+                      <a:r>
+                        <a:rPr lang="ko-KR" altLang="en-US" sz="1000" b="0" dirty="0">
+                          <a:solidFill>
+                            <a:schemeClr val="tx1"/>
+                          </a:solidFill>
+                          <a:latin typeface="맑은 고딕" pitchFamily="50" charset="-127"/>
+                          <a:ea typeface="맑은 고딕" pitchFamily="50" charset="-127"/>
+                        </a:rPr>
+                        <a:t> 이주헌</a:t>
+                      </a:r>
+                      <a:r>
+                        <a:rPr lang="en-US" altLang="ko-KR" sz="1000" b="0" dirty="0">
+                          <a:solidFill>
+                            <a:schemeClr val="tx1"/>
+                          </a:solidFill>
+                          <a:latin typeface="맑은 고딕" pitchFamily="50" charset="-127"/>
+                          <a:ea typeface="맑은 고딕" pitchFamily="50" charset="-127"/>
+                        </a:rPr>
+                        <a:t>,</a:t>
+                      </a:r>
+                      <a:r>
+                        <a:rPr lang="ko-KR" altLang="en-US" sz="1000" b="0" dirty="0">
+                          <a:solidFill>
+                            <a:schemeClr val="tx1"/>
+                          </a:solidFill>
+                          <a:latin typeface="맑은 고딕" pitchFamily="50" charset="-127"/>
+                          <a:ea typeface="맑은 고딕" pitchFamily="50" charset="-127"/>
+                        </a:rPr>
+                        <a:t> </a:t>
+                      </a:r>
+                      <a:r>
+                        <a:rPr lang="ko-KR" altLang="en-US" sz="1000" b="0" dirty="0" err="1">
+                          <a:solidFill>
+                            <a:schemeClr val="tx1"/>
+                          </a:solidFill>
+                          <a:latin typeface="맑은 고딕" pitchFamily="50" charset="-127"/>
+                          <a:ea typeface="맑은 고딕" pitchFamily="50" charset="-127"/>
+                        </a:rPr>
+                        <a:t>송수근</a:t>
+                      </a:r>
+                      <a:r>
+                        <a:rPr lang="en-US" altLang="ko-KR" sz="1000" b="0" dirty="0">
+                          <a:solidFill>
+                            <a:schemeClr val="tx1"/>
+                          </a:solidFill>
+                          <a:latin typeface="맑은 고딕" pitchFamily="50" charset="-127"/>
+                          <a:ea typeface="맑은 고딕" pitchFamily="50" charset="-127"/>
+                        </a:rPr>
+                        <a:t>,</a:t>
+                      </a:r>
+                      <a:r>
+                        <a:rPr lang="ko-KR" altLang="en-US" sz="1000" b="0" dirty="0">
+                          <a:solidFill>
+                            <a:schemeClr val="tx1"/>
+                          </a:solidFill>
+                          <a:latin typeface="맑은 고딕" pitchFamily="50" charset="-127"/>
+                          <a:ea typeface="맑은 고딕" pitchFamily="50" charset="-127"/>
+                        </a:rPr>
+                        <a:t> 정용훈</a:t>
+                      </a:r>
                     </a:p>
                   </a:txBody>
                   <a:tcPr anchor="ctr">
@@ -4452,7 +4955,17 @@
                     <a:lstStyle/>
                     <a:p>
                       <a:pPr algn="ctr" latinLnBrk="1"/>
-                      <a:endParaRPr lang="ko-KR" altLang="en-US" sz="1200" b="0">
+                      <a:r>
+                        <a:rPr lang="en-US" altLang="ko-KR" sz="1000" b="0" dirty="0">
+                          <a:solidFill>
+                            <a:schemeClr val="tx1"/>
+                          </a:solidFill>
+                          <a:latin typeface="맑은 고딕" pitchFamily="50" charset="-127"/>
+                          <a:ea typeface="맑은 고딕" pitchFamily="50" charset="-127"/>
+                        </a:rPr>
+                        <a:t>2022.05.25</a:t>
+                      </a:r>
+                      <a:endParaRPr lang="ko-KR" altLang="en-US" sz="1000" b="0" dirty="0">
                         <a:solidFill>
                           <a:schemeClr val="tx1"/>
                         </a:solidFill>
@@ -4473,34 +4986,16 @@
                     <a:lstStyle/>
                     <a:p>
                       <a:pPr algn="ctr" latinLnBrk="1"/>
-                      <a:endParaRPr lang="ko-KR" altLang="en-US" sz="1200" b="0" dirty="0">
-                        <a:solidFill>
-                          <a:schemeClr val="tx1"/>
-                        </a:solidFill>
-                        <a:latin typeface="맑은 고딕" pitchFamily="50" charset="-127"/>
-                        <a:ea typeface="맑은 고딕" pitchFamily="50" charset="-127"/>
-                      </a:endParaRPr>
-                    </a:p>
-                  </a:txBody>
-                  <a:tcPr anchor="ctr">
-                    <a:solidFill>
-                      <a:schemeClr val="bg1"/>
-                    </a:solidFill>
-                  </a:tcPr>
-                </a:tc>
-                <a:tc>
-                  <a:txBody>
-                    <a:bodyPr/>
-                    <a:lstStyle/>
-                    <a:p>
-                      <a:pPr latinLnBrk="1"/>
-                      <a:endParaRPr lang="ko-KR" altLang="en-US" sz="1200" b="0" dirty="0">
-                        <a:solidFill>
-                          <a:schemeClr val="tx1"/>
-                        </a:solidFill>
-                        <a:latin typeface="맑은 고딕" pitchFamily="50" charset="-127"/>
-                        <a:ea typeface="맑은 고딕" pitchFamily="50" charset="-127"/>
-                      </a:endParaRPr>
+                      <a:r>
+                        <a:rPr lang="en-US" altLang="ko-KR" sz="1000" b="0" dirty="0">
+                          <a:solidFill>
+                            <a:schemeClr val="tx1"/>
+                          </a:solidFill>
+                          <a:latin typeface="맑은 고딕" pitchFamily="50" charset="-127"/>
+                          <a:ea typeface="맑은 고딕" pitchFamily="50" charset="-127"/>
+                        </a:rPr>
+                        <a:t>V1.3</a:t>
+                      </a:r>
                     </a:p>
                   </a:txBody>
                   <a:tcPr anchor="ctr">
@@ -4515,13 +5010,120 @@
                     <a:lstStyle/>
                     <a:p>
                       <a:pPr algn="ctr" latinLnBrk="1"/>
-                      <a:endParaRPr lang="ko-KR" altLang="en-US" sz="1200" b="0" dirty="0">
+                      <a:r>
+                        <a:rPr lang="ko-KR" altLang="en-US" sz="1000" b="0" dirty="0">
+                          <a:solidFill>
+                            <a:schemeClr val="tx1"/>
+                          </a:solidFill>
+                          <a:latin typeface="맑은 고딕" pitchFamily="50" charset="-127"/>
+                          <a:ea typeface="맑은 고딕" pitchFamily="50" charset="-127"/>
+                        </a:rPr>
+                        <a:t>클래스 다이어그램 보완 및</a:t>
+                      </a:r>
+                      <a:endParaRPr lang="en-US" altLang="ko-KR" sz="1000" b="0" dirty="0">
                         <a:solidFill>
                           <a:schemeClr val="tx1"/>
                         </a:solidFill>
                         <a:latin typeface="맑은 고딕" pitchFamily="50" charset="-127"/>
                         <a:ea typeface="맑은 고딕" pitchFamily="50" charset="-127"/>
                       </a:endParaRPr>
+                    </a:p>
+                    <a:p>
+                      <a:pPr algn="ctr" latinLnBrk="1"/>
+                      <a:r>
+                        <a:rPr lang="ko-KR" altLang="en-US" sz="1000" b="0" dirty="0">
+                          <a:solidFill>
+                            <a:schemeClr val="tx1"/>
+                          </a:solidFill>
+                          <a:latin typeface="맑은 고딕" pitchFamily="50" charset="-127"/>
+                          <a:ea typeface="맑은 고딕" pitchFamily="50" charset="-127"/>
+                        </a:rPr>
+                        <a:t>시퀀스 다이어그램 추가</a:t>
+                      </a:r>
+                    </a:p>
+                  </a:txBody>
+                  <a:tcPr anchor="ctr">
+                    <a:solidFill>
+                      <a:schemeClr val="bg1"/>
+                    </a:solidFill>
+                  </a:tcPr>
+                </a:tc>
+                <a:tc>
+                  <a:txBody>
+                    <a:bodyPr/>
+                    <a:lstStyle/>
+                    <a:p>
+                      <a:pPr algn="ctr" latinLnBrk="1"/>
+                      <a:r>
+                        <a:rPr lang="ko-KR" altLang="en-US" sz="1000" b="0" dirty="0">
+                          <a:solidFill>
+                            <a:schemeClr val="tx1"/>
+                          </a:solidFill>
+                          <a:latin typeface="맑은 고딕" pitchFamily="50" charset="-127"/>
+                          <a:ea typeface="맑은 고딕" pitchFamily="50" charset="-127"/>
+                        </a:rPr>
+                        <a:t>나주엽</a:t>
+                      </a:r>
+                      <a:r>
+                        <a:rPr lang="en-US" altLang="ko-KR" sz="1000" b="0" dirty="0">
+                          <a:solidFill>
+                            <a:schemeClr val="tx1"/>
+                          </a:solidFill>
+                          <a:latin typeface="맑은 고딕" pitchFamily="50" charset="-127"/>
+                          <a:ea typeface="맑은 고딕" pitchFamily="50" charset="-127"/>
+                        </a:rPr>
+                        <a:t>,</a:t>
+                      </a:r>
+                      <a:r>
+                        <a:rPr lang="ko-KR" altLang="en-US" sz="1000" b="0" dirty="0">
+                          <a:solidFill>
+                            <a:schemeClr val="tx1"/>
+                          </a:solidFill>
+                          <a:latin typeface="맑은 고딕" pitchFamily="50" charset="-127"/>
+                          <a:ea typeface="맑은 고딕" pitchFamily="50" charset="-127"/>
+                        </a:rPr>
+                        <a:t> 이주헌</a:t>
+                      </a:r>
+                      <a:r>
+                        <a:rPr lang="en-US" altLang="ko-KR" sz="1000" b="0" dirty="0">
+                          <a:solidFill>
+                            <a:schemeClr val="tx1"/>
+                          </a:solidFill>
+                          <a:latin typeface="맑은 고딕" pitchFamily="50" charset="-127"/>
+                          <a:ea typeface="맑은 고딕" pitchFamily="50" charset="-127"/>
+                        </a:rPr>
+                        <a:t>,</a:t>
+                      </a:r>
+                      <a:r>
+                        <a:rPr lang="ko-KR" altLang="en-US" sz="1000" b="0" dirty="0">
+                          <a:solidFill>
+                            <a:schemeClr val="tx1"/>
+                          </a:solidFill>
+                          <a:latin typeface="맑은 고딕" pitchFamily="50" charset="-127"/>
+                          <a:ea typeface="맑은 고딕" pitchFamily="50" charset="-127"/>
+                        </a:rPr>
+                        <a:t> 정용훈</a:t>
+                      </a:r>
+                      <a:r>
+                        <a:rPr lang="en-US" altLang="ko-KR" sz="1000" b="0" dirty="0">
+                          <a:solidFill>
+                            <a:schemeClr val="tx1"/>
+                          </a:solidFill>
+                          <a:latin typeface="맑은 고딕" pitchFamily="50" charset="-127"/>
+                          <a:ea typeface="맑은 고딕" pitchFamily="50" charset="-127"/>
+                        </a:rPr>
+                        <a:t>,</a:t>
+                      </a:r>
+                      <a:r>
+                        <a:rPr lang="ko-KR" altLang="en-US" sz="1000" b="0" dirty="0">
+                          <a:solidFill>
+                            <a:schemeClr val="tx1"/>
+                          </a:solidFill>
+                          <a:latin typeface="맑은 고딕" pitchFamily="50" charset="-127"/>
+                          <a:ea typeface="맑은 고딕" pitchFamily="50" charset="-127"/>
+                        </a:rPr>
+                        <a:t> 문정호</a:t>
+                      </a:r>
                     </a:p>
                   </a:txBody>
                   <a:tcPr anchor="ctr">
@@ -4543,7 +5145,17 @@
                     <a:lstStyle/>
                     <a:p>
                       <a:pPr algn="ctr" latinLnBrk="1"/>
-                      <a:endParaRPr lang="ko-KR" altLang="en-US" sz="1200" b="0">
+                      <a:r>
+                        <a:rPr lang="en-US" altLang="ko-KR" sz="1000" b="0" dirty="0">
+                          <a:solidFill>
+                            <a:schemeClr val="tx1"/>
+                          </a:solidFill>
+                          <a:latin typeface="맑은 고딕" pitchFamily="50" charset="-127"/>
+                          <a:ea typeface="맑은 고딕" pitchFamily="50" charset="-127"/>
+                        </a:rPr>
+                        <a:t>2022.05.26</a:t>
+                      </a:r>
+                      <a:endParaRPr lang="ko-KR" altLang="en-US" sz="1000" b="0" dirty="0">
                         <a:solidFill>
                           <a:schemeClr val="tx1"/>
                         </a:solidFill>
@@ -4564,28 +5176,17 @@
                     <a:lstStyle/>
                     <a:p>
                       <a:pPr algn="ctr" latinLnBrk="1"/>
-                      <a:endParaRPr lang="ko-KR" altLang="en-US" sz="1200" b="0" dirty="0">
-                        <a:solidFill>
-                          <a:schemeClr val="tx1"/>
-                        </a:solidFill>
-                        <a:latin typeface="맑은 고딕" pitchFamily="50" charset="-127"/>
-                        <a:ea typeface="맑은 고딕" pitchFamily="50" charset="-127"/>
-                      </a:endParaRPr>
-                    </a:p>
-                  </a:txBody>
-                  <a:tcPr anchor="ctr">
-                    <a:solidFill>
-                      <a:schemeClr val="bg1"/>
-                    </a:solidFill>
-                  </a:tcPr>
-                </a:tc>
-                <a:tc>
-                  <a:txBody>
-                    <a:bodyPr/>
-                    <a:lstStyle/>
-                    <a:p>
-                      <a:pPr latinLnBrk="1"/>
-                      <a:endParaRPr lang="ko-KR" altLang="en-US" sz="1200" b="0" dirty="0">
+                      <a:r>
+                        <a:rPr lang="en-US" altLang="ko-KR" sz="1000" b="0" dirty="0">
+                          <a:solidFill>
+                            <a:schemeClr val="tx1"/>
+                          </a:solidFill>
+                          <a:latin typeface="맑은 고딕" pitchFamily="50" charset="-127"/>
+                          <a:ea typeface="맑은 고딕" pitchFamily="50" charset="-127"/>
+                        </a:rPr>
+                        <a:t>V1.4</a:t>
+                      </a:r>
+                      <a:endParaRPr lang="ko-KR" altLang="en-US" sz="1000" b="0" dirty="0">
                         <a:solidFill>
                           <a:schemeClr val="tx1"/>
                         </a:solidFill>
@@ -4606,13 +5207,110 @@
                     <a:lstStyle/>
                     <a:p>
                       <a:pPr algn="ctr" latinLnBrk="1"/>
-                      <a:endParaRPr lang="ko-KR" altLang="en-US" sz="1200" b="0" dirty="0">
-                        <a:solidFill>
-                          <a:schemeClr val="tx1"/>
-                        </a:solidFill>
-                        <a:latin typeface="맑은 고딕" pitchFamily="50" charset="-127"/>
-                        <a:ea typeface="맑은 고딕" pitchFamily="50" charset="-127"/>
-                      </a:endParaRPr>
+                      <a:r>
+                        <a:rPr lang="ko-KR" altLang="en-US" sz="1000" b="0" dirty="0">
+                          <a:solidFill>
+                            <a:schemeClr val="tx1"/>
+                          </a:solidFill>
+                          <a:latin typeface="맑은 고딕" pitchFamily="50" charset="-127"/>
+                          <a:ea typeface="맑은 고딕" pitchFamily="50" charset="-127"/>
+                        </a:rPr>
+                        <a:t>시퀀스 다이어그램 수정 및 보완</a:t>
+                      </a:r>
+                    </a:p>
+                  </a:txBody>
+                  <a:tcPr anchor="ctr">
+                    <a:solidFill>
+                      <a:schemeClr val="bg1"/>
+                    </a:solidFill>
+                  </a:tcPr>
+                </a:tc>
+                <a:tc>
+                  <a:txBody>
+                    <a:bodyPr/>
+                    <a:lstStyle/>
+                    <a:p>
+                      <a:pPr algn="ctr" latinLnBrk="1"/>
+                      <a:r>
+                        <a:rPr lang="ko-KR" altLang="en-US" sz="1000" b="0" dirty="0">
+                          <a:solidFill>
+                            <a:schemeClr val="tx1"/>
+                          </a:solidFill>
+                          <a:latin typeface="맑은 고딕" pitchFamily="50" charset="-127"/>
+                          <a:ea typeface="맑은 고딕" pitchFamily="50" charset="-127"/>
+                        </a:rPr>
+                        <a:t>나주엽</a:t>
+                      </a:r>
+                      <a:r>
+                        <a:rPr lang="en-US" altLang="ko-KR" sz="1000" b="0" dirty="0">
+                          <a:solidFill>
+                            <a:schemeClr val="tx1"/>
+                          </a:solidFill>
+                          <a:latin typeface="맑은 고딕" pitchFamily="50" charset="-127"/>
+                          <a:ea typeface="맑은 고딕" pitchFamily="50" charset="-127"/>
+                        </a:rPr>
+                        <a:t>,</a:t>
+                      </a:r>
+                      <a:r>
+                        <a:rPr lang="ko-KR" altLang="en-US" sz="1000" b="0" dirty="0">
+                          <a:solidFill>
+                            <a:schemeClr val="tx1"/>
+                          </a:solidFill>
+                          <a:latin typeface="맑은 고딕" pitchFamily="50" charset="-127"/>
+                          <a:ea typeface="맑은 고딕" pitchFamily="50" charset="-127"/>
+                        </a:rPr>
+                        <a:t> 이주헌</a:t>
+                      </a:r>
+                      <a:r>
+                        <a:rPr lang="en-US" altLang="ko-KR" sz="1000" b="0" dirty="0">
+                          <a:solidFill>
+                            <a:schemeClr val="tx1"/>
+                          </a:solidFill>
+                          <a:latin typeface="맑은 고딕" pitchFamily="50" charset="-127"/>
+                          <a:ea typeface="맑은 고딕" pitchFamily="50" charset="-127"/>
+                        </a:rPr>
+                        <a:t>,</a:t>
+                      </a:r>
+                      <a:r>
+                        <a:rPr lang="ko-KR" altLang="en-US" sz="1000" b="0" dirty="0">
+                          <a:solidFill>
+                            <a:schemeClr val="tx1"/>
+                          </a:solidFill>
+                          <a:latin typeface="맑은 고딕" pitchFamily="50" charset="-127"/>
+                          <a:ea typeface="맑은 고딕" pitchFamily="50" charset="-127"/>
+                        </a:rPr>
+                        <a:t> </a:t>
+                      </a:r>
+                      <a:r>
+                        <a:rPr lang="ko-KR" altLang="en-US" sz="1000" b="0" dirty="0" err="1">
+                          <a:solidFill>
+                            <a:schemeClr val="tx1"/>
+                          </a:solidFill>
+                          <a:latin typeface="맑은 고딕" pitchFamily="50" charset="-127"/>
+                          <a:ea typeface="맑은 고딕" pitchFamily="50" charset="-127"/>
+                        </a:rPr>
+                        <a:t>송수근</a:t>
+                      </a:r>
+                      <a:r>
+                        <a:rPr lang="en-US" altLang="ko-KR" sz="1000" b="0" dirty="0">
+                          <a:solidFill>
+                            <a:schemeClr val="tx1"/>
+                          </a:solidFill>
+                          <a:latin typeface="맑은 고딕" pitchFamily="50" charset="-127"/>
+                          <a:ea typeface="맑은 고딕" pitchFamily="50" charset="-127"/>
+                        </a:rPr>
+                        <a:t>,</a:t>
+                      </a:r>
+                      <a:r>
+                        <a:rPr lang="ko-KR" altLang="en-US" sz="1000" b="0" dirty="0">
+                          <a:solidFill>
+                            <a:schemeClr val="tx1"/>
+                          </a:solidFill>
+                          <a:latin typeface="맑은 고딕" pitchFamily="50" charset="-127"/>
+                          <a:ea typeface="맑은 고딕" pitchFamily="50" charset="-127"/>
+                        </a:rPr>
+                        <a:t> 정용훈</a:t>
+                      </a:r>
                     </a:p>
                   </a:txBody>
                   <a:tcPr anchor="ctr">
@@ -4634,7 +5332,7 @@
                     <a:lstStyle/>
                     <a:p>
                       <a:pPr algn="ctr" latinLnBrk="1"/>
-                      <a:endParaRPr lang="ko-KR" altLang="en-US" sz="1200" b="0">
+                      <a:endParaRPr lang="ko-KR" altLang="en-US" sz="1000" b="0" dirty="0">
                         <a:solidFill>
                           <a:schemeClr val="tx1"/>
                         </a:solidFill>
@@ -4655,28 +5353,7 @@
                     <a:lstStyle/>
                     <a:p>
                       <a:pPr algn="ctr" latinLnBrk="1"/>
-                      <a:endParaRPr lang="ko-KR" altLang="en-US" sz="1200" b="0" dirty="0">
-                        <a:solidFill>
-                          <a:schemeClr val="tx1"/>
-                        </a:solidFill>
-                        <a:latin typeface="맑은 고딕" pitchFamily="50" charset="-127"/>
-                        <a:ea typeface="맑은 고딕" pitchFamily="50" charset="-127"/>
-                      </a:endParaRPr>
-                    </a:p>
-                  </a:txBody>
-                  <a:tcPr anchor="ctr">
-                    <a:solidFill>
-                      <a:schemeClr val="bg1"/>
-                    </a:solidFill>
-                  </a:tcPr>
-                </a:tc>
-                <a:tc>
-                  <a:txBody>
-                    <a:bodyPr/>
-                    <a:lstStyle/>
-                    <a:p>
-                      <a:pPr latinLnBrk="1"/>
-                      <a:endParaRPr lang="ko-KR" altLang="en-US" sz="1200" b="0" dirty="0">
+                      <a:endParaRPr lang="ko-KR" altLang="en-US" sz="1000" b="0" dirty="0">
                         <a:solidFill>
                           <a:schemeClr val="tx1"/>
                         </a:solidFill>
@@ -4697,7 +5374,28 @@
                     <a:lstStyle/>
                     <a:p>
                       <a:pPr algn="ctr" latinLnBrk="1"/>
-                      <a:endParaRPr lang="ko-KR" altLang="en-US" sz="1200" b="0" dirty="0">
+                      <a:endParaRPr lang="ko-KR" altLang="en-US" sz="1000" b="0" dirty="0">
+                        <a:solidFill>
+                          <a:schemeClr val="tx1"/>
+                        </a:solidFill>
+                        <a:latin typeface="맑은 고딕" pitchFamily="50" charset="-127"/>
+                        <a:ea typeface="맑은 고딕" pitchFamily="50" charset="-127"/>
+                      </a:endParaRPr>
+                    </a:p>
+                  </a:txBody>
+                  <a:tcPr anchor="ctr">
+                    <a:solidFill>
+                      <a:schemeClr val="bg1"/>
+                    </a:solidFill>
+                  </a:tcPr>
+                </a:tc>
+                <a:tc>
+                  <a:txBody>
+                    <a:bodyPr/>
+                    <a:lstStyle/>
+                    <a:p>
+                      <a:pPr algn="ctr" latinLnBrk="1"/>
+                      <a:endParaRPr lang="ko-KR" altLang="en-US" sz="1000" b="0" dirty="0">
                         <a:solidFill>
                           <a:schemeClr val="tx1"/>
                         </a:solidFill>
@@ -4725,7 +5423,7 @@
                     <a:lstStyle/>
                     <a:p>
                       <a:pPr algn="ctr" latinLnBrk="1"/>
-                      <a:endParaRPr lang="ko-KR" altLang="en-US" sz="1200" b="0">
+                      <a:endParaRPr lang="ko-KR" altLang="en-US" sz="1000" b="0">
                         <a:solidFill>
                           <a:schemeClr val="tx1"/>
                         </a:solidFill>
@@ -4746,28 +5444,7 @@
                     <a:lstStyle/>
                     <a:p>
                       <a:pPr algn="ctr" latinLnBrk="1"/>
-                      <a:endParaRPr lang="ko-KR" altLang="en-US" sz="1200" b="0" dirty="0">
-                        <a:solidFill>
-                          <a:schemeClr val="tx1"/>
-                        </a:solidFill>
-                        <a:latin typeface="맑은 고딕" pitchFamily="50" charset="-127"/>
-                        <a:ea typeface="맑은 고딕" pitchFamily="50" charset="-127"/>
-                      </a:endParaRPr>
-                    </a:p>
-                  </a:txBody>
-                  <a:tcPr anchor="ctr">
-                    <a:solidFill>
-                      <a:schemeClr val="bg1"/>
-                    </a:solidFill>
-                  </a:tcPr>
-                </a:tc>
-                <a:tc>
-                  <a:txBody>
-                    <a:bodyPr/>
-                    <a:lstStyle/>
-                    <a:p>
-                      <a:pPr latinLnBrk="1"/>
-                      <a:endParaRPr lang="ko-KR" altLang="en-US" sz="1200" b="0" dirty="0">
+                      <a:endParaRPr lang="ko-KR" altLang="en-US" sz="1000" b="0" dirty="0">
                         <a:solidFill>
                           <a:schemeClr val="tx1"/>
                         </a:solidFill>
@@ -4788,7 +5465,28 @@
                     <a:lstStyle/>
                     <a:p>
                       <a:pPr algn="ctr" latinLnBrk="1"/>
-                      <a:endParaRPr lang="ko-KR" altLang="en-US" sz="1200" b="0" dirty="0">
+                      <a:endParaRPr lang="ko-KR" altLang="en-US" sz="1000" b="0" dirty="0">
+                        <a:solidFill>
+                          <a:schemeClr val="tx1"/>
+                        </a:solidFill>
+                        <a:latin typeface="맑은 고딕" pitchFamily="50" charset="-127"/>
+                        <a:ea typeface="맑은 고딕" pitchFamily="50" charset="-127"/>
+                      </a:endParaRPr>
+                    </a:p>
+                  </a:txBody>
+                  <a:tcPr anchor="ctr">
+                    <a:solidFill>
+                      <a:schemeClr val="bg1"/>
+                    </a:solidFill>
+                  </a:tcPr>
+                </a:tc>
+                <a:tc>
+                  <a:txBody>
+                    <a:bodyPr/>
+                    <a:lstStyle/>
+                    <a:p>
+                      <a:pPr algn="ctr" latinLnBrk="1"/>
+                      <a:endParaRPr lang="ko-KR" altLang="en-US" sz="1000" b="0" dirty="0">
                         <a:solidFill>
                           <a:schemeClr val="tx1"/>
                         </a:solidFill>
@@ -4899,10 +5597,10 @@
       </p:sp>
       <p:pic>
         <p:nvPicPr>
-          <p:cNvPr id="5" name="그림 4">
+          <p:cNvPr id="8" name="그림 7">
             <a:extLst>
               <a:ext uri="{FF2B5EF4-FFF2-40B4-BE49-F238E27FC236}">
-                <a16:creationId xmlns:a16="http://schemas.microsoft.com/office/drawing/2014/main" id="{999435F0-CB19-9220-658A-F435F94990F0}"/>
+                <a16:creationId xmlns:a16="http://schemas.microsoft.com/office/drawing/2014/main" id="{C67302F4-15EC-35BE-29AB-BC3590250242}"/>
               </a:ext>
             </a:extLst>
           </p:cNvPr>
@@ -4925,8 +5623,8 @@
         </p:blipFill>
         <p:spPr>
           <a:xfrm>
-            <a:off x="376517" y="1037194"/>
-            <a:ext cx="8390965" cy="5042505"/>
+            <a:off x="257187" y="1238983"/>
+            <a:ext cx="8629626" cy="5046203"/>
           </a:xfrm>
           <a:prstGeom prst="rect">
             <a:avLst/>
@@ -5024,10 +5722,10 @@
       </p:sp>
       <p:pic>
         <p:nvPicPr>
-          <p:cNvPr id="5" name="그림 4">
+          <p:cNvPr id="6" name="그림 5">
             <a:extLst>
               <a:ext uri="{FF2B5EF4-FFF2-40B4-BE49-F238E27FC236}">
-                <a16:creationId xmlns:a16="http://schemas.microsoft.com/office/drawing/2014/main" id="{CE9797CD-366A-2C3A-DCDE-36B68F0B9145}"/>
+                <a16:creationId xmlns:a16="http://schemas.microsoft.com/office/drawing/2014/main" id="{7BC5F3DC-9FF0-F7DA-1168-090E293BF3A4}"/>
               </a:ext>
             </a:extLst>
           </p:cNvPr>
@@ -5050,8 +5748,8 @@
         </p:blipFill>
         <p:spPr>
           <a:xfrm>
-            <a:off x="487501" y="1398495"/>
-            <a:ext cx="8168998" cy="4415950"/>
+            <a:off x="176198" y="1167701"/>
+            <a:ext cx="8747370" cy="4728603"/>
           </a:xfrm>
           <a:prstGeom prst="rect">
             <a:avLst/>
@@ -5394,10 +6092,10 @@
       </p:sp>
       <p:pic>
         <p:nvPicPr>
-          <p:cNvPr id="5" name="그림 4">
+          <p:cNvPr id="6" name="그림 5">
             <a:extLst>
               <a:ext uri="{FF2B5EF4-FFF2-40B4-BE49-F238E27FC236}">
-                <a16:creationId xmlns:a16="http://schemas.microsoft.com/office/drawing/2014/main" id="{2F43FF63-81AC-7A28-FDB1-408085C0831C}"/>
+                <a16:creationId xmlns:a16="http://schemas.microsoft.com/office/drawing/2014/main" id="{86BFD641-91BA-D8F3-A530-D4C7E3380616}"/>
               </a:ext>
             </a:extLst>
           </p:cNvPr>
@@ -5420,8 +6118,8 @@
         </p:blipFill>
         <p:spPr>
           <a:xfrm>
-            <a:off x="642769" y="955389"/>
-            <a:ext cx="7858461" cy="5245997"/>
+            <a:off x="611333" y="925812"/>
+            <a:ext cx="7921334" cy="5327843"/>
           </a:xfrm>
           <a:prstGeom prst="rect">
             <a:avLst/>

--- a/Class&SeqDiagram/ClassDesign.pptx
+++ b/Class&SeqDiagram/ClassDesign.pptx
@@ -5,10 +5,10 @@
     <p:sldMasterId id="2147483655" r:id="rId1"/>
   </p:sldMasterIdLst>
   <p:notesMasterIdLst>
-    <p:notesMasterId r:id="rId19"/>
+    <p:notesMasterId r:id="rId24"/>
   </p:notesMasterIdLst>
   <p:handoutMasterIdLst>
-    <p:handoutMasterId r:id="rId20"/>
+    <p:handoutMasterId r:id="rId25"/>
   </p:handoutMasterIdLst>
   <p:sldIdLst>
     <p:sldId id="256" r:id="rId2"/>
@@ -18,16 +18,21 @@
     <p:sldId id="258" r:id="rId6"/>
     <p:sldId id="262" r:id="rId7"/>
     <p:sldId id="264" r:id="rId8"/>
-    <p:sldId id="263" r:id="rId9"/>
-    <p:sldId id="266" r:id="rId10"/>
-    <p:sldId id="267" r:id="rId11"/>
-    <p:sldId id="269" r:id="rId12"/>
-    <p:sldId id="268" r:id="rId13"/>
+    <p:sldId id="275" r:id="rId9"/>
+    <p:sldId id="263" r:id="rId10"/>
+    <p:sldId id="276" r:id="rId11"/>
+    <p:sldId id="277" r:id="rId12"/>
+    <p:sldId id="266" r:id="rId13"/>
     <p:sldId id="270" r:id="rId14"/>
     <p:sldId id="271" r:id="rId15"/>
-    <p:sldId id="265" r:id="rId16"/>
-    <p:sldId id="272" r:id="rId17"/>
-    <p:sldId id="273" r:id="rId18"/>
+    <p:sldId id="272" r:id="rId16"/>
+    <p:sldId id="273" r:id="rId17"/>
+    <p:sldId id="274" r:id="rId18"/>
+    <p:sldId id="269" r:id="rId19"/>
+    <p:sldId id="278" r:id="rId20"/>
+    <p:sldId id="280" r:id="rId21"/>
+    <p:sldId id="279" r:id="rId22"/>
+    <p:sldId id="281" r:id="rId23"/>
   </p:sldIdLst>
   <p:sldSz cx="9144000" cy="6858000" type="screen4x3"/>
   <p:notesSz cx="6797675" cy="9928225"/>
@@ -3188,7 +3193,7 @@
           <p:cNvPr id="6" name="그림 5">
             <a:extLst>
               <a:ext uri="{FF2B5EF4-FFF2-40B4-BE49-F238E27FC236}">
-                <a16:creationId xmlns:a16="http://schemas.microsoft.com/office/drawing/2014/main" id="{6FE51045-7AA2-FC82-2DBE-C8E556014E42}"/>
+                <a16:creationId xmlns:a16="http://schemas.microsoft.com/office/drawing/2014/main" id="{7D08EB02-3657-1ED8-3050-2F530892023D}"/>
               </a:ext>
             </a:extLst>
           </p:cNvPr>
@@ -3211,8 +3216,8 @@
         </p:blipFill>
         <p:spPr>
           <a:xfrm>
-            <a:off x="361950" y="1257300"/>
-            <a:ext cx="8420100" cy="4343400"/>
+            <a:off x="510428" y="1366268"/>
+            <a:ext cx="8123143" cy="4518345"/>
           </a:xfrm>
           <a:prstGeom prst="rect">
             <a:avLst/>
@@ -3222,7 +3227,7 @@
     </p:spTree>
     <p:extLst>
       <p:ext uri="{BB962C8B-B14F-4D97-AF65-F5344CB8AC3E}">
-        <p14:creationId xmlns:p14="http://schemas.microsoft.com/office/powerpoint/2010/main" val="4210618288"/>
+        <p14:creationId xmlns:p14="http://schemas.microsoft.com/office/powerpoint/2010/main" val="3137578727"/>
       </p:ext>
     </p:extLst>
   </p:cSld>
@@ -3313,7 +3318,7 @@
           <p:cNvPr id="5" name="그림 4">
             <a:extLst>
               <a:ext uri="{FF2B5EF4-FFF2-40B4-BE49-F238E27FC236}">
-                <a16:creationId xmlns:a16="http://schemas.microsoft.com/office/drawing/2014/main" id="{78BB36F2-DF41-349E-65DB-2DBCCA01CE38}"/>
+                <a16:creationId xmlns:a16="http://schemas.microsoft.com/office/drawing/2014/main" id="{E4DE51FE-6BC4-DCFB-B9A3-0D59DBCEDC2E}"/>
               </a:ext>
             </a:extLst>
           </p:cNvPr>
@@ -3336,8 +3341,8 @@
         </p:blipFill>
         <p:spPr>
           <a:xfrm>
-            <a:off x="553720" y="1907927"/>
-            <a:ext cx="8036560" cy="3269109"/>
+            <a:off x="579694" y="1267930"/>
+            <a:ext cx="8218061" cy="4720493"/>
           </a:xfrm>
           <a:prstGeom prst="rect">
             <a:avLst/>
@@ -3347,7 +3352,7 @@
     </p:spTree>
     <p:extLst>
       <p:ext uri="{BB962C8B-B14F-4D97-AF65-F5344CB8AC3E}">
-        <p14:creationId xmlns:p14="http://schemas.microsoft.com/office/powerpoint/2010/main" val="1294405583"/>
+        <p14:creationId xmlns:p14="http://schemas.microsoft.com/office/powerpoint/2010/main" val="3368858147"/>
       </p:ext>
     </p:extLst>
   </p:cSld>
@@ -3438,7 +3443,7 @@
           <p:cNvPr id="5" name="그림 4">
             <a:extLst>
               <a:ext uri="{FF2B5EF4-FFF2-40B4-BE49-F238E27FC236}">
-                <a16:creationId xmlns:a16="http://schemas.microsoft.com/office/drawing/2014/main" id="{8644FEA2-1F2F-C0D3-CAC8-78BB1AF13B83}"/>
+                <a16:creationId xmlns:a16="http://schemas.microsoft.com/office/drawing/2014/main" id="{422D7AA0-5D49-9C90-94D5-09AB4BF4E600}"/>
               </a:ext>
             </a:extLst>
           </p:cNvPr>
@@ -3461,8 +3466,8 @@
         </p:blipFill>
         <p:spPr>
           <a:xfrm>
-            <a:off x="477520" y="1646734"/>
-            <a:ext cx="8188960" cy="3943120"/>
+            <a:off x="685800" y="1465057"/>
+            <a:ext cx="7772400" cy="4229100"/>
           </a:xfrm>
           <a:prstGeom prst="rect">
             <a:avLst/>
@@ -3472,7 +3477,7 @@
     </p:spTree>
     <p:extLst>
       <p:ext uri="{BB962C8B-B14F-4D97-AF65-F5344CB8AC3E}">
-        <p14:creationId xmlns:p14="http://schemas.microsoft.com/office/powerpoint/2010/main" val="695752388"/>
+        <p14:creationId xmlns:p14="http://schemas.microsoft.com/office/powerpoint/2010/main" val="1625284491"/>
       </p:ext>
     </p:extLst>
   </p:cSld>
@@ -3597,7 +3602,7 @@
     </p:spTree>
     <p:extLst>
       <p:ext uri="{BB962C8B-B14F-4D97-AF65-F5344CB8AC3E}">
-        <p14:creationId xmlns:p14="http://schemas.microsoft.com/office/powerpoint/2010/main" val="305063046"/>
+        <p14:creationId xmlns:p14="http://schemas.microsoft.com/office/powerpoint/2010/main" val="3771206301"/>
       </p:ext>
     </p:extLst>
   </p:cSld>
@@ -3685,10 +3690,10 @@
       </p:sp>
       <p:pic>
         <p:nvPicPr>
-          <p:cNvPr id="5" name="그림 4">
+          <p:cNvPr id="7" name="그림 6">
             <a:extLst>
               <a:ext uri="{FF2B5EF4-FFF2-40B4-BE49-F238E27FC236}">
-                <a16:creationId xmlns:a16="http://schemas.microsoft.com/office/drawing/2014/main" id="{90B5DEC9-AE9A-D30D-7802-0324F0BB5CF1}"/>
+                <a16:creationId xmlns:a16="http://schemas.microsoft.com/office/drawing/2014/main" id="{6F7C05FE-DE5C-6224-9E8C-20884E6DE6CE}"/>
               </a:ext>
             </a:extLst>
           </p:cNvPr>
@@ -3711,8 +3716,8 @@
         </p:blipFill>
         <p:spPr>
           <a:xfrm>
-            <a:off x="903889" y="1062826"/>
-            <a:ext cx="7336221" cy="5139331"/>
+            <a:off x="151783" y="790206"/>
+            <a:ext cx="8840434" cy="5277587"/>
           </a:xfrm>
           <a:prstGeom prst="rect">
             <a:avLst/>
@@ -3722,7 +3727,7 @@
     </p:spTree>
     <p:extLst>
       <p:ext uri="{BB962C8B-B14F-4D97-AF65-F5344CB8AC3E}">
-        <p14:creationId xmlns:p14="http://schemas.microsoft.com/office/powerpoint/2010/main" val="56214610"/>
+        <p14:creationId xmlns:p14="http://schemas.microsoft.com/office/powerpoint/2010/main" val="1912978671"/>
       </p:ext>
     </p:extLst>
   </p:cSld>
@@ -3813,7 +3818,7 @@
           <p:cNvPr id="5" name="그림 4">
             <a:extLst>
               <a:ext uri="{FF2B5EF4-FFF2-40B4-BE49-F238E27FC236}">
-                <a16:creationId xmlns:a16="http://schemas.microsoft.com/office/drawing/2014/main" id="{CF69A571-DC64-BE01-5F2E-72683EADB4C0}"/>
+                <a16:creationId xmlns:a16="http://schemas.microsoft.com/office/drawing/2014/main" id="{1CC44E1B-E15C-BE2C-7E38-3BDDDFED3163}"/>
               </a:ext>
             </a:extLst>
           </p:cNvPr>
@@ -3836,8 +3841,8 @@
         </p:blipFill>
         <p:spPr>
           <a:xfrm>
-            <a:off x="1290464" y="1376855"/>
-            <a:ext cx="7396990" cy="4346685"/>
+            <a:off x="270862" y="1004549"/>
+            <a:ext cx="8602275" cy="4848902"/>
           </a:xfrm>
           <a:prstGeom prst="rect">
             <a:avLst/>
@@ -3847,7 +3852,7 @@
     </p:spTree>
     <p:extLst>
       <p:ext uri="{BB962C8B-B14F-4D97-AF65-F5344CB8AC3E}">
-        <p14:creationId xmlns:p14="http://schemas.microsoft.com/office/powerpoint/2010/main" val="1632478485"/>
+        <p14:creationId xmlns:p14="http://schemas.microsoft.com/office/powerpoint/2010/main" val="2504147719"/>
       </p:ext>
     </p:extLst>
   </p:cSld>
@@ -3938,7 +3943,7 @@
           <p:cNvPr id="5" name="그림 4">
             <a:extLst>
               <a:ext uri="{FF2B5EF4-FFF2-40B4-BE49-F238E27FC236}">
-                <a16:creationId xmlns:a16="http://schemas.microsoft.com/office/drawing/2014/main" id="{E9F19F6D-706C-F77D-D024-5B6A2317455E}"/>
+                <a16:creationId xmlns:a16="http://schemas.microsoft.com/office/drawing/2014/main" id="{6F1F2E92-442C-4111-E763-6D25486E8E82}"/>
               </a:ext>
             </a:extLst>
           </p:cNvPr>
@@ -3961,8 +3966,8 @@
         </p:blipFill>
         <p:spPr>
           <a:xfrm>
-            <a:off x="806450" y="1504445"/>
-            <a:ext cx="7531100" cy="4147126"/>
+            <a:off x="42230" y="966444"/>
+            <a:ext cx="9059539" cy="4925112"/>
           </a:xfrm>
           <a:prstGeom prst="rect">
             <a:avLst/>
@@ -3972,7 +3977,7 @@
     </p:spTree>
     <p:extLst>
       <p:ext uri="{BB962C8B-B14F-4D97-AF65-F5344CB8AC3E}">
-        <p14:creationId xmlns:p14="http://schemas.microsoft.com/office/powerpoint/2010/main" val="3191913800"/>
+        <p14:creationId xmlns:p14="http://schemas.microsoft.com/office/powerpoint/2010/main" val="3075506326"/>
       </p:ext>
     </p:extLst>
   </p:cSld>
@@ -4063,7 +4068,7 @@
           <p:cNvPr id="5" name="그림 4">
             <a:extLst>
               <a:ext uri="{FF2B5EF4-FFF2-40B4-BE49-F238E27FC236}">
-                <a16:creationId xmlns:a16="http://schemas.microsoft.com/office/drawing/2014/main" id="{23CD668B-0603-F858-4CE5-EA7FEE132041}"/>
+                <a16:creationId xmlns:a16="http://schemas.microsoft.com/office/drawing/2014/main" id="{EF7321FF-6B8C-9366-4F9C-5E427A128F4B}"/>
               </a:ext>
             </a:extLst>
           </p:cNvPr>
@@ -4086,8 +4091,8 @@
         </p:blipFill>
         <p:spPr>
           <a:xfrm>
-            <a:off x="958850" y="897836"/>
-            <a:ext cx="7226300" cy="5062327"/>
+            <a:off x="199415" y="1004549"/>
+            <a:ext cx="8745170" cy="4848902"/>
           </a:xfrm>
           <a:prstGeom prst="rect">
             <a:avLst/>
@@ -4097,7 +4102,257 @@
     </p:spTree>
     <p:extLst>
       <p:ext uri="{BB962C8B-B14F-4D97-AF65-F5344CB8AC3E}">
-        <p14:creationId xmlns:p14="http://schemas.microsoft.com/office/powerpoint/2010/main" val="1372380399"/>
+        <p14:creationId xmlns:p14="http://schemas.microsoft.com/office/powerpoint/2010/main" val="3698526699"/>
+      </p:ext>
+    </p:extLst>
+  </p:cSld>
+  <p:clrMapOvr>
+    <a:masterClrMapping/>
+  </p:clrMapOvr>
+</p:sld>
+</file>
+
+<file path=ppt/slides/slide18.xml><?xml version="1.0" encoding="utf-8"?>
+<p:sld xmlns:a="http://schemas.openxmlformats.org/drawingml/2006/main" xmlns:r="http://schemas.openxmlformats.org/officeDocument/2006/relationships" xmlns:p="http://schemas.openxmlformats.org/presentationml/2006/main">
+  <p:cSld>
+    <p:spTree>
+      <p:nvGrpSpPr>
+        <p:cNvPr id="1" name=""/>
+        <p:cNvGrpSpPr/>
+        <p:nvPr/>
+      </p:nvGrpSpPr>
+      <p:grpSpPr>
+        <a:xfrm>
+          <a:off x="0" y="0"/>
+          <a:ext cx="0" cy="0"/>
+          <a:chOff x="0" y="0"/>
+          <a:chExt cx="0" cy="0"/>
+        </a:xfrm>
+      </p:grpSpPr>
+      <p:sp>
+        <p:nvSpPr>
+          <p:cNvPr id="2" name="바닥글 개체 틀 1"/>
+          <p:cNvSpPr>
+            <a:spLocks noGrp="1"/>
+          </p:cNvSpPr>
+          <p:nvPr>
+            <p:ph type="ftr" sz="quarter" idx="3"/>
+          </p:nvPr>
+        </p:nvSpPr>
+        <p:spPr/>
+        <p:txBody>
+          <a:bodyPr/>
+          <a:lstStyle/>
+          <a:p>
+            <a:pPr algn="r"/>
+            <a:r>
+              <a:rPr lang="ko-KR" altLang="en-US" dirty="0" err="1"/>
+              <a:t>질수없조</a:t>
+            </a:r>
+            <a:endParaRPr lang="en-US" altLang="ko-KR" dirty="0"/>
+          </a:p>
+        </p:txBody>
+      </p:sp>
+      <p:sp>
+        <p:nvSpPr>
+          <p:cNvPr id="3" name="TextBox 2">
+            <a:extLst>
+              <a:ext uri="{FF2B5EF4-FFF2-40B4-BE49-F238E27FC236}">
+                <a16:creationId xmlns:a16="http://schemas.microsoft.com/office/drawing/2014/main" id="{BA576AD8-AE66-AB67-284E-A047C0DE81C9}"/>
+              </a:ext>
+            </a:extLst>
+          </p:cNvPr>
+          <p:cNvSpPr txBox="1"/>
+          <p:nvPr/>
+        </p:nvSpPr>
+        <p:spPr>
+          <a:xfrm>
+            <a:off x="1290464" y="253586"/>
+            <a:ext cx="1861073" cy="307777"/>
+          </a:xfrm>
+          <a:prstGeom prst="rect">
+            <a:avLst/>
+          </a:prstGeom>
+          <a:noFill/>
+        </p:spPr>
+        <p:txBody>
+          <a:bodyPr wrap="square" rtlCol="0">
+            <a:spAutoFit/>
+          </a:bodyPr>
+          <a:lstStyle/>
+          <a:p>
+            <a:r>
+              <a:rPr kumimoji="1" lang="ko-Kore-KR" altLang="en-US" dirty="0"/>
+              <a:t>옷짱</a:t>
+            </a:r>
+          </a:p>
+        </p:txBody>
+      </p:sp>
+      <p:pic>
+        <p:nvPicPr>
+          <p:cNvPr id="5" name="그림 4">
+            <a:extLst>
+              <a:ext uri="{FF2B5EF4-FFF2-40B4-BE49-F238E27FC236}">
+                <a16:creationId xmlns:a16="http://schemas.microsoft.com/office/drawing/2014/main" id="{78BB36F2-DF41-349E-65DB-2DBCCA01CE38}"/>
+              </a:ext>
+            </a:extLst>
+          </p:cNvPr>
+          <p:cNvPicPr>
+            <a:picLocks noChangeAspect="1"/>
+          </p:cNvPicPr>
+          <p:nvPr/>
+        </p:nvPicPr>
+        <p:blipFill>
+          <a:blip r:embed="rId2">
+            <a:extLst>
+              <a:ext uri="{28A0092B-C50C-407E-A947-70E740481C1C}">
+                <a14:useLocalDpi xmlns:a14="http://schemas.microsoft.com/office/drawing/2010/main" val="0"/>
+              </a:ext>
+            </a:extLst>
+          </a:blip>
+          <a:stretch>
+            <a:fillRect/>
+          </a:stretch>
+        </p:blipFill>
+        <p:spPr>
+          <a:xfrm>
+            <a:off x="272631" y="1405903"/>
+            <a:ext cx="8598737" cy="4071532"/>
+          </a:xfrm>
+          <a:prstGeom prst="rect">
+            <a:avLst/>
+          </a:prstGeom>
+        </p:spPr>
+      </p:pic>
+    </p:spTree>
+    <p:extLst>
+      <p:ext uri="{BB962C8B-B14F-4D97-AF65-F5344CB8AC3E}">
+        <p14:creationId xmlns:p14="http://schemas.microsoft.com/office/powerpoint/2010/main" val="1294405583"/>
+      </p:ext>
+    </p:extLst>
+  </p:cSld>
+  <p:clrMapOvr>
+    <a:masterClrMapping/>
+  </p:clrMapOvr>
+</p:sld>
+</file>
+
+<file path=ppt/slides/slide19.xml><?xml version="1.0" encoding="utf-8"?>
+<p:sld xmlns:a="http://schemas.openxmlformats.org/drawingml/2006/main" xmlns:r="http://schemas.openxmlformats.org/officeDocument/2006/relationships" xmlns:p="http://schemas.openxmlformats.org/presentationml/2006/main">
+  <p:cSld>
+    <p:spTree>
+      <p:nvGrpSpPr>
+        <p:cNvPr id="1" name=""/>
+        <p:cNvGrpSpPr/>
+        <p:nvPr/>
+      </p:nvGrpSpPr>
+      <p:grpSpPr>
+        <a:xfrm>
+          <a:off x="0" y="0"/>
+          <a:ext cx="0" cy="0"/>
+          <a:chOff x="0" y="0"/>
+          <a:chExt cx="0" cy="0"/>
+        </a:xfrm>
+      </p:grpSpPr>
+      <p:sp>
+        <p:nvSpPr>
+          <p:cNvPr id="2" name="바닥글 개체 틀 1"/>
+          <p:cNvSpPr>
+            <a:spLocks noGrp="1"/>
+          </p:cNvSpPr>
+          <p:nvPr>
+            <p:ph type="ftr" sz="quarter" idx="3"/>
+          </p:nvPr>
+        </p:nvSpPr>
+        <p:spPr/>
+        <p:txBody>
+          <a:bodyPr/>
+          <a:lstStyle/>
+          <a:p>
+            <a:pPr algn="r"/>
+            <a:r>
+              <a:rPr lang="ko-KR" altLang="en-US" dirty="0" err="1"/>
+              <a:t>질수없조</a:t>
+            </a:r>
+            <a:endParaRPr lang="en-US" altLang="ko-KR" dirty="0"/>
+          </a:p>
+        </p:txBody>
+      </p:sp>
+      <p:sp>
+        <p:nvSpPr>
+          <p:cNvPr id="3" name="TextBox 2">
+            <a:extLst>
+              <a:ext uri="{FF2B5EF4-FFF2-40B4-BE49-F238E27FC236}">
+                <a16:creationId xmlns:a16="http://schemas.microsoft.com/office/drawing/2014/main" id="{BA576AD8-AE66-AB67-284E-A047C0DE81C9}"/>
+              </a:ext>
+            </a:extLst>
+          </p:cNvPr>
+          <p:cNvSpPr txBox="1"/>
+          <p:nvPr/>
+        </p:nvSpPr>
+        <p:spPr>
+          <a:xfrm>
+            <a:off x="1290464" y="253586"/>
+            <a:ext cx="1861073" cy="307777"/>
+          </a:xfrm>
+          <a:prstGeom prst="rect">
+            <a:avLst/>
+          </a:prstGeom>
+          <a:noFill/>
+        </p:spPr>
+        <p:txBody>
+          <a:bodyPr wrap="square" rtlCol="0">
+            <a:spAutoFit/>
+          </a:bodyPr>
+          <a:lstStyle/>
+          <a:p>
+            <a:r>
+              <a:rPr kumimoji="1" lang="ko-Kore-KR" altLang="en-US" dirty="0"/>
+              <a:t>옷짱</a:t>
+            </a:r>
+          </a:p>
+        </p:txBody>
+      </p:sp>
+      <p:pic>
+        <p:nvPicPr>
+          <p:cNvPr id="6" name="그림 5">
+            <a:extLst>
+              <a:ext uri="{FF2B5EF4-FFF2-40B4-BE49-F238E27FC236}">
+                <a16:creationId xmlns:a16="http://schemas.microsoft.com/office/drawing/2014/main" id="{45D9061D-D7FA-DEE2-146C-740C0E7AE325}"/>
+              </a:ext>
+            </a:extLst>
+          </p:cNvPr>
+          <p:cNvPicPr>
+            <a:picLocks noChangeAspect="1"/>
+          </p:cNvPicPr>
+          <p:nvPr/>
+        </p:nvPicPr>
+        <p:blipFill>
+          <a:blip r:embed="rId2">
+            <a:extLst>
+              <a:ext uri="{28A0092B-C50C-407E-A947-70E740481C1C}">
+                <a14:useLocalDpi xmlns:a14="http://schemas.microsoft.com/office/drawing/2010/main" val="0"/>
+              </a:ext>
+            </a:extLst>
+          </a:blip>
+          <a:stretch>
+            <a:fillRect/>
+          </a:stretch>
+        </p:blipFill>
+        <p:spPr>
+          <a:xfrm>
+            <a:off x="181770" y="1153700"/>
+            <a:ext cx="8424347" cy="4774669"/>
+          </a:xfrm>
+          <a:prstGeom prst="rect">
+            <a:avLst/>
+          </a:prstGeom>
+        </p:spPr>
+      </p:pic>
+    </p:spTree>
+    <p:extLst>
+      <p:ext uri="{BB962C8B-B14F-4D97-AF65-F5344CB8AC3E}">
+        <p14:creationId xmlns:p14="http://schemas.microsoft.com/office/powerpoint/2010/main" val="1358477224"/>
       </p:ext>
     </p:extLst>
   </p:cSld>
@@ -4180,14 +4435,14 @@
             <p:ph idx="1"/>
             <p:extLst>
               <p:ext uri="{D42A27DB-BD31-4B8C-83A1-F6EECF244321}">
-                <p14:modId xmlns:p14="http://schemas.microsoft.com/office/powerpoint/2010/main" val="1217051604"/>
+                <p14:modId xmlns:p14="http://schemas.microsoft.com/office/powerpoint/2010/main" val="1891056654"/>
               </p:ext>
             </p:extLst>
           </p:nvPr>
         </p:nvGraphicFramePr>
         <p:xfrm>
           <a:off x="280988" y="1025525"/>
-          <a:ext cx="8582024" cy="3042920"/>
+          <a:ext cx="8582024" cy="3093720"/>
         </p:xfrm>
         <a:graphic>
           <a:graphicData uri="http://schemas.openxmlformats.org/drawingml/2006/table">
@@ -5332,6 +5587,16 @@
                     <a:lstStyle/>
                     <a:p>
                       <a:pPr algn="ctr" latinLnBrk="1"/>
+                      <a:r>
+                        <a:rPr lang="en-US" altLang="ko-KR" sz="1000" b="0" dirty="0">
+                          <a:solidFill>
+                            <a:schemeClr val="tx1"/>
+                          </a:solidFill>
+                          <a:latin typeface="맑은 고딕" pitchFamily="50" charset="-127"/>
+                          <a:ea typeface="맑은 고딕" pitchFamily="50" charset="-127"/>
+                        </a:rPr>
+                        <a:t>2022.06.21</a:t>
+                      </a:r>
                       <a:endParaRPr lang="ko-KR" altLang="en-US" sz="1000" b="0" dirty="0">
                         <a:solidFill>
                           <a:schemeClr val="tx1"/>
@@ -5353,6 +5618,16 @@
                     <a:lstStyle/>
                     <a:p>
                       <a:pPr algn="ctr" latinLnBrk="1"/>
+                      <a:r>
+                        <a:rPr lang="en-US" altLang="ko-KR" sz="1000" b="0" dirty="0">
+                          <a:solidFill>
+                            <a:schemeClr val="tx1"/>
+                          </a:solidFill>
+                          <a:latin typeface="맑은 고딕" pitchFamily="50" charset="-127"/>
+                          <a:ea typeface="맑은 고딕" pitchFamily="50" charset="-127"/>
+                        </a:rPr>
+                        <a:t>V1.5</a:t>
+                      </a:r>
                       <a:endParaRPr lang="ko-KR" altLang="en-US" sz="1000" b="0" dirty="0">
                         <a:solidFill>
                           <a:schemeClr val="tx1"/>
@@ -5374,6 +5649,171 @@
                     <a:lstStyle/>
                     <a:p>
                       <a:pPr algn="ctr" latinLnBrk="1"/>
+                      <a:r>
+                        <a:rPr lang="ko-KR" altLang="en-US" sz="1000" b="0" dirty="0">
+                          <a:solidFill>
+                            <a:schemeClr val="tx1"/>
+                          </a:solidFill>
+                          <a:latin typeface="맑은 고딕" pitchFamily="50" charset="-127"/>
+                          <a:ea typeface="맑은 고딕" pitchFamily="50" charset="-127"/>
+                        </a:rPr>
+                        <a:t>클래스 다이어그램 수정 및</a:t>
+                      </a:r>
+                      <a:endParaRPr lang="en-US" altLang="ko-KR" sz="1000" b="0" dirty="0">
+                        <a:solidFill>
+                          <a:schemeClr val="tx1"/>
+                        </a:solidFill>
+                        <a:latin typeface="맑은 고딕" pitchFamily="50" charset="-127"/>
+                        <a:ea typeface="맑은 고딕" pitchFamily="50" charset="-127"/>
+                      </a:endParaRPr>
+                    </a:p>
+                    <a:p>
+                      <a:pPr algn="ctr" latinLnBrk="1"/>
+                      <a:r>
+                        <a:rPr lang="ko-KR" altLang="en-US" sz="1000" b="0" dirty="0">
+                          <a:solidFill>
+                            <a:schemeClr val="tx1"/>
+                          </a:solidFill>
+                          <a:latin typeface="맑은 고딕" pitchFamily="50" charset="-127"/>
+                          <a:ea typeface="맑은 고딕" pitchFamily="50" charset="-127"/>
+                        </a:rPr>
+                        <a:t>시퀀스 다이어그램 수정</a:t>
+                      </a:r>
+                    </a:p>
+                  </a:txBody>
+                  <a:tcPr anchor="ctr">
+                    <a:solidFill>
+                      <a:schemeClr val="bg1"/>
+                    </a:solidFill>
+                  </a:tcPr>
+                </a:tc>
+                <a:tc>
+                  <a:txBody>
+                    <a:bodyPr/>
+                    <a:lstStyle/>
+                    <a:p>
+                      <a:pPr algn="ctr" latinLnBrk="1"/>
+                      <a:r>
+                        <a:rPr lang="ko-KR" altLang="en-US" sz="1000" b="0" dirty="0" err="1">
+                          <a:solidFill>
+                            <a:schemeClr val="tx1"/>
+                          </a:solidFill>
+                          <a:latin typeface="맑은 고딕" pitchFamily="50" charset="-127"/>
+                          <a:ea typeface="맑은 고딕" pitchFamily="50" charset="-127"/>
+                        </a:rPr>
+                        <a:t>나주엽</a:t>
+                      </a:r>
+                      <a:r>
+                        <a:rPr lang="en-US" altLang="ko-KR" sz="1000" b="0" dirty="0">
+                          <a:solidFill>
+                            <a:schemeClr val="tx1"/>
+                          </a:solidFill>
+                          <a:latin typeface="맑은 고딕" pitchFamily="50" charset="-127"/>
+                          <a:ea typeface="맑은 고딕" pitchFamily="50" charset="-127"/>
+                        </a:rPr>
+                        <a:t>, </a:t>
+                      </a:r>
+                      <a:r>
+                        <a:rPr lang="ko-KR" altLang="en-US" sz="1000" b="0" dirty="0">
+                          <a:solidFill>
+                            <a:schemeClr val="tx1"/>
+                          </a:solidFill>
+                          <a:latin typeface="맑은 고딕" pitchFamily="50" charset="-127"/>
+                          <a:ea typeface="맑은 고딕" pitchFamily="50" charset="-127"/>
+                        </a:rPr>
+                        <a:t>이주헌</a:t>
+                      </a:r>
+                      <a:r>
+                        <a:rPr lang="en-US" altLang="ko-KR" sz="1000" b="0" dirty="0">
+                          <a:solidFill>
+                            <a:schemeClr val="tx1"/>
+                          </a:solidFill>
+                          <a:latin typeface="맑은 고딕" pitchFamily="50" charset="-127"/>
+                          <a:ea typeface="맑은 고딕" pitchFamily="50" charset="-127"/>
+                        </a:rPr>
+                        <a:t>, </a:t>
+                      </a:r>
+                      <a:r>
+                        <a:rPr lang="ko-KR" altLang="en-US" sz="1000" b="0" dirty="0" err="1">
+                          <a:solidFill>
+                            <a:schemeClr val="tx1"/>
+                          </a:solidFill>
+                          <a:latin typeface="맑은 고딕" pitchFamily="50" charset="-127"/>
+                          <a:ea typeface="맑은 고딕" pitchFamily="50" charset="-127"/>
+                        </a:rPr>
+                        <a:t>송수근</a:t>
+                      </a:r>
+                      <a:r>
+                        <a:rPr lang="en-US" altLang="ko-KR" sz="1000" b="0" dirty="0">
+                          <a:solidFill>
+                            <a:schemeClr val="tx1"/>
+                          </a:solidFill>
+                          <a:latin typeface="맑은 고딕" pitchFamily="50" charset="-127"/>
+                          <a:ea typeface="맑은 고딕" pitchFamily="50" charset="-127"/>
+                        </a:rPr>
+                        <a:t>, </a:t>
+                      </a:r>
+                      <a:r>
+                        <a:rPr lang="ko-KR" altLang="en-US" sz="1000" b="0" dirty="0">
+                          <a:solidFill>
+                            <a:schemeClr val="tx1"/>
+                          </a:solidFill>
+                          <a:latin typeface="맑은 고딕" pitchFamily="50" charset="-127"/>
+                          <a:ea typeface="맑은 고딕" pitchFamily="50" charset="-127"/>
+                        </a:rPr>
+                        <a:t>정용훈</a:t>
+                      </a:r>
+                      <a:r>
+                        <a:rPr lang="en-US" altLang="ko-KR" sz="1000" b="0" dirty="0">
+                          <a:solidFill>
+                            <a:schemeClr val="tx1"/>
+                          </a:solidFill>
+                          <a:latin typeface="맑은 고딕" pitchFamily="50" charset="-127"/>
+                          <a:ea typeface="맑은 고딕" pitchFamily="50" charset="-127"/>
+                        </a:rPr>
+                        <a:t>, </a:t>
+                      </a:r>
+                      <a:r>
+                        <a:rPr lang="ko-KR" altLang="en-US" sz="1000" b="0" dirty="0">
+                          <a:solidFill>
+                            <a:schemeClr val="tx1"/>
+                          </a:solidFill>
+                          <a:latin typeface="맑은 고딕" pitchFamily="50" charset="-127"/>
+                          <a:ea typeface="맑은 고딕" pitchFamily="50" charset="-127"/>
+                        </a:rPr>
+                        <a:t>문정호</a:t>
+                      </a:r>
+                    </a:p>
+                  </a:txBody>
+                  <a:tcPr anchor="ctr">
+                    <a:solidFill>
+                      <a:schemeClr val="bg1"/>
+                    </a:solidFill>
+                  </a:tcPr>
+                </a:tc>
+                <a:extLst>
+                  <a:ext uri="{0D108BD9-81ED-4DB2-BD59-A6C34878D82A}">
+                    <a16:rowId xmlns:a16="http://schemas.microsoft.com/office/drawing/2014/main" val="10006"/>
+                  </a:ext>
+                </a:extLst>
+              </a:tr>
+              <a:tr h="370840">
+                <a:tc>
+                  <a:txBody>
+                    <a:bodyPr/>
+                    <a:lstStyle/>
+                    <a:p>
+                      <a:pPr algn="ctr" latinLnBrk="1"/>
+                      <a:r>
+                        <a:rPr lang="en-US" altLang="ko-KR" sz="1000" b="0" dirty="0">
+                          <a:solidFill>
+                            <a:schemeClr val="tx1"/>
+                          </a:solidFill>
+                          <a:latin typeface="맑은 고딕" pitchFamily="50" charset="-127"/>
+                          <a:ea typeface="맑은 고딕" pitchFamily="50" charset="-127"/>
+                        </a:rPr>
+                        <a:t>2022.06.22</a:t>
+                      </a:r>
                       <a:endParaRPr lang="ko-KR" altLang="en-US" sz="1000" b="0" dirty="0">
                         <a:solidFill>
                           <a:schemeClr val="tx1"/>
@@ -5395,55 +5835,16 @@
                     <a:lstStyle/>
                     <a:p>
                       <a:pPr algn="ctr" latinLnBrk="1"/>
-                      <a:endParaRPr lang="ko-KR" altLang="en-US" sz="1000" b="0" dirty="0">
-                        <a:solidFill>
-                          <a:schemeClr val="tx1"/>
-                        </a:solidFill>
-                        <a:latin typeface="맑은 고딕" pitchFamily="50" charset="-127"/>
-                        <a:ea typeface="맑은 고딕" pitchFamily="50" charset="-127"/>
-                      </a:endParaRPr>
-                    </a:p>
-                  </a:txBody>
-                  <a:tcPr anchor="ctr">
-                    <a:solidFill>
-                      <a:schemeClr val="bg1"/>
-                    </a:solidFill>
-                  </a:tcPr>
-                </a:tc>
-                <a:extLst>
-                  <a:ext uri="{0D108BD9-81ED-4DB2-BD59-A6C34878D82A}">
-                    <a16:rowId xmlns:a16="http://schemas.microsoft.com/office/drawing/2014/main" val="10006"/>
-                  </a:ext>
-                </a:extLst>
-              </a:tr>
-              <a:tr h="370840">
-                <a:tc>
-                  <a:txBody>
-                    <a:bodyPr/>
-                    <a:lstStyle/>
-                    <a:p>
-                      <a:pPr algn="ctr" latinLnBrk="1"/>
-                      <a:endParaRPr lang="ko-KR" altLang="en-US" sz="1000" b="0">
-                        <a:solidFill>
-                          <a:schemeClr val="tx1"/>
-                        </a:solidFill>
-                        <a:latin typeface="맑은 고딕" pitchFamily="50" charset="-127"/>
-                        <a:ea typeface="맑은 고딕" pitchFamily="50" charset="-127"/>
-                      </a:endParaRPr>
-                    </a:p>
-                  </a:txBody>
-                  <a:tcPr anchor="ctr">
-                    <a:solidFill>
-                      <a:schemeClr val="bg1"/>
-                    </a:solidFill>
-                  </a:tcPr>
-                </a:tc>
-                <a:tc>
-                  <a:txBody>
-                    <a:bodyPr/>
-                    <a:lstStyle/>
-                    <a:p>
-                      <a:pPr algn="ctr" latinLnBrk="1"/>
+                      <a:r>
+                        <a:rPr lang="en-US" altLang="ko-KR" sz="1000" b="0" dirty="0">
+                          <a:solidFill>
+                            <a:schemeClr val="tx1"/>
+                          </a:solidFill>
+                          <a:latin typeface="맑은 고딕" pitchFamily="50" charset="-127"/>
+                          <a:ea typeface="맑은 고딕" pitchFamily="50" charset="-127"/>
+                        </a:rPr>
+                        <a:t>V1.6</a:t>
+                      </a:r>
                       <a:endParaRPr lang="ko-KR" altLang="en-US" sz="1000" b="0" dirty="0">
                         <a:solidFill>
                           <a:schemeClr val="tx1"/>
@@ -5465,13 +5866,36 @@
                     <a:lstStyle/>
                     <a:p>
                       <a:pPr algn="ctr" latinLnBrk="1"/>
-                      <a:endParaRPr lang="ko-KR" altLang="en-US" sz="1000" b="0" dirty="0">
+                      <a:r>
+                        <a:rPr lang="ko-KR" altLang="en-US" sz="1000" b="0" dirty="0">
+                          <a:solidFill>
+                            <a:schemeClr val="tx1"/>
+                          </a:solidFill>
+                          <a:latin typeface="맑은 고딕" pitchFamily="50" charset="-127"/>
+                          <a:ea typeface="맑은 고딕" pitchFamily="50" charset="-127"/>
+                        </a:rPr>
+                        <a:t>클래스 다이어그램 수정 및</a:t>
+                      </a:r>
+                      <a:endParaRPr lang="en-US" altLang="ko-KR" sz="1000" b="0" dirty="0">
                         <a:solidFill>
                           <a:schemeClr val="tx1"/>
                         </a:solidFill>
                         <a:latin typeface="맑은 고딕" pitchFamily="50" charset="-127"/>
                         <a:ea typeface="맑은 고딕" pitchFamily="50" charset="-127"/>
                       </a:endParaRPr>
+                    </a:p>
+                    <a:p>
+                      <a:pPr algn="ctr" latinLnBrk="1"/>
+                      <a:r>
+                        <a:rPr lang="ko-KR" altLang="en-US" sz="1000" b="0" dirty="0">
+                          <a:solidFill>
+                            <a:schemeClr val="tx1"/>
+                          </a:solidFill>
+                          <a:latin typeface="맑은 고딕" pitchFamily="50" charset="-127"/>
+                          <a:ea typeface="맑은 고딕" pitchFamily="50" charset="-127"/>
+                        </a:rPr>
+                        <a:t>시퀀스 다이어그램 수정</a:t>
+                      </a:r>
                     </a:p>
                   </a:txBody>
                   <a:tcPr anchor="ctr">
@@ -5486,13 +5910,96 @@
                     <a:lstStyle/>
                     <a:p>
                       <a:pPr algn="ctr" latinLnBrk="1"/>
-                      <a:endParaRPr lang="ko-KR" altLang="en-US" sz="1000" b="0" dirty="0">
-                        <a:solidFill>
-                          <a:schemeClr val="tx1"/>
-                        </a:solidFill>
-                        <a:latin typeface="맑은 고딕" pitchFamily="50" charset="-127"/>
-                        <a:ea typeface="맑은 고딕" pitchFamily="50" charset="-127"/>
-                      </a:endParaRPr>
+                      <a:r>
+                        <a:rPr lang="ko-KR" altLang="en-US" sz="1000" b="0" dirty="0" err="1">
+                          <a:solidFill>
+                            <a:schemeClr val="tx1"/>
+                          </a:solidFill>
+                          <a:latin typeface="맑은 고딕" pitchFamily="50" charset="-127"/>
+                          <a:ea typeface="맑은 고딕" pitchFamily="50" charset="-127"/>
+                        </a:rPr>
+                        <a:t>나주엽</a:t>
+                      </a:r>
+                      <a:r>
+                        <a:rPr lang="en-US" altLang="ko-KR" sz="1000" b="0" dirty="0">
+                          <a:solidFill>
+                            <a:schemeClr val="tx1"/>
+                          </a:solidFill>
+                          <a:latin typeface="맑은 고딕" pitchFamily="50" charset="-127"/>
+                          <a:ea typeface="맑은 고딕" pitchFamily="50" charset="-127"/>
+                        </a:rPr>
+                        <a:t>, </a:t>
+                      </a:r>
+                      <a:r>
+                        <a:rPr lang="ko-KR" altLang="en-US" sz="1000" b="0" dirty="0">
+                          <a:solidFill>
+                            <a:schemeClr val="tx1"/>
+                          </a:solidFill>
+                          <a:latin typeface="맑은 고딕" pitchFamily="50" charset="-127"/>
+                          <a:ea typeface="맑은 고딕" pitchFamily="50" charset="-127"/>
+                        </a:rPr>
+                        <a:t>이주헌</a:t>
+                      </a:r>
+                      <a:r>
+                        <a:rPr lang="en-US" altLang="ko-KR" sz="1000" b="0" dirty="0">
+                          <a:solidFill>
+                            <a:schemeClr val="tx1"/>
+                          </a:solidFill>
+                          <a:latin typeface="맑은 고딕" pitchFamily="50" charset="-127"/>
+                          <a:ea typeface="맑은 고딕" pitchFamily="50" charset="-127"/>
+                        </a:rPr>
+                        <a:t>, </a:t>
+                      </a:r>
+                      <a:r>
+                        <a:rPr lang="ko-KR" altLang="en-US" sz="1000" b="0" dirty="0" err="1">
+                          <a:solidFill>
+                            <a:schemeClr val="tx1"/>
+                          </a:solidFill>
+                          <a:latin typeface="맑은 고딕" pitchFamily="50" charset="-127"/>
+                          <a:ea typeface="맑은 고딕" pitchFamily="50" charset="-127"/>
+                        </a:rPr>
+                        <a:t>송수근</a:t>
+                      </a:r>
+                      <a:r>
+                        <a:rPr lang="en-US" altLang="ko-KR" sz="1000" b="0" dirty="0">
+                          <a:solidFill>
+                            <a:schemeClr val="tx1"/>
+                          </a:solidFill>
+                          <a:latin typeface="맑은 고딕" pitchFamily="50" charset="-127"/>
+                          <a:ea typeface="맑은 고딕" pitchFamily="50" charset="-127"/>
+                        </a:rPr>
+                        <a:t>, </a:t>
+                      </a:r>
+                      <a:r>
+                        <a:rPr lang="ko-KR" altLang="en-US" sz="1000" b="0" dirty="0">
+                          <a:solidFill>
+                            <a:schemeClr val="tx1"/>
+                          </a:solidFill>
+                          <a:latin typeface="맑은 고딕" pitchFamily="50" charset="-127"/>
+                          <a:ea typeface="맑은 고딕" pitchFamily="50" charset="-127"/>
+                        </a:rPr>
+                        <a:t>정용훈</a:t>
+                      </a:r>
+                      <a:r>
+                        <a:rPr lang="en-US" altLang="ko-KR" sz="1000" b="0" dirty="0">
+                          <a:solidFill>
+                            <a:schemeClr val="tx1"/>
+                          </a:solidFill>
+                          <a:latin typeface="맑은 고딕" pitchFamily="50" charset="-127"/>
+                          <a:ea typeface="맑은 고딕" pitchFamily="50" charset="-127"/>
+                        </a:rPr>
+                        <a:t>, </a:t>
+                      </a:r>
+                      <a:r>
+                        <a:rPr lang="ko-KR" altLang="en-US" sz="1000" b="0" dirty="0">
+                          <a:solidFill>
+                            <a:schemeClr val="tx1"/>
+                          </a:solidFill>
+                          <a:latin typeface="맑은 고딕" pitchFamily="50" charset="-127"/>
+                          <a:ea typeface="맑은 고딕" pitchFamily="50" charset="-127"/>
+                        </a:rPr>
+                        <a:t>문정호</a:t>
+                      </a:r>
                     </a:p>
                   </a:txBody>
                   <a:tcPr anchor="ctr">
@@ -5512,6 +6019,381 @@
         </a:graphic>
       </p:graphicFrame>
     </p:spTree>
+  </p:cSld>
+  <p:clrMapOvr>
+    <a:masterClrMapping/>
+  </p:clrMapOvr>
+</p:sld>
+</file>
+
+<file path=ppt/slides/slide20.xml><?xml version="1.0" encoding="utf-8"?>
+<p:sld xmlns:a="http://schemas.openxmlformats.org/drawingml/2006/main" xmlns:r="http://schemas.openxmlformats.org/officeDocument/2006/relationships" xmlns:p="http://schemas.openxmlformats.org/presentationml/2006/main">
+  <p:cSld>
+    <p:spTree>
+      <p:nvGrpSpPr>
+        <p:cNvPr id="1" name=""/>
+        <p:cNvGrpSpPr/>
+        <p:nvPr/>
+      </p:nvGrpSpPr>
+      <p:grpSpPr>
+        <a:xfrm>
+          <a:off x="0" y="0"/>
+          <a:ext cx="0" cy="0"/>
+          <a:chOff x="0" y="0"/>
+          <a:chExt cx="0" cy="0"/>
+        </a:xfrm>
+      </p:grpSpPr>
+      <p:sp>
+        <p:nvSpPr>
+          <p:cNvPr id="2" name="바닥글 개체 틀 1"/>
+          <p:cNvSpPr>
+            <a:spLocks noGrp="1"/>
+          </p:cNvSpPr>
+          <p:nvPr>
+            <p:ph type="ftr" sz="quarter" idx="3"/>
+          </p:nvPr>
+        </p:nvSpPr>
+        <p:spPr/>
+        <p:txBody>
+          <a:bodyPr/>
+          <a:lstStyle/>
+          <a:p>
+            <a:pPr algn="r"/>
+            <a:r>
+              <a:rPr lang="ko-KR" altLang="en-US" dirty="0" err="1"/>
+              <a:t>질수없조</a:t>
+            </a:r>
+            <a:endParaRPr lang="en-US" altLang="ko-KR" dirty="0"/>
+          </a:p>
+        </p:txBody>
+      </p:sp>
+      <p:sp>
+        <p:nvSpPr>
+          <p:cNvPr id="3" name="TextBox 2">
+            <a:extLst>
+              <a:ext uri="{FF2B5EF4-FFF2-40B4-BE49-F238E27FC236}">
+                <a16:creationId xmlns:a16="http://schemas.microsoft.com/office/drawing/2014/main" id="{BA576AD8-AE66-AB67-284E-A047C0DE81C9}"/>
+              </a:ext>
+            </a:extLst>
+          </p:cNvPr>
+          <p:cNvSpPr txBox="1"/>
+          <p:nvPr/>
+        </p:nvSpPr>
+        <p:spPr>
+          <a:xfrm>
+            <a:off x="1290464" y="253586"/>
+            <a:ext cx="1861073" cy="307777"/>
+          </a:xfrm>
+          <a:prstGeom prst="rect">
+            <a:avLst/>
+          </a:prstGeom>
+          <a:noFill/>
+        </p:spPr>
+        <p:txBody>
+          <a:bodyPr wrap="square" rtlCol="0">
+            <a:spAutoFit/>
+          </a:bodyPr>
+          <a:lstStyle/>
+          <a:p>
+            <a:r>
+              <a:rPr kumimoji="1" lang="ko-Kore-KR" altLang="en-US" dirty="0"/>
+              <a:t>옷짱</a:t>
+            </a:r>
+          </a:p>
+        </p:txBody>
+      </p:sp>
+      <p:pic>
+        <p:nvPicPr>
+          <p:cNvPr id="6" name="그림 5">
+            <a:extLst>
+              <a:ext uri="{FF2B5EF4-FFF2-40B4-BE49-F238E27FC236}">
+                <a16:creationId xmlns:a16="http://schemas.microsoft.com/office/drawing/2014/main" id="{2F90C11C-5E89-6992-B092-E0CB43923A03}"/>
+              </a:ext>
+            </a:extLst>
+          </p:cNvPr>
+          <p:cNvPicPr>
+            <a:picLocks noChangeAspect="1"/>
+          </p:cNvPicPr>
+          <p:nvPr/>
+        </p:nvPicPr>
+        <p:blipFill>
+          <a:blip r:embed="rId2">
+            <a:extLst>
+              <a:ext uri="{28A0092B-C50C-407E-A947-70E740481C1C}">
+                <a14:useLocalDpi xmlns:a14="http://schemas.microsoft.com/office/drawing/2010/main" val="0"/>
+              </a:ext>
+            </a:extLst>
+          </a:blip>
+          <a:stretch>
+            <a:fillRect/>
+          </a:stretch>
+        </p:blipFill>
+        <p:spPr>
+          <a:xfrm>
+            <a:off x="645727" y="1130784"/>
+            <a:ext cx="7700413" cy="4858933"/>
+          </a:xfrm>
+          <a:prstGeom prst="rect">
+            <a:avLst/>
+          </a:prstGeom>
+        </p:spPr>
+      </p:pic>
+    </p:spTree>
+    <p:extLst>
+      <p:ext uri="{BB962C8B-B14F-4D97-AF65-F5344CB8AC3E}">
+        <p14:creationId xmlns:p14="http://schemas.microsoft.com/office/powerpoint/2010/main" val="2571260954"/>
+      </p:ext>
+    </p:extLst>
+  </p:cSld>
+  <p:clrMapOvr>
+    <a:masterClrMapping/>
+  </p:clrMapOvr>
+</p:sld>
+</file>
+
+<file path=ppt/slides/slide21.xml><?xml version="1.0" encoding="utf-8"?>
+<p:sld xmlns:a="http://schemas.openxmlformats.org/drawingml/2006/main" xmlns:r="http://schemas.openxmlformats.org/officeDocument/2006/relationships" xmlns:p="http://schemas.openxmlformats.org/presentationml/2006/main">
+  <p:cSld>
+    <p:spTree>
+      <p:nvGrpSpPr>
+        <p:cNvPr id="1" name=""/>
+        <p:cNvGrpSpPr/>
+        <p:nvPr/>
+      </p:nvGrpSpPr>
+      <p:grpSpPr>
+        <a:xfrm>
+          <a:off x="0" y="0"/>
+          <a:ext cx="0" cy="0"/>
+          <a:chOff x="0" y="0"/>
+          <a:chExt cx="0" cy="0"/>
+        </a:xfrm>
+      </p:grpSpPr>
+      <p:sp>
+        <p:nvSpPr>
+          <p:cNvPr id="2" name="바닥글 개체 틀 1"/>
+          <p:cNvSpPr>
+            <a:spLocks noGrp="1"/>
+          </p:cNvSpPr>
+          <p:nvPr>
+            <p:ph type="ftr" sz="quarter" idx="3"/>
+          </p:nvPr>
+        </p:nvSpPr>
+        <p:spPr/>
+        <p:txBody>
+          <a:bodyPr/>
+          <a:lstStyle/>
+          <a:p>
+            <a:pPr algn="r"/>
+            <a:r>
+              <a:rPr lang="ko-KR" altLang="en-US" dirty="0" err="1"/>
+              <a:t>질수없조</a:t>
+            </a:r>
+            <a:endParaRPr lang="en-US" altLang="ko-KR" dirty="0"/>
+          </a:p>
+        </p:txBody>
+      </p:sp>
+      <p:sp>
+        <p:nvSpPr>
+          <p:cNvPr id="3" name="TextBox 2">
+            <a:extLst>
+              <a:ext uri="{FF2B5EF4-FFF2-40B4-BE49-F238E27FC236}">
+                <a16:creationId xmlns:a16="http://schemas.microsoft.com/office/drawing/2014/main" id="{BA576AD8-AE66-AB67-284E-A047C0DE81C9}"/>
+              </a:ext>
+            </a:extLst>
+          </p:cNvPr>
+          <p:cNvSpPr txBox="1"/>
+          <p:nvPr/>
+        </p:nvSpPr>
+        <p:spPr>
+          <a:xfrm>
+            <a:off x="1290464" y="253586"/>
+            <a:ext cx="1861073" cy="307777"/>
+          </a:xfrm>
+          <a:prstGeom prst="rect">
+            <a:avLst/>
+          </a:prstGeom>
+          <a:noFill/>
+        </p:spPr>
+        <p:txBody>
+          <a:bodyPr wrap="square" rtlCol="0">
+            <a:spAutoFit/>
+          </a:bodyPr>
+          <a:lstStyle/>
+          <a:p>
+            <a:r>
+              <a:rPr kumimoji="1" lang="ko-Kore-KR" altLang="en-US" dirty="0"/>
+              <a:t>옷짱</a:t>
+            </a:r>
+          </a:p>
+        </p:txBody>
+      </p:sp>
+      <p:pic>
+        <p:nvPicPr>
+          <p:cNvPr id="6" name="그림 5">
+            <a:extLst>
+              <a:ext uri="{FF2B5EF4-FFF2-40B4-BE49-F238E27FC236}">
+                <a16:creationId xmlns:a16="http://schemas.microsoft.com/office/drawing/2014/main" id="{9C5BD921-059D-2E54-F54B-3CA46A3BE92B}"/>
+              </a:ext>
+            </a:extLst>
+          </p:cNvPr>
+          <p:cNvPicPr>
+            <a:picLocks noChangeAspect="1"/>
+          </p:cNvPicPr>
+          <p:nvPr/>
+        </p:nvPicPr>
+        <p:blipFill>
+          <a:blip r:embed="rId2">
+            <a:extLst>
+              <a:ext uri="{28A0092B-C50C-407E-A947-70E740481C1C}">
+                <a14:useLocalDpi xmlns:a14="http://schemas.microsoft.com/office/drawing/2010/main" val="0"/>
+              </a:ext>
+            </a:extLst>
+          </a:blip>
+          <a:stretch>
+            <a:fillRect/>
+          </a:stretch>
+        </p:blipFill>
+        <p:spPr>
+          <a:xfrm>
+            <a:off x="467283" y="1221318"/>
+            <a:ext cx="8059871" cy="4372657"/>
+          </a:xfrm>
+          <a:prstGeom prst="rect">
+            <a:avLst/>
+          </a:prstGeom>
+        </p:spPr>
+      </p:pic>
+    </p:spTree>
+    <p:extLst>
+      <p:ext uri="{BB962C8B-B14F-4D97-AF65-F5344CB8AC3E}">
+        <p14:creationId xmlns:p14="http://schemas.microsoft.com/office/powerpoint/2010/main" val="1628955595"/>
+      </p:ext>
+    </p:extLst>
+  </p:cSld>
+  <p:clrMapOvr>
+    <a:masterClrMapping/>
+  </p:clrMapOvr>
+</p:sld>
+</file>
+
+<file path=ppt/slides/slide22.xml><?xml version="1.0" encoding="utf-8"?>
+<p:sld xmlns:a="http://schemas.openxmlformats.org/drawingml/2006/main" xmlns:r="http://schemas.openxmlformats.org/officeDocument/2006/relationships" xmlns:p="http://schemas.openxmlformats.org/presentationml/2006/main">
+  <p:cSld>
+    <p:spTree>
+      <p:nvGrpSpPr>
+        <p:cNvPr id="1" name=""/>
+        <p:cNvGrpSpPr/>
+        <p:nvPr/>
+      </p:nvGrpSpPr>
+      <p:grpSpPr>
+        <a:xfrm>
+          <a:off x="0" y="0"/>
+          <a:ext cx="0" cy="0"/>
+          <a:chOff x="0" y="0"/>
+          <a:chExt cx="0" cy="0"/>
+        </a:xfrm>
+      </p:grpSpPr>
+      <p:sp>
+        <p:nvSpPr>
+          <p:cNvPr id="2" name="바닥글 개체 틀 1"/>
+          <p:cNvSpPr>
+            <a:spLocks noGrp="1"/>
+          </p:cNvSpPr>
+          <p:nvPr>
+            <p:ph type="ftr" sz="quarter" idx="3"/>
+          </p:nvPr>
+        </p:nvSpPr>
+        <p:spPr/>
+        <p:txBody>
+          <a:bodyPr/>
+          <a:lstStyle/>
+          <a:p>
+            <a:pPr algn="r"/>
+            <a:r>
+              <a:rPr lang="ko-KR" altLang="en-US" dirty="0" err="1"/>
+              <a:t>질수없조</a:t>
+            </a:r>
+            <a:endParaRPr lang="en-US" altLang="ko-KR" dirty="0"/>
+          </a:p>
+        </p:txBody>
+      </p:sp>
+      <p:sp>
+        <p:nvSpPr>
+          <p:cNvPr id="3" name="TextBox 2">
+            <a:extLst>
+              <a:ext uri="{FF2B5EF4-FFF2-40B4-BE49-F238E27FC236}">
+                <a16:creationId xmlns:a16="http://schemas.microsoft.com/office/drawing/2014/main" id="{BA576AD8-AE66-AB67-284E-A047C0DE81C9}"/>
+              </a:ext>
+            </a:extLst>
+          </p:cNvPr>
+          <p:cNvSpPr txBox="1"/>
+          <p:nvPr/>
+        </p:nvSpPr>
+        <p:spPr>
+          <a:xfrm>
+            <a:off x="1290464" y="253586"/>
+            <a:ext cx="1861073" cy="307777"/>
+          </a:xfrm>
+          <a:prstGeom prst="rect">
+            <a:avLst/>
+          </a:prstGeom>
+          <a:noFill/>
+        </p:spPr>
+        <p:txBody>
+          <a:bodyPr wrap="square" rtlCol="0">
+            <a:spAutoFit/>
+          </a:bodyPr>
+          <a:lstStyle/>
+          <a:p>
+            <a:r>
+              <a:rPr kumimoji="1" lang="ko-Kore-KR" altLang="en-US" dirty="0"/>
+              <a:t>옷짱</a:t>
+            </a:r>
+          </a:p>
+        </p:txBody>
+      </p:sp>
+      <p:pic>
+        <p:nvPicPr>
+          <p:cNvPr id="8" name="그림 7">
+            <a:extLst>
+              <a:ext uri="{FF2B5EF4-FFF2-40B4-BE49-F238E27FC236}">
+                <a16:creationId xmlns:a16="http://schemas.microsoft.com/office/drawing/2014/main" id="{C1B02FB7-6BC7-3FF3-FD26-C1D8B39FAD35}"/>
+              </a:ext>
+            </a:extLst>
+          </p:cNvPr>
+          <p:cNvPicPr>
+            <a:picLocks noChangeAspect="1"/>
+          </p:cNvPicPr>
+          <p:nvPr/>
+        </p:nvPicPr>
+        <p:blipFill>
+          <a:blip r:embed="rId2">
+            <a:extLst>
+              <a:ext uri="{28A0092B-C50C-407E-A947-70E740481C1C}">
+                <a14:useLocalDpi xmlns:a14="http://schemas.microsoft.com/office/drawing/2010/main" val="0"/>
+              </a:ext>
+            </a:extLst>
+          </a:blip>
+          <a:stretch>
+            <a:fillRect/>
+          </a:stretch>
+        </p:blipFill>
+        <p:spPr>
+          <a:xfrm>
+            <a:off x="586871" y="994291"/>
+            <a:ext cx="7970257" cy="5125951"/>
+          </a:xfrm>
+          <a:prstGeom prst="rect">
+            <a:avLst/>
+          </a:prstGeom>
+        </p:spPr>
+      </p:pic>
+    </p:spTree>
+    <p:extLst>
+      <p:ext uri="{BB962C8B-B14F-4D97-AF65-F5344CB8AC3E}">
+        <p14:creationId xmlns:p14="http://schemas.microsoft.com/office/powerpoint/2010/main" val="3109309356"/>
+      </p:ext>
+    </p:extLst>
   </p:cSld>
   <p:clrMapOvr>
     <a:masterClrMapping/>
@@ -5597,10 +6479,10 @@
       </p:sp>
       <p:pic>
         <p:nvPicPr>
-          <p:cNvPr id="8" name="그림 7">
+          <p:cNvPr id="10" name="그림 9">
             <a:extLst>
               <a:ext uri="{FF2B5EF4-FFF2-40B4-BE49-F238E27FC236}">
-                <a16:creationId xmlns:a16="http://schemas.microsoft.com/office/drawing/2014/main" id="{C67302F4-15EC-35BE-29AB-BC3590250242}"/>
+                <a16:creationId xmlns:a16="http://schemas.microsoft.com/office/drawing/2014/main" id="{AAD9000F-3897-6EEE-749C-1496FFCE2BEA}"/>
               </a:ext>
             </a:extLst>
           </p:cNvPr>
@@ -5623,8 +6505,8 @@
         </p:blipFill>
         <p:spPr>
           <a:xfrm>
-            <a:off x="257187" y="1238983"/>
-            <a:ext cx="8629626" cy="5046203"/>
+            <a:off x="0" y="885074"/>
+            <a:ext cx="9144000" cy="5087852"/>
           </a:xfrm>
           <a:prstGeom prst="rect">
             <a:avLst/>
@@ -6105,7 +6987,7 @@
           <p:nvPr/>
         </p:nvPicPr>
         <p:blipFill>
-          <a:blip r:embed="rId2">
+          <a:blip r:embed="rId2" cstate="print">
             <a:extLst>
               <a:ext uri="{28A0092B-C50C-407E-A947-70E740481C1C}">
                 <a14:useLocalDpi xmlns:a14="http://schemas.microsoft.com/office/drawing/2010/main" val="0"/>
@@ -6140,6 +7022,131 @@
 </file>
 
 <file path=ppt/slides/slide8.xml><?xml version="1.0" encoding="utf-8"?>
+<p:sld xmlns:a="http://schemas.openxmlformats.org/drawingml/2006/main" xmlns:r="http://schemas.openxmlformats.org/officeDocument/2006/relationships" xmlns:p="http://schemas.openxmlformats.org/presentationml/2006/main">
+  <p:cSld>
+    <p:spTree>
+      <p:nvGrpSpPr>
+        <p:cNvPr id="1" name=""/>
+        <p:cNvGrpSpPr/>
+        <p:nvPr/>
+      </p:nvGrpSpPr>
+      <p:grpSpPr>
+        <a:xfrm>
+          <a:off x="0" y="0"/>
+          <a:ext cx="0" cy="0"/>
+          <a:chOff x="0" y="0"/>
+          <a:chExt cx="0" cy="0"/>
+        </a:xfrm>
+      </p:grpSpPr>
+      <p:sp>
+        <p:nvSpPr>
+          <p:cNvPr id="2" name="바닥글 개체 틀 1"/>
+          <p:cNvSpPr>
+            <a:spLocks noGrp="1"/>
+          </p:cNvSpPr>
+          <p:nvPr>
+            <p:ph type="ftr" sz="quarter" idx="3"/>
+          </p:nvPr>
+        </p:nvSpPr>
+        <p:spPr/>
+        <p:txBody>
+          <a:bodyPr/>
+          <a:lstStyle/>
+          <a:p>
+            <a:pPr algn="r"/>
+            <a:r>
+              <a:rPr lang="ko-KR" altLang="en-US" dirty="0" err="1"/>
+              <a:t>질수없조</a:t>
+            </a:r>
+            <a:endParaRPr lang="en-US" altLang="ko-KR" dirty="0"/>
+          </a:p>
+        </p:txBody>
+      </p:sp>
+      <p:sp>
+        <p:nvSpPr>
+          <p:cNvPr id="3" name="TextBox 2">
+            <a:extLst>
+              <a:ext uri="{FF2B5EF4-FFF2-40B4-BE49-F238E27FC236}">
+                <a16:creationId xmlns:a16="http://schemas.microsoft.com/office/drawing/2014/main" id="{BA576AD8-AE66-AB67-284E-A047C0DE81C9}"/>
+              </a:ext>
+            </a:extLst>
+          </p:cNvPr>
+          <p:cNvSpPr txBox="1"/>
+          <p:nvPr/>
+        </p:nvSpPr>
+        <p:spPr>
+          <a:xfrm>
+            <a:off x="1290464" y="253586"/>
+            <a:ext cx="1861073" cy="307777"/>
+          </a:xfrm>
+          <a:prstGeom prst="rect">
+            <a:avLst/>
+          </a:prstGeom>
+          <a:noFill/>
+        </p:spPr>
+        <p:txBody>
+          <a:bodyPr wrap="square" rtlCol="0">
+            <a:spAutoFit/>
+          </a:bodyPr>
+          <a:lstStyle/>
+          <a:p>
+            <a:r>
+              <a:rPr kumimoji="1" lang="ko-Kore-KR" altLang="en-US" dirty="0"/>
+              <a:t>옷짱</a:t>
+            </a:r>
+          </a:p>
+        </p:txBody>
+      </p:sp>
+      <p:pic>
+        <p:nvPicPr>
+          <p:cNvPr id="6" name="그림 5">
+            <a:extLst>
+              <a:ext uri="{FF2B5EF4-FFF2-40B4-BE49-F238E27FC236}">
+                <a16:creationId xmlns:a16="http://schemas.microsoft.com/office/drawing/2014/main" id="{3F214CD5-AB04-5265-5D89-A5EF76953A1E}"/>
+              </a:ext>
+            </a:extLst>
+          </p:cNvPr>
+          <p:cNvPicPr>
+            <a:picLocks noChangeAspect="1"/>
+          </p:cNvPicPr>
+          <p:nvPr/>
+        </p:nvPicPr>
+        <p:blipFill>
+          <a:blip r:embed="rId2">
+            <a:extLst>
+              <a:ext uri="{28A0092B-C50C-407E-A947-70E740481C1C}">
+                <a14:useLocalDpi xmlns:a14="http://schemas.microsoft.com/office/drawing/2010/main" val="0"/>
+              </a:ext>
+            </a:extLst>
+          </a:blip>
+          <a:stretch>
+            <a:fillRect/>
+          </a:stretch>
+        </p:blipFill>
+        <p:spPr>
+          <a:xfrm>
+            <a:off x="379806" y="1422430"/>
+            <a:ext cx="8384387" cy="4198442"/>
+          </a:xfrm>
+          <a:prstGeom prst="rect">
+            <a:avLst/>
+          </a:prstGeom>
+        </p:spPr>
+      </p:pic>
+    </p:spTree>
+    <p:extLst>
+      <p:ext uri="{BB962C8B-B14F-4D97-AF65-F5344CB8AC3E}">
+        <p14:creationId xmlns:p14="http://schemas.microsoft.com/office/powerpoint/2010/main" val="2200542620"/>
+      </p:ext>
+    </p:extLst>
+  </p:cSld>
+  <p:clrMapOvr>
+    <a:masterClrMapping/>
+  </p:clrMapOvr>
+</p:sld>
+</file>
+
+<file path=ppt/slides/slide9.xml><?xml version="1.0" encoding="utf-8"?>
 <p:sld xmlns:a="http://schemas.openxmlformats.org/drawingml/2006/main" xmlns:r="http://schemas.openxmlformats.org/officeDocument/2006/relationships" xmlns:p="http://schemas.openxmlformats.org/presentationml/2006/main">
   <p:cSld>
     <p:spTree>
@@ -6255,131 +7262,6 @@
     <p:extLst>
       <p:ext uri="{BB962C8B-B14F-4D97-AF65-F5344CB8AC3E}">
         <p14:creationId xmlns:p14="http://schemas.microsoft.com/office/powerpoint/2010/main" val="42479120"/>
-      </p:ext>
-    </p:extLst>
-  </p:cSld>
-  <p:clrMapOvr>
-    <a:masterClrMapping/>
-  </p:clrMapOvr>
-</p:sld>
-</file>
-
-<file path=ppt/slides/slide9.xml><?xml version="1.0" encoding="utf-8"?>
-<p:sld xmlns:a="http://schemas.openxmlformats.org/drawingml/2006/main" xmlns:r="http://schemas.openxmlformats.org/officeDocument/2006/relationships" xmlns:p="http://schemas.openxmlformats.org/presentationml/2006/main">
-  <p:cSld>
-    <p:spTree>
-      <p:nvGrpSpPr>
-        <p:cNvPr id="1" name=""/>
-        <p:cNvGrpSpPr/>
-        <p:nvPr/>
-      </p:nvGrpSpPr>
-      <p:grpSpPr>
-        <a:xfrm>
-          <a:off x="0" y="0"/>
-          <a:ext cx="0" cy="0"/>
-          <a:chOff x="0" y="0"/>
-          <a:chExt cx="0" cy="0"/>
-        </a:xfrm>
-      </p:grpSpPr>
-      <p:sp>
-        <p:nvSpPr>
-          <p:cNvPr id="2" name="바닥글 개체 틀 1"/>
-          <p:cNvSpPr>
-            <a:spLocks noGrp="1"/>
-          </p:cNvSpPr>
-          <p:nvPr>
-            <p:ph type="ftr" sz="quarter" idx="3"/>
-          </p:nvPr>
-        </p:nvSpPr>
-        <p:spPr/>
-        <p:txBody>
-          <a:bodyPr/>
-          <a:lstStyle/>
-          <a:p>
-            <a:pPr algn="r"/>
-            <a:r>
-              <a:rPr lang="ko-KR" altLang="en-US" dirty="0" err="1"/>
-              <a:t>질수없조</a:t>
-            </a:r>
-            <a:endParaRPr lang="en-US" altLang="ko-KR" dirty="0"/>
-          </a:p>
-        </p:txBody>
-      </p:sp>
-      <p:sp>
-        <p:nvSpPr>
-          <p:cNvPr id="3" name="TextBox 2">
-            <a:extLst>
-              <a:ext uri="{FF2B5EF4-FFF2-40B4-BE49-F238E27FC236}">
-                <a16:creationId xmlns:a16="http://schemas.microsoft.com/office/drawing/2014/main" id="{BA576AD8-AE66-AB67-284E-A047C0DE81C9}"/>
-              </a:ext>
-            </a:extLst>
-          </p:cNvPr>
-          <p:cNvSpPr txBox="1"/>
-          <p:nvPr/>
-        </p:nvSpPr>
-        <p:spPr>
-          <a:xfrm>
-            <a:off x="1290464" y="253586"/>
-            <a:ext cx="1861073" cy="307777"/>
-          </a:xfrm>
-          <a:prstGeom prst="rect">
-            <a:avLst/>
-          </a:prstGeom>
-          <a:noFill/>
-        </p:spPr>
-        <p:txBody>
-          <a:bodyPr wrap="square" rtlCol="0">
-            <a:spAutoFit/>
-          </a:bodyPr>
-          <a:lstStyle/>
-          <a:p>
-            <a:r>
-              <a:rPr kumimoji="1" lang="ko-Kore-KR" altLang="en-US" dirty="0"/>
-              <a:t>옷짱</a:t>
-            </a:r>
-          </a:p>
-        </p:txBody>
-      </p:sp>
-      <p:pic>
-        <p:nvPicPr>
-          <p:cNvPr id="5" name="그림 4">
-            <a:extLst>
-              <a:ext uri="{FF2B5EF4-FFF2-40B4-BE49-F238E27FC236}">
-                <a16:creationId xmlns:a16="http://schemas.microsoft.com/office/drawing/2014/main" id="{422D7AA0-5D49-9C90-94D5-09AB4BF4E600}"/>
-              </a:ext>
-            </a:extLst>
-          </p:cNvPr>
-          <p:cNvPicPr>
-            <a:picLocks noChangeAspect="1"/>
-          </p:cNvPicPr>
-          <p:nvPr/>
-        </p:nvPicPr>
-        <p:blipFill>
-          <a:blip r:embed="rId2">
-            <a:extLst>
-              <a:ext uri="{28A0092B-C50C-407E-A947-70E740481C1C}">
-                <a14:useLocalDpi xmlns:a14="http://schemas.microsoft.com/office/drawing/2010/main" val="0"/>
-              </a:ext>
-            </a:extLst>
-          </a:blip>
-          <a:stretch>
-            <a:fillRect/>
-          </a:stretch>
-        </p:blipFill>
-        <p:spPr>
-          <a:xfrm>
-            <a:off x="685800" y="1465057"/>
-            <a:ext cx="7772400" cy="4229100"/>
-          </a:xfrm>
-          <a:prstGeom prst="rect">
-            <a:avLst/>
-          </a:prstGeom>
-        </p:spPr>
-      </p:pic>
-    </p:spTree>
-    <p:extLst>
-      <p:ext uri="{BB962C8B-B14F-4D97-AF65-F5344CB8AC3E}">
-        <p14:creationId xmlns:p14="http://schemas.microsoft.com/office/powerpoint/2010/main" val="1625284491"/>
       </p:ext>
     </p:extLst>
   </p:cSld>
